--- a/Capstone Project Presentation.pptx
+++ b/Capstone Project Presentation.pptx
@@ -43,7 +43,10 @@
       <a:spcAft>
         <a:spcPts val="0"/>
       </a:spcAft>
-      <a:buNone/>
+      <a:buClr>
+        <a:srgbClr val="000000"/>
+      </a:buClr>
+      <a:buFont typeface="Arial"/>
       <a:defRPr b="0" i="0" sz="1400" u="none" cap="none" strike="noStrike">
         <a:solidFill>
           <a:srgbClr val="000000"/>
@@ -64,7 +67,10 @@
       <a:spcAft>
         <a:spcPts val="0"/>
       </a:spcAft>
-      <a:buNone/>
+      <a:buClr>
+        <a:srgbClr val="000000"/>
+      </a:buClr>
+      <a:buFont typeface="Arial"/>
       <a:defRPr b="0" i="0" sz="1400" u="none" cap="none" strike="noStrike">
         <a:solidFill>
           <a:srgbClr val="000000"/>
@@ -85,7 +91,10 @@
       <a:spcAft>
         <a:spcPts val="0"/>
       </a:spcAft>
-      <a:buNone/>
+      <a:buClr>
+        <a:srgbClr val="000000"/>
+      </a:buClr>
+      <a:buFont typeface="Arial"/>
       <a:defRPr b="0" i="0" sz="1400" u="none" cap="none" strike="noStrike">
         <a:solidFill>
           <a:srgbClr val="000000"/>
@@ -106,7 +115,10 @@
       <a:spcAft>
         <a:spcPts val="0"/>
       </a:spcAft>
-      <a:buNone/>
+      <a:buClr>
+        <a:srgbClr val="000000"/>
+      </a:buClr>
+      <a:buFont typeface="Arial"/>
       <a:defRPr b="0" i="0" sz="1400" u="none" cap="none" strike="noStrike">
         <a:solidFill>
           <a:srgbClr val="000000"/>
@@ -127,7 +139,10 @@
       <a:spcAft>
         <a:spcPts val="0"/>
       </a:spcAft>
-      <a:buNone/>
+      <a:buClr>
+        <a:srgbClr val="000000"/>
+      </a:buClr>
+      <a:buFont typeface="Arial"/>
       <a:defRPr b="0" i="0" sz="1400" u="none" cap="none" strike="noStrike">
         <a:solidFill>
           <a:srgbClr val="000000"/>
@@ -148,7 +163,10 @@
       <a:spcAft>
         <a:spcPts val="0"/>
       </a:spcAft>
-      <a:buNone/>
+      <a:buClr>
+        <a:srgbClr val="000000"/>
+      </a:buClr>
+      <a:buFont typeface="Arial"/>
       <a:defRPr b="0" i="0" sz="1400" u="none" cap="none" strike="noStrike">
         <a:solidFill>
           <a:srgbClr val="000000"/>
@@ -169,7 +187,10 @@
       <a:spcAft>
         <a:spcPts val="0"/>
       </a:spcAft>
-      <a:buNone/>
+      <a:buClr>
+        <a:srgbClr val="000000"/>
+      </a:buClr>
+      <a:buFont typeface="Arial"/>
       <a:defRPr b="0" i="0" sz="1400" u="none" cap="none" strike="noStrike">
         <a:solidFill>
           <a:srgbClr val="000000"/>
@@ -190,7 +211,10 @@
       <a:spcAft>
         <a:spcPts val="0"/>
       </a:spcAft>
-      <a:buNone/>
+      <a:buClr>
+        <a:srgbClr val="000000"/>
+      </a:buClr>
+      <a:buFont typeface="Arial"/>
       <a:defRPr b="0" i="0" sz="1400" u="none" cap="none" strike="noStrike">
         <a:solidFill>
           <a:srgbClr val="000000"/>
@@ -211,7 +235,10 @@
       <a:spcAft>
         <a:spcPts val="0"/>
       </a:spcAft>
-      <a:buNone/>
+      <a:buClr>
+        <a:srgbClr val="000000"/>
+      </a:buClr>
+      <a:buFont typeface="Arial"/>
       <a:defRPr b="0" i="0" sz="1400" u="none" cap="none" strike="noStrike">
         <a:solidFill>
           <a:srgbClr val="000000"/>
@@ -417,6 +444,235 @@
     </p:spTree>
   </p:cSld>
   <p:clrMap accent1="accent1" accent2="accent2" accent3="accent3" accent4="accent4" accent5="accent5" accent6="accent6" bg1="lt1" bg2="dk2" tx1="dk1" tx2="lt2" folHlink="folHlink" hlink="hlink"/>
+  <p:notesStyle>
+    <a:defPPr lvl="0" marR="0" rtl="0" algn="l">
+      <a:lnSpc>
+        <a:spcPct val="100000"/>
+      </a:lnSpc>
+      <a:spcBef>
+        <a:spcPts val="0"/>
+      </a:spcBef>
+      <a:spcAft>
+        <a:spcPts val="0"/>
+      </a:spcAft>
+    </a:defPPr>
+    <a:lvl1pPr lvl="0" marR="0" rtl="0" algn="l">
+      <a:lnSpc>
+        <a:spcPct val="100000"/>
+      </a:lnSpc>
+      <a:spcBef>
+        <a:spcPts val="0"/>
+      </a:spcBef>
+      <a:spcAft>
+        <a:spcPts val="0"/>
+      </a:spcAft>
+      <a:buClr>
+        <a:srgbClr val="000000"/>
+      </a:buClr>
+      <a:buFont typeface="Arial"/>
+      <a:defRPr b="0" i="0" sz="1400" u="none" cap="none" strike="noStrike">
+        <a:solidFill>
+          <a:srgbClr val="000000"/>
+        </a:solidFill>
+        <a:latin typeface="Arial"/>
+        <a:ea typeface="Arial"/>
+        <a:cs typeface="Arial"/>
+        <a:sym typeface="Arial"/>
+      </a:defRPr>
+    </a:lvl1pPr>
+    <a:lvl2pPr lvl="1" marR="0" rtl="0" algn="l">
+      <a:lnSpc>
+        <a:spcPct val="100000"/>
+      </a:lnSpc>
+      <a:spcBef>
+        <a:spcPts val="0"/>
+      </a:spcBef>
+      <a:spcAft>
+        <a:spcPts val="0"/>
+      </a:spcAft>
+      <a:buClr>
+        <a:srgbClr val="000000"/>
+      </a:buClr>
+      <a:buFont typeface="Arial"/>
+      <a:defRPr b="0" i="0" sz="1400" u="none" cap="none" strike="noStrike">
+        <a:solidFill>
+          <a:srgbClr val="000000"/>
+        </a:solidFill>
+        <a:latin typeface="Arial"/>
+        <a:ea typeface="Arial"/>
+        <a:cs typeface="Arial"/>
+        <a:sym typeface="Arial"/>
+      </a:defRPr>
+    </a:lvl2pPr>
+    <a:lvl3pPr lvl="2" marR="0" rtl="0" algn="l">
+      <a:lnSpc>
+        <a:spcPct val="100000"/>
+      </a:lnSpc>
+      <a:spcBef>
+        <a:spcPts val="0"/>
+      </a:spcBef>
+      <a:spcAft>
+        <a:spcPts val="0"/>
+      </a:spcAft>
+      <a:buClr>
+        <a:srgbClr val="000000"/>
+      </a:buClr>
+      <a:buFont typeface="Arial"/>
+      <a:defRPr b="0" i="0" sz="1400" u="none" cap="none" strike="noStrike">
+        <a:solidFill>
+          <a:srgbClr val="000000"/>
+        </a:solidFill>
+        <a:latin typeface="Arial"/>
+        <a:ea typeface="Arial"/>
+        <a:cs typeface="Arial"/>
+        <a:sym typeface="Arial"/>
+      </a:defRPr>
+    </a:lvl3pPr>
+    <a:lvl4pPr lvl="3" marR="0" rtl="0" algn="l">
+      <a:lnSpc>
+        <a:spcPct val="100000"/>
+      </a:lnSpc>
+      <a:spcBef>
+        <a:spcPts val="0"/>
+      </a:spcBef>
+      <a:spcAft>
+        <a:spcPts val="0"/>
+      </a:spcAft>
+      <a:buClr>
+        <a:srgbClr val="000000"/>
+      </a:buClr>
+      <a:buFont typeface="Arial"/>
+      <a:defRPr b="0" i="0" sz="1400" u="none" cap="none" strike="noStrike">
+        <a:solidFill>
+          <a:srgbClr val="000000"/>
+        </a:solidFill>
+        <a:latin typeface="Arial"/>
+        <a:ea typeface="Arial"/>
+        <a:cs typeface="Arial"/>
+        <a:sym typeface="Arial"/>
+      </a:defRPr>
+    </a:lvl4pPr>
+    <a:lvl5pPr lvl="4" marR="0" rtl="0" algn="l">
+      <a:lnSpc>
+        <a:spcPct val="100000"/>
+      </a:lnSpc>
+      <a:spcBef>
+        <a:spcPts val="0"/>
+      </a:spcBef>
+      <a:spcAft>
+        <a:spcPts val="0"/>
+      </a:spcAft>
+      <a:buClr>
+        <a:srgbClr val="000000"/>
+      </a:buClr>
+      <a:buFont typeface="Arial"/>
+      <a:defRPr b="0" i="0" sz="1400" u="none" cap="none" strike="noStrike">
+        <a:solidFill>
+          <a:srgbClr val="000000"/>
+        </a:solidFill>
+        <a:latin typeface="Arial"/>
+        <a:ea typeface="Arial"/>
+        <a:cs typeface="Arial"/>
+        <a:sym typeface="Arial"/>
+      </a:defRPr>
+    </a:lvl5pPr>
+    <a:lvl6pPr lvl="5" marR="0" rtl="0" algn="l">
+      <a:lnSpc>
+        <a:spcPct val="100000"/>
+      </a:lnSpc>
+      <a:spcBef>
+        <a:spcPts val="0"/>
+      </a:spcBef>
+      <a:spcAft>
+        <a:spcPts val="0"/>
+      </a:spcAft>
+      <a:buClr>
+        <a:srgbClr val="000000"/>
+      </a:buClr>
+      <a:buFont typeface="Arial"/>
+      <a:defRPr b="0" i="0" sz="1400" u="none" cap="none" strike="noStrike">
+        <a:solidFill>
+          <a:srgbClr val="000000"/>
+        </a:solidFill>
+        <a:latin typeface="Arial"/>
+        <a:ea typeface="Arial"/>
+        <a:cs typeface="Arial"/>
+        <a:sym typeface="Arial"/>
+      </a:defRPr>
+    </a:lvl6pPr>
+    <a:lvl7pPr lvl="6" marR="0" rtl="0" algn="l">
+      <a:lnSpc>
+        <a:spcPct val="100000"/>
+      </a:lnSpc>
+      <a:spcBef>
+        <a:spcPts val="0"/>
+      </a:spcBef>
+      <a:spcAft>
+        <a:spcPts val="0"/>
+      </a:spcAft>
+      <a:buClr>
+        <a:srgbClr val="000000"/>
+      </a:buClr>
+      <a:buFont typeface="Arial"/>
+      <a:defRPr b="0" i="0" sz="1400" u="none" cap="none" strike="noStrike">
+        <a:solidFill>
+          <a:srgbClr val="000000"/>
+        </a:solidFill>
+        <a:latin typeface="Arial"/>
+        <a:ea typeface="Arial"/>
+        <a:cs typeface="Arial"/>
+        <a:sym typeface="Arial"/>
+      </a:defRPr>
+    </a:lvl7pPr>
+    <a:lvl8pPr lvl="7" marR="0" rtl="0" algn="l">
+      <a:lnSpc>
+        <a:spcPct val="100000"/>
+      </a:lnSpc>
+      <a:spcBef>
+        <a:spcPts val="0"/>
+      </a:spcBef>
+      <a:spcAft>
+        <a:spcPts val="0"/>
+      </a:spcAft>
+      <a:buClr>
+        <a:srgbClr val="000000"/>
+      </a:buClr>
+      <a:buFont typeface="Arial"/>
+      <a:defRPr b="0" i="0" sz="1400" u="none" cap="none" strike="noStrike">
+        <a:solidFill>
+          <a:srgbClr val="000000"/>
+        </a:solidFill>
+        <a:latin typeface="Arial"/>
+        <a:ea typeface="Arial"/>
+        <a:cs typeface="Arial"/>
+        <a:sym typeface="Arial"/>
+      </a:defRPr>
+    </a:lvl8pPr>
+    <a:lvl9pPr lvl="8" marR="0" rtl="0" algn="l">
+      <a:lnSpc>
+        <a:spcPct val="100000"/>
+      </a:lnSpc>
+      <a:spcBef>
+        <a:spcPts val="0"/>
+      </a:spcBef>
+      <a:spcAft>
+        <a:spcPts val="0"/>
+      </a:spcAft>
+      <a:buClr>
+        <a:srgbClr val="000000"/>
+      </a:buClr>
+      <a:buFont typeface="Arial"/>
+      <a:defRPr b="0" i="0" sz="1400" u="none" cap="none" strike="noStrike">
+        <a:solidFill>
+          <a:srgbClr val="000000"/>
+        </a:solidFill>
+        <a:latin typeface="Arial"/>
+        <a:ea typeface="Arial"/>
+        <a:cs typeface="Arial"/>
+        <a:sym typeface="Arial"/>
+      </a:defRPr>
+    </a:lvl9pPr>
+  </p:notesStyle>
 </p:notesMaster>
 </file>
 
@@ -1389,7 +1645,7 @@
             </a:pPr>
             <a:r>
               <a:rPr lang="en"/>
-              <a:t>We will be observing the scores on the testing sets for our observations. From this we can see that the highest accuracy score is for KNN with Standard Scaler yielded the highest accuracy score of 94%. Overall value the best model was SVC with Standard Scaler with accuracy score of 90% and lowest MSE value. This model also had the highest precision, recall and f1 scores. The worst model was the logistic </a:t>
+              <a:t>We will be observing the scores on the testing sets for our observations. From this we can see that the highest accuracy score is for KNN with Standard Scaler yielded the highest accuracy score of 94%. Ideal F-1 score was seen with SVC with Standard Scaler with 83%. Looking at the AUC Logistic Regression displayed the best result with 95% but lacked in all other categories to be considered. Overall the most ideal model for our dataset would be between KNN with neighbors of 7 or SVC with Standard Scaler.</a:t>
             </a:r>
             <a:endParaRPr/>
           </a:p>
@@ -1404,8 +1660,8 @@
 </file>
 
 <file path=ppt/slideLayouts/slideLayout1.xml><?xml version="1.0" encoding="utf-8"?>
-<p:sldLayout xmlns:a="http://schemas.openxmlformats.org/drawingml/2006/main" xmlns:r="http://schemas.openxmlformats.org/officeDocument/2006/relationships" xmlns:mc="http://schemas.openxmlformats.org/markup-compatibility/2006" xmlns:mv="urn:schemas-microsoft-com:mac:vml" xmlns:p="http://schemas.openxmlformats.org/presentationml/2006/main" xmlns:c="http://schemas.openxmlformats.org/drawingml/2006/chart" xmlns:dgm="http://schemas.openxmlformats.org/drawingml/2006/diagram" xmlns:o="urn:schemas-microsoft-com:office:office" xmlns:v="urn:schemas-microsoft-com:vml" xmlns:pvml="urn:schemas-microsoft-com:office:powerpoint" xmlns:com="http://schemas.openxmlformats.org/drawingml/2006/compatibility" xmlns:p14="http://schemas.microsoft.com/office/powerpoint/2010/main" xmlns:p15="http://schemas.microsoft.com/office/powerpoint/2012/main" type="title">
-  <p:cSld name="Title slide">
+<p:sldLayout xmlns:a="http://schemas.openxmlformats.org/drawingml/2006/main" xmlns:r="http://schemas.openxmlformats.org/officeDocument/2006/relationships" xmlns:mc="http://schemas.openxmlformats.org/markup-compatibility/2006" xmlns:mv="urn:schemas-microsoft-com:mac:vml" xmlns:p="http://schemas.openxmlformats.org/presentationml/2006/main" xmlns:c="http://schemas.openxmlformats.org/drawingml/2006/chart" xmlns:dgm="http://schemas.openxmlformats.org/drawingml/2006/diagram" xmlns:o="urn:schemas-microsoft-com:office:office" xmlns:v="urn:schemas-microsoft-com:vml" xmlns:pvml="urn:schemas-microsoft-com:office:powerpoint" xmlns:com="http://schemas.openxmlformats.org/drawingml/2006/compatibility" xmlns:p14="http://schemas.microsoft.com/office/powerpoint/2010/main" xmlns:p15="http://schemas.microsoft.com/office/powerpoint/2012/main" matchingName="Title slide" type="title">
+  <p:cSld name="TITLE">
     <p:spTree>
       <p:nvGrpSpPr>
         <p:cNvPr id="9" name="Shape 9"/>
@@ -1714,7 +1970,71 @@
           <a:bodyPr anchorCtr="0" anchor="ctr" bIns="91425" lIns="91425" spcFirstLastPara="1" rIns="91425" wrap="square" tIns="91425">
             <a:noAutofit/>
           </a:bodyPr>
-          <a:lstStyle/>
+          <a:lstStyle>
+            <a:lvl1pPr lvl="0">
+              <a:spcBef>
+                <a:spcPts val="0"/>
+              </a:spcBef>
+              <a:buNone/>
+              <a:defRPr/>
+            </a:lvl1pPr>
+            <a:lvl2pPr lvl="1">
+              <a:spcBef>
+                <a:spcPts val="0"/>
+              </a:spcBef>
+              <a:buNone/>
+              <a:defRPr/>
+            </a:lvl2pPr>
+            <a:lvl3pPr lvl="2">
+              <a:spcBef>
+                <a:spcPts val="0"/>
+              </a:spcBef>
+              <a:buNone/>
+              <a:defRPr/>
+            </a:lvl3pPr>
+            <a:lvl4pPr lvl="3">
+              <a:spcBef>
+                <a:spcPts val="0"/>
+              </a:spcBef>
+              <a:buNone/>
+              <a:defRPr/>
+            </a:lvl4pPr>
+            <a:lvl5pPr lvl="4">
+              <a:spcBef>
+                <a:spcPts val="0"/>
+              </a:spcBef>
+              <a:buNone/>
+              <a:defRPr/>
+            </a:lvl5pPr>
+            <a:lvl6pPr lvl="5">
+              <a:spcBef>
+                <a:spcPts val="0"/>
+              </a:spcBef>
+              <a:buNone/>
+              <a:defRPr/>
+            </a:lvl6pPr>
+            <a:lvl7pPr lvl="6">
+              <a:spcBef>
+                <a:spcPts val="0"/>
+              </a:spcBef>
+              <a:buNone/>
+              <a:defRPr/>
+            </a:lvl7pPr>
+            <a:lvl8pPr lvl="7">
+              <a:spcBef>
+                <a:spcPts val="0"/>
+              </a:spcBef>
+              <a:buNone/>
+              <a:defRPr/>
+            </a:lvl8pPr>
+            <a:lvl9pPr lvl="8">
+              <a:spcBef>
+                <a:spcPts val="0"/>
+              </a:spcBef>
+              <a:buNone/>
+              <a:defRPr/>
+            </a:lvl9pPr>
+          </a:lstStyle>
           <a:p>
             <a:pPr indent="0" lvl="0" marL="0">
               <a:spcBef>
@@ -1742,8 +2062,8 @@
 </file>
 
 <file path=ppt/slideLayouts/slideLayout10.xml><?xml version="1.0" encoding="utf-8"?>
-<p:sldLayout xmlns:a="http://schemas.openxmlformats.org/drawingml/2006/main" xmlns:r="http://schemas.openxmlformats.org/officeDocument/2006/relationships" xmlns:mc="http://schemas.openxmlformats.org/markup-compatibility/2006" xmlns:mv="urn:schemas-microsoft-com:mac:vml" xmlns:p="http://schemas.openxmlformats.org/presentationml/2006/main" xmlns:c="http://schemas.openxmlformats.org/drawingml/2006/chart" xmlns:dgm="http://schemas.openxmlformats.org/drawingml/2006/diagram" xmlns:o="urn:schemas-microsoft-com:office:office" xmlns:v="urn:schemas-microsoft-com:vml" xmlns:pvml="urn:schemas-microsoft-com:office:powerpoint" xmlns:com="http://schemas.openxmlformats.org/drawingml/2006/compatibility" xmlns:p14="http://schemas.microsoft.com/office/powerpoint/2010/main" xmlns:p15="http://schemas.microsoft.com/office/powerpoint/2012/main">
-  <p:cSld name="Big number">
+<p:sldLayout xmlns:a="http://schemas.openxmlformats.org/drawingml/2006/main" xmlns:r="http://schemas.openxmlformats.org/officeDocument/2006/relationships" xmlns:mc="http://schemas.openxmlformats.org/markup-compatibility/2006" xmlns:mv="urn:schemas-microsoft-com:mac:vml" xmlns:p="http://schemas.openxmlformats.org/presentationml/2006/main" xmlns:c="http://schemas.openxmlformats.org/drawingml/2006/chart" xmlns:dgm="http://schemas.openxmlformats.org/drawingml/2006/diagram" xmlns:o="urn:schemas-microsoft-com:office:office" xmlns:v="urn:schemas-microsoft-com:vml" xmlns:pvml="urn:schemas-microsoft-com:office:powerpoint" xmlns:com="http://schemas.openxmlformats.org/drawingml/2006/compatibility" xmlns:p14="http://schemas.microsoft.com/office/powerpoint/2010/main" xmlns:p15="http://schemas.microsoft.com/office/powerpoint/2012/main" matchingName="Big number">
+  <p:cSld name="BIG_NUMBER">
     <p:spTree>
       <p:nvGrpSpPr>
         <p:cNvPr id="44" name="Shape 44"/>
@@ -2025,7 +2345,71 @@
           <a:bodyPr anchorCtr="0" anchor="ctr" bIns="91425" lIns="91425" spcFirstLastPara="1" rIns="91425" wrap="square" tIns="91425">
             <a:noAutofit/>
           </a:bodyPr>
-          <a:lstStyle/>
+          <a:lstStyle>
+            <a:lvl1pPr lvl="0">
+              <a:spcBef>
+                <a:spcPts val="0"/>
+              </a:spcBef>
+              <a:buNone/>
+              <a:defRPr/>
+            </a:lvl1pPr>
+            <a:lvl2pPr lvl="1">
+              <a:spcBef>
+                <a:spcPts val="0"/>
+              </a:spcBef>
+              <a:buNone/>
+              <a:defRPr/>
+            </a:lvl2pPr>
+            <a:lvl3pPr lvl="2">
+              <a:spcBef>
+                <a:spcPts val="0"/>
+              </a:spcBef>
+              <a:buNone/>
+              <a:defRPr/>
+            </a:lvl3pPr>
+            <a:lvl4pPr lvl="3">
+              <a:spcBef>
+                <a:spcPts val="0"/>
+              </a:spcBef>
+              <a:buNone/>
+              <a:defRPr/>
+            </a:lvl4pPr>
+            <a:lvl5pPr lvl="4">
+              <a:spcBef>
+                <a:spcPts val="0"/>
+              </a:spcBef>
+              <a:buNone/>
+              <a:defRPr/>
+            </a:lvl5pPr>
+            <a:lvl6pPr lvl="5">
+              <a:spcBef>
+                <a:spcPts val="0"/>
+              </a:spcBef>
+              <a:buNone/>
+              <a:defRPr/>
+            </a:lvl6pPr>
+            <a:lvl7pPr lvl="6">
+              <a:spcBef>
+                <a:spcPts val="0"/>
+              </a:spcBef>
+              <a:buNone/>
+              <a:defRPr/>
+            </a:lvl7pPr>
+            <a:lvl8pPr lvl="7">
+              <a:spcBef>
+                <a:spcPts val="0"/>
+              </a:spcBef>
+              <a:buNone/>
+              <a:defRPr/>
+            </a:lvl8pPr>
+            <a:lvl9pPr lvl="8">
+              <a:spcBef>
+                <a:spcPts val="0"/>
+              </a:spcBef>
+              <a:buNone/>
+              <a:defRPr/>
+            </a:lvl9pPr>
+          </a:lstStyle>
           <a:p>
             <a:pPr indent="0" lvl="0" marL="0">
               <a:spcBef>
@@ -2053,8 +2437,8 @@
 </file>
 
 <file path=ppt/slideLayouts/slideLayout11.xml><?xml version="1.0" encoding="utf-8"?>
-<p:sldLayout xmlns:a="http://schemas.openxmlformats.org/drawingml/2006/main" xmlns:r="http://schemas.openxmlformats.org/officeDocument/2006/relationships" xmlns:mc="http://schemas.openxmlformats.org/markup-compatibility/2006" xmlns:mv="urn:schemas-microsoft-com:mac:vml" xmlns:p="http://schemas.openxmlformats.org/presentationml/2006/main" xmlns:c="http://schemas.openxmlformats.org/drawingml/2006/chart" xmlns:dgm="http://schemas.openxmlformats.org/drawingml/2006/diagram" xmlns:o="urn:schemas-microsoft-com:office:office" xmlns:v="urn:schemas-microsoft-com:vml" xmlns:pvml="urn:schemas-microsoft-com:office:powerpoint" xmlns:com="http://schemas.openxmlformats.org/drawingml/2006/compatibility" xmlns:p14="http://schemas.microsoft.com/office/powerpoint/2010/main" xmlns:p15="http://schemas.microsoft.com/office/powerpoint/2012/main" type="blank">
-  <p:cSld name="Blank">
+<p:sldLayout xmlns:a="http://schemas.openxmlformats.org/drawingml/2006/main" xmlns:r="http://schemas.openxmlformats.org/officeDocument/2006/relationships" xmlns:mc="http://schemas.openxmlformats.org/markup-compatibility/2006" xmlns:mv="urn:schemas-microsoft-com:mac:vml" xmlns:p="http://schemas.openxmlformats.org/presentationml/2006/main" xmlns:c="http://schemas.openxmlformats.org/drawingml/2006/chart" xmlns:dgm="http://schemas.openxmlformats.org/drawingml/2006/diagram" xmlns:o="urn:schemas-microsoft-com:office:office" xmlns:v="urn:schemas-microsoft-com:vml" xmlns:pvml="urn:schemas-microsoft-com:office:powerpoint" xmlns:com="http://schemas.openxmlformats.org/drawingml/2006/compatibility" xmlns:p14="http://schemas.microsoft.com/office/powerpoint/2010/main" xmlns:p15="http://schemas.microsoft.com/office/powerpoint/2012/main" matchingName="Blank" type="blank">
+  <p:cSld name="BLANK">
     <p:spTree>
       <p:nvGrpSpPr>
         <p:cNvPr id="48" name="Shape 48"/>
@@ -2090,7 +2474,71 @@
           <a:bodyPr anchorCtr="0" anchor="ctr" bIns="91425" lIns="91425" spcFirstLastPara="1" rIns="91425" wrap="square" tIns="91425">
             <a:noAutofit/>
           </a:bodyPr>
-          <a:lstStyle/>
+          <a:lstStyle>
+            <a:lvl1pPr lvl="0">
+              <a:spcBef>
+                <a:spcPts val="0"/>
+              </a:spcBef>
+              <a:buNone/>
+              <a:defRPr/>
+            </a:lvl1pPr>
+            <a:lvl2pPr lvl="1">
+              <a:spcBef>
+                <a:spcPts val="0"/>
+              </a:spcBef>
+              <a:buNone/>
+              <a:defRPr/>
+            </a:lvl2pPr>
+            <a:lvl3pPr lvl="2">
+              <a:spcBef>
+                <a:spcPts val="0"/>
+              </a:spcBef>
+              <a:buNone/>
+              <a:defRPr/>
+            </a:lvl3pPr>
+            <a:lvl4pPr lvl="3">
+              <a:spcBef>
+                <a:spcPts val="0"/>
+              </a:spcBef>
+              <a:buNone/>
+              <a:defRPr/>
+            </a:lvl4pPr>
+            <a:lvl5pPr lvl="4">
+              <a:spcBef>
+                <a:spcPts val="0"/>
+              </a:spcBef>
+              <a:buNone/>
+              <a:defRPr/>
+            </a:lvl5pPr>
+            <a:lvl6pPr lvl="5">
+              <a:spcBef>
+                <a:spcPts val="0"/>
+              </a:spcBef>
+              <a:buNone/>
+              <a:defRPr/>
+            </a:lvl6pPr>
+            <a:lvl7pPr lvl="6">
+              <a:spcBef>
+                <a:spcPts val="0"/>
+              </a:spcBef>
+              <a:buNone/>
+              <a:defRPr/>
+            </a:lvl7pPr>
+            <a:lvl8pPr lvl="7">
+              <a:spcBef>
+                <a:spcPts val="0"/>
+              </a:spcBef>
+              <a:buNone/>
+              <a:defRPr/>
+            </a:lvl8pPr>
+            <a:lvl9pPr lvl="8">
+              <a:spcBef>
+                <a:spcPts val="0"/>
+              </a:spcBef>
+              <a:buNone/>
+              <a:defRPr/>
+            </a:lvl9pPr>
+          </a:lstStyle>
           <a:p>
             <a:pPr indent="0" lvl="0" marL="0">
               <a:spcBef>
@@ -2118,8 +2566,8 @@
 </file>
 
 <file path=ppt/slideLayouts/slideLayout2.xml><?xml version="1.0" encoding="utf-8"?>
-<p:sldLayout xmlns:a="http://schemas.openxmlformats.org/drawingml/2006/main" xmlns:r="http://schemas.openxmlformats.org/officeDocument/2006/relationships" xmlns:mc="http://schemas.openxmlformats.org/markup-compatibility/2006" xmlns:mv="urn:schemas-microsoft-com:mac:vml" xmlns:p="http://schemas.openxmlformats.org/presentationml/2006/main" xmlns:c="http://schemas.openxmlformats.org/drawingml/2006/chart" xmlns:dgm="http://schemas.openxmlformats.org/drawingml/2006/diagram" xmlns:o="urn:schemas-microsoft-com:office:office" xmlns:v="urn:schemas-microsoft-com:vml" xmlns:pvml="urn:schemas-microsoft-com:office:powerpoint" xmlns:com="http://schemas.openxmlformats.org/drawingml/2006/compatibility" xmlns:p14="http://schemas.microsoft.com/office/powerpoint/2010/main" xmlns:p15="http://schemas.microsoft.com/office/powerpoint/2012/main" type="secHead">
-  <p:cSld name="Section header">
+<p:sldLayout xmlns:a="http://schemas.openxmlformats.org/drawingml/2006/main" xmlns:r="http://schemas.openxmlformats.org/officeDocument/2006/relationships" xmlns:mc="http://schemas.openxmlformats.org/markup-compatibility/2006" xmlns:mv="urn:schemas-microsoft-com:mac:vml" xmlns:p="http://schemas.openxmlformats.org/presentationml/2006/main" xmlns:c="http://schemas.openxmlformats.org/drawingml/2006/chart" xmlns:dgm="http://schemas.openxmlformats.org/drawingml/2006/diagram" xmlns:o="urn:schemas-microsoft-com:office:office" xmlns:v="urn:schemas-microsoft-com:vml" xmlns:pvml="urn:schemas-microsoft-com:office:powerpoint" xmlns:com="http://schemas.openxmlformats.org/drawingml/2006/compatibility" xmlns:p14="http://schemas.microsoft.com/office/powerpoint/2010/main" xmlns:p15="http://schemas.microsoft.com/office/powerpoint/2012/main" matchingName="Section header" type="secHead">
+  <p:cSld name="SECTION_HEADER">
     <p:spTree>
       <p:nvGrpSpPr>
         <p:cNvPr id="13" name="Shape 13"/>
@@ -2278,7 +2726,71 @@
           <a:bodyPr anchorCtr="0" anchor="ctr" bIns="91425" lIns="91425" spcFirstLastPara="1" rIns="91425" wrap="square" tIns="91425">
             <a:noAutofit/>
           </a:bodyPr>
-          <a:lstStyle/>
+          <a:lstStyle>
+            <a:lvl1pPr lvl="0">
+              <a:spcBef>
+                <a:spcPts val="0"/>
+              </a:spcBef>
+              <a:buNone/>
+              <a:defRPr/>
+            </a:lvl1pPr>
+            <a:lvl2pPr lvl="1">
+              <a:spcBef>
+                <a:spcPts val="0"/>
+              </a:spcBef>
+              <a:buNone/>
+              <a:defRPr/>
+            </a:lvl2pPr>
+            <a:lvl3pPr lvl="2">
+              <a:spcBef>
+                <a:spcPts val="0"/>
+              </a:spcBef>
+              <a:buNone/>
+              <a:defRPr/>
+            </a:lvl3pPr>
+            <a:lvl4pPr lvl="3">
+              <a:spcBef>
+                <a:spcPts val="0"/>
+              </a:spcBef>
+              <a:buNone/>
+              <a:defRPr/>
+            </a:lvl4pPr>
+            <a:lvl5pPr lvl="4">
+              <a:spcBef>
+                <a:spcPts val="0"/>
+              </a:spcBef>
+              <a:buNone/>
+              <a:defRPr/>
+            </a:lvl5pPr>
+            <a:lvl6pPr lvl="5">
+              <a:spcBef>
+                <a:spcPts val="0"/>
+              </a:spcBef>
+              <a:buNone/>
+              <a:defRPr/>
+            </a:lvl6pPr>
+            <a:lvl7pPr lvl="6">
+              <a:spcBef>
+                <a:spcPts val="0"/>
+              </a:spcBef>
+              <a:buNone/>
+              <a:defRPr/>
+            </a:lvl7pPr>
+            <a:lvl8pPr lvl="7">
+              <a:spcBef>
+                <a:spcPts val="0"/>
+              </a:spcBef>
+              <a:buNone/>
+              <a:defRPr/>
+            </a:lvl8pPr>
+            <a:lvl9pPr lvl="8">
+              <a:spcBef>
+                <a:spcPts val="0"/>
+              </a:spcBef>
+              <a:buNone/>
+              <a:defRPr/>
+            </a:lvl9pPr>
+          </a:lstStyle>
           <a:p>
             <a:pPr indent="0" lvl="0" marL="0">
               <a:spcBef>
@@ -2306,8 +2818,8 @@
 </file>
 
 <file path=ppt/slideLayouts/slideLayout3.xml><?xml version="1.0" encoding="utf-8"?>
-<p:sldLayout xmlns:a="http://schemas.openxmlformats.org/drawingml/2006/main" xmlns:r="http://schemas.openxmlformats.org/officeDocument/2006/relationships" xmlns:mc="http://schemas.openxmlformats.org/markup-compatibility/2006" xmlns:mv="urn:schemas-microsoft-com:mac:vml" xmlns:p="http://schemas.openxmlformats.org/presentationml/2006/main" xmlns:c="http://schemas.openxmlformats.org/drawingml/2006/chart" xmlns:dgm="http://schemas.openxmlformats.org/drawingml/2006/diagram" xmlns:o="urn:schemas-microsoft-com:office:office" xmlns:v="urn:schemas-microsoft-com:vml" xmlns:pvml="urn:schemas-microsoft-com:office:powerpoint" xmlns:com="http://schemas.openxmlformats.org/drawingml/2006/compatibility" xmlns:p14="http://schemas.microsoft.com/office/powerpoint/2010/main" xmlns:p15="http://schemas.microsoft.com/office/powerpoint/2012/main" type="tx">
-  <p:cSld name="Title and body">
+<p:sldLayout xmlns:a="http://schemas.openxmlformats.org/drawingml/2006/main" xmlns:r="http://schemas.openxmlformats.org/officeDocument/2006/relationships" xmlns:mc="http://schemas.openxmlformats.org/markup-compatibility/2006" xmlns:mv="urn:schemas-microsoft-com:mac:vml" xmlns:p="http://schemas.openxmlformats.org/presentationml/2006/main" xmlns:c="http://schemas.openxmlformats.org/drawingml/2006/chart" xmlns:dgm="http://schemas.openxmlformats.org/drawingml/2006/diagram" xmlns:o="urn:schemas-microsoft-com:office:office" xmlns:v="urn:schemas-microsoft-com:vml" xmlns:pvml="urn:schemas-microsoft-com:office:powerpoint" xmlns:com="http://schemas.openxmlformats.org/drawingml/2006/compatibility" xmlns:p14="http://schemas.microsoft.com/office/powerpoint/2010/main" xmlns:p15="http://schemas.microsoft.com/office/powerpoint/2012/main" matchingName="Title and body" type="tx">
+  <p:cSld name="TITLE_AND_BODY">
     <p:spTree>
       <p:nvGrpSpPr>
         <p:cNvPr id="16" name="Shape 16"/>
@@ -2589,7 +3101,71 @@
           <a:bodyPr anchorCtr="0" anchor="ctr" bIns="91425" lIns="91425" spcFirstLastPara="1" rIns="91425" wrap="square" tIns="91425">
             <a:noAutofit/>
           </a:bodyPr>
-          <a:lstStyle/>
+          <a:lstStyle>
+            <a:lvl1pPr lvl="0">
+              <a:spcBef>
+                <a:spcPts val="0"/>
+              </a:spcBef>
+              <a:buNone/>
+              <a:defRPr/>
+            </a:lvl1pPr>
+            <a:lvl2pPr lvl="1">
+              <a:spcBef>
+                <a:spcPts val="0"/>
+              </a:spcBef>
+              <a:buNone/>
+              <a:defRPr/>
+            </a:lvl2pPr>
+            <a:lvl3pPr lvl="2">
+              <a:spcBef>
+                <a:spcPts val="0"/>
+              </a:spcBef>
+              <a:buNone/>
+              <a:defRPr/>
+            </a:lvl3pPr>
+            <a:lvl4pPr lvl="3">
+              <a:spcBef>
+                <a:spcPts val="0"/>
+              </a:spcBef>
+              <a:buNone/>
+              <a:defRPr/>
+            </a:lvl4pPr>
+            <a:lvl5pPr lvl="4">
+              <a:spcBef>
+                <a:spcPts val="0"/>
+              </a:spcBef>
+              <a:buNone/>
+              <a:defRPr/>
+            </a:lvl5pPr>
+            <a:lvl6pPr lvl="5">
+              <a:spcBef>
+                <a:spcPts val="0"/>
+              </a:spcBef>
+              <a:buNone/>
+              <a:defRPr/>
+            </a:lvl6pPr>
+            <a:lvl7pPr lvl="6">
+              <a:spcBef>
+                <a:spcPts val="0"/>
+              </a:spcBef>
+              <a:buNone/>
+              <a:defRPr/>
+            </a:lvl7pPr>
+            <a:lvl8pPr lvl="7">
+              <a:spcBef>
+                <a:spcPts val="0"/>
+              </a:spcBef>
+              <a:buNone/>
+              <a:defRPr/>
+            </a:lvl8pPr>
+            <a:lvl9pPr lvl="8">
+              <a:spcBef>
+                <a:spcPts val="0"/>
+              </a:spcBef>
+              <a:buNone/>
+              <a:defRPr/>
+            </a:lvl9pPr>
+          </a:lstStyle>
           <a:p>
             <a:pPr indent="0" lvl="0" marL="0">
               <a:spcBef>
@@ -2617,8 +3193,8 @@
 </file>
 
 <file path=ppt/slideLayouts/slideLayout4.xml><?xml version="1.0" encoding="utf-8"?>
-<p:sldLayout xmlns:a="http://schemas.openxmlformats.org/drawingml/2006/main" xmlns:r="http://schemas.openxmlformats.org/officeDocument/2006/relationships" xmlns:mc="http://schemas.openxmlformats.org/markup-compatibility/2006" xmlns:mv="urn:schemas-microsoft-com:mac:vml" xmlns:p="http://schemas.openxmlformats.org/presentationml/2006/main" xmlns:c="http://schemas.openxmlformats.org/drawingml/2006/chart" xmlns:dgm="http://schemas.openxmlformats.org/drawingml/2006/diagram" xmlns:o="urn:schemas-microsoft-com:office:office" xmlns:v="urn:schemas-microsoft-com:vml" xmlns:pvml="urn:schemas-microsoft-com:office:powerpoint" xmlns:com="http://schemas.openxmlformats.org/drawingml/2006/compatibility" xmlns:p14="http://schemas.microsoft.com/office/powerpoint/2010/main" xmlns:p15="http://schemas.microsoft.com/office/powerpoint/2012/main" type="twoColTx">
-  <p:cSld name="Title and two columns">
+<p:sldLayout xmlns:a="http://schemas.openxmlformats.org/drawingml/2006/main" xmlns:r="http://schemas.openxmlformats.org/officeDocument/2006/relationships" xmlns:mc="http://schemas.openxmlformats.org/markup-compatibility/2006" xmlns:mv="urn:schemas-microsoft-com:mac:vml" xmlns:p="http://schemas.openxmlformats.org/presentationml/2006/main" xmlns:c="http://schemas.openxmlformats.org/drawingml/2006/chart" xmlns:dgm="http://schemas.openxmlformats.org/drawingml/2006/diagram" xmlns:o="urn:schemas-microsoft-com:office:office" xmlns:v="urn:schemas-microsoft-com:vml" xmlns:pvml="urn:schemas-microsoft-com:office:powerpoint" xmlns:com="http://schemas.openxmlformats.org/drawingml/2006/compatibility" xmlns:p14="http://schemas.microsoft.com/office/powerpoint/2010/main" xmlns:p15="http://schemas.microsoft.com/office/powerpoint/2012/main" matchingName="Title and two columns" type="twoColTx">
+  <p:cSld name="TITLE_AND_TWO_COLUMNS">
     <p:spTree>
       <p:nvGrpSpPr>
         <p:cNvPr id="20" name="Shape 20"/>
@@ -3023,7 +3599,71 @@
           <a:bodyPr anchorCtr="0" anchor="ctr" bIns="91425" lIns="91425" spcFirstLastPara="1" rIns="91425" wrap="square" tIns="91425">
             <a:noAutofit/>
           </a:bodyPr>
-          <a:lstStyle/>
+          <a:lstStyle>
+            <a:lvl1pPr lvl="0">
+              <a:spcBef>
+                <a:spcPts val="0"/>
+              </a:spcBef>
+              <a:buNone/>
+              <a:defRPr/>
+            </a:lvl1pPr>
+            <a:lvl2pPr lvl="1">
+              <a:spcBef>
+                <a:spcPts val="0"/>
+              </a:spcBef>
+              <a:buNone/>
+              <a:defRPr/>
+            </a:lvl2pPr>
+            <a:lvl3pPr lvl="2">
+              <a:spcBef>
+                <a:spcPts val="0"/>
+              </a:spcBef>
+              <a:buNone/>
+              <a:defRPr/>
+            </a:lvl3pPr>
+            <a:lvl4pPr lvl="3">
+              <a:spcBef>
+                <a:spcPts val="0"/>
+              </a:spcBef>
+              <a:buNone/>
+              <a:defRPr/>
+            </a:lvl4pPr>
+            <a:lvl5pPr lvl="4">
+              <a:spcBef>
+                <a:spcPts val="0"/>
+              </a:spcBef>
+              <a:buNone/>
+              <a:defRPr/>
+            </a:lvl5pPr>
+            <a:lvl6pPr lvl="5">
+              <a:spcBef>
+                <a:spcPts val="0"/>
+              </a:spcBef>
+              <a:buNone/>
+              <a:defRPr/>
+            </a:lvl6pPr>
+            <a:lvl7pPr lvl="6">
+              <a:spcBef>
+                <a:spcPts val="0"/>
+              </a:spcBef>
+              <a:buNone/>
+              <a:defRPr/>
+            </a:lvl7pPr>
+            <a:lvl8pPr lvl="7">
+              <a:spcBef>
+                <a:spcPts val="0"/>
+              </a:spcBef>
+              <a:buNone/>
+              <a:defRPr/>
+            </a:lvl8pPr>
+            <a:lvl9pPr lvl="8">
+              <a:spcBef>
+                <a:spcPts val="0"/>
+              </a:spcBef>
+              <a:buNone/>
+              <a:defRPr/>
+            </a:lvl9pPr>
+          </a:lstStyle>
           <a:p>
             <a:pPr indent="0" lvl="0" marL="0">
               <a:spcBef>
@@ -3051,8 +3691,8 @@
 </file>
 
 <file path=ppt/slideLayouts/slideLayout5.xml><?xml version="1.0" encoding="utf-8"?>
-<p:sldLayout xmlns:a="http://schemas.openxmlformats.org/drawingml/2006/main" xmlns:r="http://schemas.openxmlformats.org/officeDocument/2006/relationships" xmlns:mc="http://schemas.openxmlformats.org/markup-compatibility/2006" xmlns:mv="urn:schemas-microsoft-com:mac:vml" xmlns:p="http://schemas.openxmlformats.org/presentationml/2006/main" xmlns:c="http://schemas.openxmlformats.org/drawingml/2006/chart" xmlns:dgm="http://schemas.openxmlformats.org/drawingml/2006/diagram" xmlns:o="urn:schemas-microsoft-com:office:office" xmlns:v="urn:schemas-microsoft-com:vml" xmlns:pvml="urn:schemas-microsoft-com:office:powerpoint" xmlns:com="http://schemas.openxmlformats.org/drawingml/2006/compatibility" xmlns:p14="http://schemas.microsoft.com/office/powerpoint/2010/main" xmlns:p15="http://schemas.microsoft.com/office/powerpoint/2012/main" type="titleOnly">
-  <p:cSld name="Title only">
+<p:sldLayout xmlns:a="http://schemas.openxmlformats.org/drawingml/2006/main" xmlns:r="http://schemas.openxmlformats.org/officeDocument/2006/relationships" xmlns:mc="http://schemas.openxmlformats.org/markup-compatibility/2006" xmlns:mv="urn:schemas-microsoft-com:mac:vml" xmlns:p="http://schemas.openxmlformats.org/presentationml/2006/main" xmlns:c="http://schemas.openxmlformats.org/drawingml/2006/chart" xmlns:dgm="http://schemas.openxmlformats.org/drawingml/2006/diagram" xmlns:o="urn:schemas-microsoft-com:office:office" xmlns:v="urn:schemas-microsoft-com:vml" xmlns:pvml="urn:schemas-microsoft-com:office:powerpoint" xmlns:com="http://schemas.openxmlformats.org/drawingml/2006/compatibility" xmlns:p14="http://schemas.microsoft.com/office/powerpoint/2010/main" xmlns:p15="http://schemas.microsoft.com/office/powerpoint/2012/main" matchingName="Title only" type="titleOnly">
+  <p:cSld name="TITLE_ONLY">
     <p:spTree>
       <p:nvGrpSpPr>
         <p:cNvPr id="25" name="Shape 25"/>
@@ -3211,7 +3851,71 @@
           <a:bodyPr anchorCtr="0" anchor="ctr" bIns="91425" lIns="91425" spcFirstLastPara="1" rIns="91425" wrap="square" tIns="91425">
             <a:noAutofit/>
           </a:bodyPr>
-          <a:lstStyle/>
+          <a:lstStyle>
+            <a:lvl1pPr lvl="0">
+              <a:spcBef>
+                <a:spcPts val="0"/>
+              </a:spcBef>
+              <a:buNone/>
+              <a:defRPr/>
+            </a:lvl1pPr>
+            <a:lvl2pPr lvl="1">
+              <a:spcBef>
+                <a:spcPts val="0"/>
+              </a:spcBef>
+              <a:buNone/>
+              <a:defRPr/>
+            </a:lvl2pPr>
+            <a:lvl3pPr lvl="2">
+              <a:spcBef>
+                <a:spcPts val="0"/>
+              </a:spcBef>
+              <a:buNone/>
+              <a:defRPr/>
+            </a:lvl3pPr>
+            <a:lvl4pPr lvl="3">
+              <a:spcBef>
+                <a:spcPts val="0"/>
+              </a:spcBef>
+              <a:buNone/>
+              <a:defRPr/>
+            </a:lvl4pPr>
+            <a:lvl5pPr lvl="4">
+              <a:spcBef>
+                <a:spcPts val="0"/>
+              </a:spcBef>
+              <a:buNone/>
+              <a:defRPr/>
+            </a:lvl5pPr>
+            <a:lvl6pPr lvl="5">
+              <a:spcBef>
+                <a:spcPts val="0"/>
+              </a:spcBef>
+              <a:buNone/>
+              <a:defRPr/>
+            </a:lvl6pPr>
+            <a:lvl7pPr lvl="6">
+              <a:spcBef>
+                <a:spcPts val="0"/>
+              </a:spcBef>
+              <a:buNone/>
+              <a:defRPr/>
+            </a:lvl7pPr>
+            <a:lvl8pPr lvl="7">
+              <a:spcBef>
+                <a:spcPts val="0"/>
+              </a:spcBef>
+              <a:buNone/>
+              <a:defRPr/>
+            </a:lvl8pPr>
+            <a:lvl9pPr lvl="8">
+              <a:spcBef>
+                <a:spcPts val="0"/>
+              </a:spcBef>
+              <a:buNone/>
+              <a:defRPr/>
+            </a:lvl9pPr>
+          </a:lstStyle>
           <a:p>
             <a:pPr indent="0" lvl="0" marL="0">
               <a:spcBef>
@@ -3239,8 +3943,8 @@
 </file>
 
 <file path=ppt/slideLayouts/slideLayout6.xml><?xml version="1.0" encoding="utf-8"?>
-<p:sldLayout xmlns:a="http://schemas.openxmlformats.org/drawingml/2006/main" xmlns:r="http://schemas.openxmlformats.org/officeDocument/2006/relationships" xmlns:mc="http://schemas.openxmlformats.org/markup-compatibility/2006" xmlns:mv="urn:schemas-microsoft-com:mac:vml" xmlns:p="http://schemas.openxmlformats.org/presentationml/2006/main" xmlns:c="http://schemas.openxmlformats.org/drawingml/2006/chart" xmlns:dgm="http://schemas.openxmlformats.org/drawingml/2006/diagram" xmlns:o="urn:schemas-microsoft-com:office:office" xmlns:v="urn:schemas-microsoft-com:vml" xmlns:pvml="urn:schemas-microsoft-com:office:powerpoint" xmlns:com="http://schemas.openxmlformats.org/drawingml/2006/compatibility" xmlns:p14="http://schemas.microsoft.com/office/powerpoint/2010/main" xmlns:p15="http://schemas.microsoft.com/office/powerpoint/2012/main">
-  <p:cSld name="One column text">
+<p:sldLayout xmlns:a="http://schemas.openxmlformats.org/drawingml/2006/main" xmlns:r="http://schemas.openxmlformats.org/officeDocument/2006/relationships" xmlns:mc="http://schemas.openxmlformats.org/markup-compatibility/2006" xmlns:mv="urn:schemas-microsoft-com:mac:vml" xmlns:p="http://schemas.openxmlformats.org/presentationml/2006/main" xmlns:c="http://schemas.openxmlformats.org/drawingml/2006/chart" xmlns:dgm="http://schemas.openxmlformats.org/drawingml/2006/diagram" xmlns:o="urn:schemas-microsoft-com:office:office" xmlns:v="urn:schemas-microsoft-com:vml" xmlns:pvml="urn:schemas-microsoft-com:office:powerpoint" xmlns:com="http://schemas.openxmlformats.org/drawingml/2006/compatibility" xmlns:p14="http://schemas.microsoft.com/office/powerpoint/2010/main" xmlns:p15="http://schemas.microsoft.com/office/powerpoint/2012/main" matchingName="One column text">
+  <p:cSld name="ONE_COLUMN_TEXT">
     <p:spTree>
       <p:nvGrpSpPr>
         <p:cNvPr id="28" name="Shape 28"/>
@@ -3522,7 +4226,71 @@
           <a:bodyPr anchorCtr="0" anchor="ctr" bIns="91425" lIns="91425" spcFirstLastPara="1" rIns="91425" wrap="square" tIns="91425">
             <a:noAutofit/>
           </a:bodyPr>
-          <a:lstStyle/>
+          <a:lstStyle>
+            <a:lvl1pPr lvl="0">
+              <a:spcBef>
+                <a:spcPts val="0"/>
+              </a:spcBef>
+              <a:buNone/>
+              <a:defRPr/>
+            </a:lvl1pPr>
+            <a:lvl2pPr lvl="1">
+              <a:spcBef>
+                <a:spcPts val="0"/>
+              </a:spcBef>
+              <a:buNone/>
+              <a:defRPr/>
+            </a:lvl2pPr>
+            <a:lvl3pPr lvl="2">
+              <a:spcBef>
+                <a:spcPts val="0"/>
+              </a:spcBef>
+              <a:buNone/>
+              <a:defRPr/>
+            </a:lvl3pPr>
+            <a:lvl4pPr lvl="3">
+              <a:spcBef>
+                <a:spcPts val="0"/>
+              </a:spcBef>
+              <a:buNone/>
+              <a:defRPr/>
+            </a:lvl4pPr>
+            <a:lvl5pPr lvl="4">
+              <a:spcBef>
+                <a:spcPts val="0"/>
+              </a:spcBef>
+              <a:buNone/>
+              <a:defRPr/>
+            </a:lvl5pPr>
+            <a:lvl6pPr lvl="5">
+              <a:spcBef>
+                <a:spcPts val="0"/>
+              </a:spcBef>
+              <a:buNone/>
+              <a:defRPr/>
+            </a:lvl6pPr>
+            <a:lvl7pPr lvl="6">
+              <a:spcBef>
+                <a:spcPts val="0"/>
+              </a:spcBef>
+              <a:buNone/>
+              <a:defRPr/>
+            </a:lvl7pPr>
+            <a:lvl8pPr lvl="7">
+              <a:spcBef>
+                <a:spcPts val="0"/>
+              </a:spcBef>
+              <a:buNone/>
+              <a:defRPr/>
+            </a:lvl8pPr>
+            <a:lvl9pPr lvl="8">
+              <a:spcBef>
+                <a:spcPts val="0"/>
+              </a:spcBef>
+              <a:buNone/>
+              <a:defRPr/>
+            </a:lvl9pPr>
+          </a:lstStyle>
           <a:p>
             <a:pPr indent="0" lvl="0" marL="0">
               <a:spcBef>
@@ -3550,8 +4318,8 @@
 </file>
 
 <file path=ppt/slideLayouts/slideLayout7.xml><?xml version="1.0" encoding="utf-8"?>
-<p:sldLayout xmlns:a="http://schemas.openxmlformats.org/drawingml/2006/main" xmlns:r="http://schemas.openxmlformats.org/officeDocument/2006/relationships" xmlns:mc="http://schemas.openxmlformats.org/markup-compatibility/2006" xmlns:mv="urn:schemas-microsoft-com:mac:vml" xmlns:p="http://schemas.openxmlformats.org/presentationml/2006/main" xmlns:c="http://schemas.openxmlformats.org/drawingml/2006/chart" xmlns:dgm="http://schemas.openxmlformats.org/drawingml/2006/diagram" xmlns:o="urn:schemas-microsoft-com:office:office" xmlns:v="urn:schemas-microsoft-com:vml" xmlns:pvml="urn:schemas-microsoft-com:office:powerpoint" xmlns:com="http://schemas.openxmlformats.org/drawingml/2006/compatibility" xmlns:p14="http://schemas.microsoft.com/office/powerpoint/2010/main" xmlns:p15="http://schemas.microsoft.com/office/powerpoint/2012/main">
-  <p:cSld name="Main point">
+<p:sldLayout xmlns:a="http://schemas.openxmlformats.org/drawingml/2006/main" xmlns:r="http://schemas.openxmlformats.org/officeDocument/2006/relationships" xmlns:mc="http://schemas.openxmlformats.org/markup-compatibility/2006" xmlns:mv="urn:schemas-microsoft-com:mac:vml" xmlns:p="http://schemas.openxmlformats.org/presentationml/2006/main" xmlns:c="http://schemas.openxmlformats.org/drawingml/2006/chart" xmlns:dgm="http://schemas.openxmlformats.org/drawingml/2006/diagram" xmlns:o="urn:schemas-microsoft-com:office:office" xmlns:v="urn:schemas-microsoft-com:vml" xmlns:pvml="urn:schemas-microsoft-com:office:powerpoint" xmlns:com="http://schemas.openxmlformats.org/drawingml/2006/compatibility" xmlns:p14="http://schemas.microsoft.com/office/powerpoint/2010/main" xmlns:p15="http://schemas.microsoft.com/office/powerpoint/2012/main" matchingName="Main point">
+  <p:cSld name="MAIN_POINT">
     <p:spTree>
       <p:nvGrpSpPr>
         <p:cNvPr id="32" name="Shape 32"/>
@@ -3710,7 +4478,71 @@
           <a:bodyPr anchorCtr="0" anchor="ctr" bIns="91425" lIns="91425" spcFirstLastPara="1" rIns="91425" wrap="square" tIns="91425">
             <a:noAutofit/>
           </a:bodyPr>
-          <a:lstStyle/>
+          <a:lstStyle>
+            <a:lvl1pPr lvl="0">
+              <a:spcBef>
+                <a:spcPts val="0"/>
+              </a:spcBef>
+              <a:buNone/>
+              <a:defRPr/>
+            </a:lvl1pPr>
+            <a:lvl2pPr lvl="1">
+              <a:spcBef>
+                <a:spcPts val="0"/>
+              </a:spcBef>
+              <a:buNone/>
+              <a:defRPr/>
+            </a:lvl2pPr>
+            <a:lvl3pPr lvl="2">
+              <a:spcBef>
+                <a:spcPts val="0"/>
+              </a:spcBef>
+              <a:buNone/>
+              <a:defRPr/>
+            </a:lvl3pPr>
+            <a:lvl4pPr lvl="3">
+              <a:spcBef>
+                <a:spcPts val="0"/>
+              </a:spcBef>
+              <a:buNone/>
+              <a:defRPr/>
+            </a:lvl4pPr>
+            <a:lvl5pPr lvl="4">
+              <a:spcBef>
+                <a:spcPts val="0"/>
+              </a:spcBef>
+              <a:buNone/>
+              <a:defRPr/>
+            </a:lvl5pPr>
+            <a:lvl6pPr lvl="5">
+              <a:spcBef>
+                <a:spcPts val="0"/>
+              </a:spcBef>
+              <a:buNone/>
+              <a:defRPr/>
+            </a:lvl6pPr>
+            <a:lvl7pPr lvl="6">
+              <a:spcBef>
+                <a:spcPts val="0"/>
+              </a:spcBef>
+              <a:buNone/>
+              <a:defRPr/>
+            </a:lvl7pPr>
+            <a:lvl8pPr lvl="7">
+              <a:spcBef>
+                <a:spcPts val="0"/>
+              </a:spcBef>
+              <a:buNone/>
+              <a:defRPr/>
+            </a:lvl8pPr>
+            <a:lvl9pPr lvl="8">
+              <a:spcBef>
+                <a:spcPts val="0"/>
+              </a:spcBef>
+              <a:buNone/>
+              <a:defRPr/>
+            </a:lvl9pPr>
+          </a:lstStyle>
           <a:p>
             <a:pPr indent="0" lvl="0" marL="0">
               <a:spcBef>
@@ -3738,8 +4570,8 @@
 </file>
 
 <file path=ppt/slideLayouts/slideLayout8.xml><?xml version="1.0" encoding="utf-8"?>
-<p:sldLayout xmlns:a="http://schemas.openxmlformats.org/drawingml/2006/main" xmlns:r="http://schemas.openxmlformats.org/officeDocument/2006/relationships" xmlns:mc="http://schemas.openxmlformats.org/markup-compatibility/2006" xmlns:mv="urn:schemas-microsoft-com:mac:vml" xmlns:p="http://schemas.openxmlformats.org/presentationml/2006/main" xmlns:c="http://schemas.openxmlformats.org/drawingml/2006/chart" xmlns:dgm="http://schemas.openxmlformats.org/drawingml/2006/diagram" xmlns:o="urn:schemas-microsoft-com:office:office" xmlns:v="urn:schemas-microsoft-com:vml" xmlns:pvml="urn:schemas-microsoft-com:office:powerpoint" xmlns:com="http://schemas.openxmlformats.org/drawingml/2006/compatibility" xmlns:p14="http://schemas.microsoft.com/office/powerpoint/2010/main" xmlns:p15="http://schemas.microsoft.com/office/powerpoint/2012/main">
-  <p:cSld name="Section title and description">
+<p:sldLayout xmlns:a="http://schemas.openxmlformats.org/drawingml/2006/main" xmlns:r="http://schemas.openxmlformats.org/officeDocument/2006/relationships" xmlns:mc="http://schemas.openxmlformats.org/markup-compatibility/2006" xmlns:mv="urn:schemas-microsoft-com:mac:vml" xmlns:p="http://schemas.openxmlformats.org/presentationml/2006/main" xmlns:c="http://schemas.openxmlformats.org/drawingml/2006/chart" xmlns:dgm="http://schemas.openxmlformats.org/drawingml/2006/diagram" xmlns:o="urn:schemas-microsoft-com:office:office" xmlns:v="urn:schemas-microsoft-com:vml" xmlns:pvml="urn:schemas-microsoft-com:office:powerpoint" xmlns:com="http://schemas.openxmlformats.org/drawingml/2006/compatibility" xmlns:p14="http://schemas.microsoft.com/office/powerpoint/2010/main" xmlns:p15="http://schemas.microsoft.com/office/powerpoint/2012/main" matchingName="Section title and description">
+  <p:cSld name="SECTION_TITLE_AND_DESCRIPTION">
     <p:spTree>
       <p:nvGrpSpPr>
         <p:cNvPr id="35" name="Shape 35"/>
@@ -4214,7 +5046,71 @@
           <a:bodyPr anchorCtr="0" anchor="ctr" bIns="91425" lIns="91425" spcFirstLastPara="1" rIns="91425" wrap="square" tIns="91425">
             <a:noAutofit/>
           </a:bodyPr>
-          <a:lstStyle/>
+          <a:lstStyle>
+            <a:lvl1pPr lvl="0">
+              <a:spcBef>
+                <a:spcPts val="0"/>
+              </a:spcBef>
+              <a:buNone/>
+              <a:defRPr/>
+            </a:lvl1pPr>
+            <a:lvl2pPr lvl="1">
+              <a:spcBef>
+                <a:spcPts val="0"/>
+              </a:spcBef>
+              <a:buNone/>
+              <a:defRPr/>
+            </a:lvl2pPr>
+            <a:lvl3pPr lvl="2">
+              <a:spcBef>
+                <a:spcPts val="0"/>
+              </a:spcBef>
+              <a:buNone/>
+              <a:defRPr/>
+            </a:lvl3pPr>
+            <a:lvl4pPr lvl="3">
+              <a:spcBef>
+                <a:spcPts val="0"/>
+              </a:spcBef>
+              <a:buNone/>
+              <a:defRPr/>
+            </a:lvl4pPr>
+            <a:lvl5pPr lvl="4">
+              <a:spcBef>
+                <a:spcPts val="0"/>
+              </a:spcBef>
+              <a:buNone/>
+              <a:defRPr/>
+            </a:lvl5pPr>
+            <a:lvl6pPr lvl="5">
+              <a:spcBef>
+                <a:spcPts val="0"/>
+              </a:spcBef>
+              <a:buNone/>
+              <a:defRPr/>
+            </a:lvl6pPr>
+            <a:lvl7pPr lvl="6">
+              <a:spcBef>
+                <a:spcPts val="0"/>
+              </a:spcBef>
+              <a:buNone/>
+              <a:defRPr/>
+            </a:lvl7pPr>
+            <a:lvl8pPr lvl="7">
+              <a:spcBef>
+                <a:spcPts val="0"/>
+              </a:spcBef>
+              <a:buNone/>
+              <a:defRPr/>
+            </a:lvl8pPr>
+            <a:lvl9pPr lvl="8">
+              <a:spcBef>
+                <a:spcPts val="0"/>
+              </a:spcBef>
+              <a:buNone/>
+              <a:defRPr/>
+            </a:lvl9pPr>
+          </a:lstStyle>
           <a:p>
             <a:pPr indent="0" lvl="0" marL="0">
               <a:spcBef>
@@ -4242,8 +5138,8 @@
 </file>
 
 <file path=ppt/slideLayouts/slideLayout9.xml><?xml version="1.0" encoding="utf-8"?>
-<p:sldLayout xmlns:a="http://schemas.openxmlformats.org/drawingml/2006/main" xmlns:r="http://schemas.openxmlformats.org/officeDocument/2006/relationships" xmlns:mc="http://schemas.openxmlformats.org/markup-compatibility/2006" xmlns:mv="urn:schemas-microsoft-com:mac:vml" xmlns:p="http://schemas.openxmlformats.org/presentationml/2006/main" xmlns:c="http://schemas.openxmlformats.org/drawingml/2006/chart" xmlns:dgm="http://schemas.openxmlformats.org/drawingml/2006/diagram" xmlns:o="urn:schemas-microsoft-com:office:office" xmlns:v="urn:schemas-microsoft-com:vml" xmlns:pvml="urn:schemas-microsoft-com:office:powerpoint" xmlns:com="http://schemas.openxmlformats.org/drawingml/2006/compatibility" xmlns:p14="http://schemas.microsoft.com/office/powerpoint/2010/main" xmlns:p15="http://schemas.microsoft.com/office/powerpoint/2012/main">
-  <p:cSld name="Caption">
+<p:sldLayout xmlns:a="http://schemas.openxmlformats.org/drawingml/2006/main" xmlns:r="http://schemas.openxmlformats.org/officeDocument/2006/relationships" xmlns:mc="http://schemas.openxmlformats.org/markup-compatibility/2006" xmlns:mv="urn:schemas-microsoft-com:mac:vml" xmlns:p="http://schemas.openxmlformats.org/presentationml/2006/main" xmlns:c="http://schemas.openxmlformats.org/drawingml/2006/chart" xmlns:dgm="http://schemas.openxmlformats.org/drawingml/2006/diagram" xmlns:o="urn:schemas-microsoft-com:office:office" xmlns:v="urn:schemas-microsoft-com:vml" xmlns:pvml="urn:schemas-microsoft-com:office:powerpoint" xmlns:com="http://schemas.openxmlformats.org/drawingml/2006/compatibility" xmlns:p14="http://schemas.microsoft.com/office/powerpoint/2010/main" xmlns:p15="http://schemas.microsoft.com/office/powerpoint/2012/main" matchingName="Caption">
+  <p:cSld name="CAPTION_ONLY">
     <p:spTree>
       <p:nvGrpSpPr>
         <p:cNvPr id="41" name="Shape 41"/>
@@ -4317,7 +5213,71 @@
           <a:bodyPr anchorCtr="0" anchor="ctr" bIns="91425" lIns="91425" spcFirstLastPara="1" rIns="91425" wrap="square" tIns="91425">
             <a:noAutofit/>
           </a:bodyPr>
-          <a:lstStyle/>
+          <a:lstStyle>
+            <a:lvl1pPr lvl="0">
+              <a:spcBef>
+                <a:spcPts val="0"/>
+              </a:spcBef>
+              <a:buNone/>
+              <a:defRPr/>
+            </a:lvl1pPr>
+            <a:lvl2pPr lvl="1">
+              <a:spcBef>
+                <a:spcPts val="0"/>
+              </a:spcBef>
+              <a:buNone/>
+              <a:defRPr/>
+            </a:lvl2pPr>
+            <a:lvl3pPr lvl="2">
+              <a:spcBef>
+                <a:spcPts val="0"/>
+              </a:spcBef>
+              <a:buNone/>
+              <a:defRPr/>
+            </a:lvl3pPr>
+            <a:lvl4pPr lvl="3">
+              <a:spcBef>
+                <a:spcPts val="0"/>
+              </a:spcBef>
+              <a:buNone/>
+              <a:defRPr/>
+            </a:lvl4pPr>
+            <a:lvl5pPr lvl="4">
+              <a:spcBef>
+                <a:spcPts val="0"/>
+              </a:spcBef>
+              <a:buNone/>
+              <a:defRPr/>
+            </a:lvl5pPr>
+            <a:lvl6pPr lvl="5">
+              <a:spcBef>
+                <a:spcPts val="0"/>
+              </a:spcBef>
+              <a:buNone/>
+              <a:defRPr/>
+            </a:lvl6pPr>
+            <a:lvl7pPr lvl="6">
+              <a:spcBef>
+                <a:spcPts val="0"/>
+              </a:spcBef>
+              <a:buNone/>
+              <a:defRPr/>
+            </a:lvl7pPr>
+            <a:lvl8pPr lvl="7">
+              <a:spcBef>
+                <a:spcPts val="0"/>
+              </a:spcBef>
+              <a:buNone/>
+              <a:defRPr/>
+            </a:lvl8pPr>
+            <a:lvl9pPr lvl="8">
+              <a:spcBef>
+                <a:spcPts val="0"/>
+              </a:spcBef>
+              <a:buNone/>
+              <a:defRPr/>
+            </a:lvl9pPr>
+          </a:lstStyle>
           <a:p>
             <a:pPr indent="0" lvl="0" marL="0">
               <a:spcBef>
@@ -4800,30 +5760,122 @@
           <a:bodyPr anchorCtr="0" anchor="ctr" bIns="91425" lIns="91425" spcFirstLastPara="1" rIns="91425" wrap="square" tIns="91425">
             <a:noAutofit/>
           </a:bodyPr>
-          <a:lstStyle/>
-          <a:p>
-            <a:pPr indent="0" lvl="0" marL="0" algn="r">
-              <a:spcBef>
-                <a:spcPts val="0"/>
-              </a:spcBef>
-              <a:spcAft>
-                <a:spcPts val="0"/>
-              </a:spcAft>
-              <a:buNone/>
-            </a:pPr>
-            <a:fld id="{00000000-1234-1234-1234-123412341234}" type="slidenum">
-              <a:rPr lang="en" sz="1000">
+          <a:lstStyle>
+            <a:lvl1pPr lvl="0" algn="r">
+              <a:spcBef>
+                <a:spcPts val="0"/>
+              </a:spcBef>
+              <a:buNone/>
+              <a:defRPr sz="1000">
                 <a:solidFill>
                   <a:schemeClr val="dk2"/>
                 </a:solidFill>
-              </a:rPr>
+              </a:defRPr>
+            </a:lvl1pPr>
+            <a:lvl2pPr lvl="1" algn="r">
+              <a:spcBef>
+                <a:spcPts val="0"/>
+              </a:spcBef>
+              <a:buNone/>
+              <a:defRPr sz="1000">
+                <a:solidFill>
+                  <a:schemeClr val="dk2"/>
+                </a:solidFill>
+              </a:defRPr>
+            </a:lvl2pPr>
+            <a:lvl3pPr lvl="2" algn="r">
+              <a:spcBef>
+                <a:spcPts val="0"/>
+              </a:spcBef>
+              <a:buNone/>
+              <a:defRPr sz="1000">
+                <a:solidFill>
+                  <a:schemeClr val="dk2"/>
+                </a:solidFill>
+              </a:defRPr>
+            </a:lvl3pPr>
+            <a:lvl4pPr lvl="3" algn="r">
+              <a:spcBef>
+                <a:spcPts val="0"/>
+              </a:spcBef>
+              <a:buNone/>
+              <a:defRPr sz="1000">
+                <a:solidFill>
+                  <a:schemeClr val="dk2"/>
+                </a:solidFill>
+              </a:defRPr>
+            </a:lvl4pPr>
+            <a:lvl5pPr lvl="4" algn="r">
+              <a:spcBef>
+                <a:spcPts val="0"/>
+              </a:spcBef>
+              <a:buNone/>
+              <a:defRPr sz="1000">
+                <a:solidFill>
+                  <a:schemeClr val="dk2"/>
+                </a:solidFill>
+              </a:defRPr>
+            </a:lvl5pPr>
+            <a:lvl6pPr lvl="5" algn="r">
+              <a:spcBef>
+                <a:spcPts val="0"/>
+              </a:spcBef>
+              <a:buNone/>
+              <a:defRPr sz="1000">
+                <a:solidFill>
+                  <a:schemeClr val="dk2"/>
+                </a:solidFill>
+              </a:defRPr>
+            </a:lvl6pPr>
+            <a:lvl7pPr lvl="6" algn="r">
+              <a:spcBef>
+                <a:spcPts val="0"/>
+              </a:spcBef>
+              <a:buNone/>
+              <a:defRPr sz="1000">
+                <a:solidFill>
+                  <a:schemeClr val="dk2"/>
+                </a:solidFill>
+              </a:defRPr>
+            </a:lvl7pPr>
+            <a:lvl8pPr lvl="7" algn="r">
+              <a:spcBef>
+                <a:spcPts val="0"/>
+              </a:spcBef>
+              <a:buNone/>
+              <a:defRPr sz="1000">
+                <a:solidFill>
+                  <a:schemeClr val="dk2"/>
+                </a:solidFill>
+              </a:defRPr>
+            </a:lvl8pPr>
+            <a:lvl9pPr lvl="8" algn="r">
+              <a:spcBef>
+                <a:spcPts val="0"/>
+              </a:spcBef>
+              <a:buNone/>
+              <a:defRPr sz="1000">
+                <a:solidFill>
+                  <a:schemeClr val="dk2"/>
+                </a:solidFill>
+              </a:defRPr>
+            </a:lvl9pPr>
+          </a:lstStyle>
+          <a:p>
+            <a:pPr indent="0" lvl="0" marL="0">
+              <a:spcBef>
+                <a:spcPts val="0"/>
+              </a:spcBef>
+              <a:spcAft>
+                <a:spcPts val="0"/>
+              </a:spcAft>
+              <a:buNone/>
+            </a:pPr>
+            <a:fld id="{00000000-1234-1234-1234-123412341234}" type="slidenum">
+              <a:rPr lang="en"/>
               <a:t>‹#›</a:t>
             </a:fld>
-            <a:endParaRPr sz="1000">
-              <a:solidFill>
-                <a:schemeClr val="dk2"/>
-              </a:solidFill>
-            </a:endParaRPr>
+            <a:endParaRPr/>
           </a:p>
         </p:txBody>
       </p:sp>
@@ -4867,7 +5919,10 @@
         <a:spcAft>
           <a:spcPts val="0"/>
         </a:spcAft>
-        <a:buNone/>
+        <a:buClr>
+          <a:srgbClr val="000000"/>
+        </a:buClr>
+        <a:buFont typeface="Arial"/>
         <a:defRPr b="0" i="0" sz="1400" u="none" cap="none" strike="noStrike">
           <a:solidFill>
             <a:srgbClr val="000000"/>
@@ -4878,6 +5933,198 @@
           <a:sym typeface="Arial"/>
         </a:defRPr>
       </a:lvl1pPr>
+      <a:lvl2pPr lvl="1" marR="0" rtl="0" algn="l">
+        <a:lnSpc>
+          <a:spcPct val="100000"/>
+        </a:lnSpc>
+        <a:spcBef>
+          <a:spcPts val="0"/>
+        </a:spcBef>
+        <a:spcAft>
+          <a:spcPts val="0"/>
+        </a:spcAft>
+        <a:buClr>
+          <a:srgbClr val="000000"/>
+        </a:buClr>
+        <a:buFont typeface="Arial"/>
+        <a:defRPr b="0" i="0" sz="1400" u="none" cap="none" strike="noStrike">
+          <a:solidFill>
+            <a:srgbClr val="000000"/>
+          </a:solidFill>
+          <a:latin typeface="Arial"/>
+          <a:ea typeface="Arial"/>
+          <a:cs typeface="Arial"/>
+          <a:sym typeface="Arial"/>
+        </a:defRPr>
+      </a:lvl2pPr>
+      <a:lvl3pPr lvl="2" marR="0" rtl="0" algn="l">
+        <a:lnSpc>
+          <a:spcPct val="100000"/>
+        </a:lnSpc>
+        <a:spcBef>
+          <a:spcPts val="0"/>
+        </a:spcBef>
+        <a:spcAft>
+          <a:spcPts val="0"/>
+        </a:spcAft>
+        <a:buClr>
+          <a:srgbClr val="000000"/>
+        </a:buClr>
+        <a:buFont typeface="Arial"/>
+        <a:defRPr b="0" i="0" sz="1400" u="none" cap="none" strike="noStrike">
+          <a:solidFill>
+            <a:srgbClr val="000000"/>
+          </a:solidFill>
+          <a:latin typeface="Arial"/>
+          <a:ea typeface="Arial"/>
+          <a:cs typeface="Arial"/>
+          <a:sym typeface="Arial"/>
+        </a:defRPr>
+      </a:lvl3pPr>
+      <a:lvl4pPr lvl="3" marR="0" rtl="0" algn="l">
+        <a:lnSpc>
+          <a:spcPct val="100000"/>
+        </a:lnSpc>
+        <a:spcBef>
+          <a:spcPts val="0"/>
+        </a:spcBef>
+        <a:spcAft>
+          <a:spcPts val="0"/>
+        </a:spcAft>
+        <a:buClr>
+          <a:srgbClr val="000000"/>
+        </a:buClr>
+        <a:buFont typeface="Arial"/>
+        <a:defRPr b="0" i="0" sz="1400" u="none" cap="none" strike="noStrike">
+          <a:solidFill>
+            <a:srgbClr val="000000"/>
+          </a:solidFill>
+          <a:latin typeface="Arial"/>
+          <a:ea typeface="Arial"/>
+          <a:cs typeface="Arial"/>
+          <a:sym typeface="Arial"/>
+        </a:defRPr>
+      </a:lvl4pPr>
+      <a:lvl5pPr lvl="4" marR="0" rtl="0" algn="l">
+        <a:lnSpc>
+          <a:spcPct val="100000"/>
+        </a:lnSpc>
+        <a:spcBef>
+          <a:spcPts val="0"/>
+        </a:spcBef>
+        <a:spcAft>
+          <a:spcPts val="0"/>
+        </a:spcAft>
+        <a:buClr>
+          <a:srgbClr val="000000"/>
+        </a:buClr>
+        <a:buFont typeface="Arial"/>
+        <a:defRPr b="0" i="0" sz="1400" u="none" cap="none" strike="noStrike">
+          <a:solidFill>
+            <a:srgbClr val="000000"/>
+          </a:solidFill>
+          <a:latin typeface="Arial"/>
+          <a:ea typeface="Arial"/>
+          <a:cs typeface="Arial"/>
+          <a:sym typeface="Arial"/>
+        </a:defRPr>
+      </a:lvl5pPr>
+      <a:lvl6pPr lvl="5" marR="0" rtl="0" algn="l">
+        <a:lnSpc>
+          <a:spcPct val="100000"/>
+        </a:lnSpc>
+        <a:spcBef>
+          <a:spcPts val="0"/>
+        </a:spcBef>
+        <a:spcAft>
+          <a:spcPts val="0"/>
+        </a:spcAft>
+        <a:buClr>
+          <a:srgbClr val="000000"/>
+        </a:buClr>
+        <a:buFont typeface="Arial"/>
+        <a:defRPr b="0" i="0" sz="1400" u="none" cap="none" strike="noStrike">
+          <a:solidFill>
+            <a:srgbClr val="000000"/>
+          </a:solidFill>
+          <a:latin typeface="Arial"/>
+          <a:ea typeface="Arial"/>
+          <a:cs typeface="Arial"/>
+          <a:sym typeface="Arial"/>
+        </a:defRPr>
+      </a:lvl6pPr>
+      <a:lvl7pPr lvl="6" marR="0" rtl="0" algn="l">
+        <a:lnSpc>
+          <a:spcPct val="100000"/>
+        </a:lnSpc>
+        <a:spcBef>
+          <a:spcPts val="0"/>
+        </a:spcBef>
+        <a:spcAft>
+          <a:spcPts val="0"/>
+        </a:spcAft>
+        <a:buClr>
+          <a:srgbClr val="000000"/>
+        </a:buClr>
+        <a:buFont typeface="Arial"/>
+        <a:defRPr b="0" i="0" sz="1400" u="none" cap="none" strike="noStrike">
+          <a:solidFill>
+            <a:srgbClr val="000000"/>
+          </a:solidFill>
+          <a:latin typeface="Arial"/>
+          <a:ea typeface="Arial"/>
+          <a:cs typeface="Arial"/>
+          <a:sym typeface="Arial"/>
+        </a:defRPr>
+      </a:lvl7pPr>
+      <a:lvl8pPr lvl="7" marR="0" rtl="0" algn="l">
+        <a:lnSpc>
+          <a:spcPct val="100000"/>
+        </a:lnSpc>
+        <a:spcBef>
+          <a:spcPts val="0"/>
+        </a:spcBef>
+        <a:spcAft>
+          <a:spcPts val="0"/>
+        </a:spcAft>
+        <a:buClr>
+          <a:srgbClr val="000000"/>
+        </a:buClr>
+        <a:buFont typeface="Arial"/>
+        <a:defRPr b="0" i="0" sz="1400" u="none" cap="none" strike="noStrike">
+          <a:solidFill>
+            <a:srgbClr val="000000"/>
+          </a:solidFill>
+          <a:latin typeface="Arial"/>
+          <a:ea typeface="Arial"/>
+          <a:cs typeface="Arial"/>
+          <a:sym typeface="Arial"/>
+        </a:defRPr>
+      </a:lvl8pPr>
+      <a:lvl9pPr lvl="8" marR="0" rtl="0" algn="l">
+        <a:lnSpc>
+          <a:spcPct val="100000"/>
+        </a:lnSpc>
+        <a:spcBef>
+          <a:spcPts val="0"/>
+        </a:spcBef>
+        <a:spcAft>
+          <a:spcPts val="0"/>
+        </a:spcAft>
+        <a:buClr>
+          <a:srgbClr val="000000"/>
+        </a:buClr>
+        <a:buFont typeface="Arial"/>
+        <a:defRPr b="0" i="0" sz="1400" u="none" cap="none" strike="noStrike">
+          <a:solidFill>
+            <a:srgbClr val="000000"/>
+          </a:solidFill>
+          <a:latin typeface="Arial"/>
+          <a:ea typeface="Arial"/>
+          <a:cs typeface="Arial"/>
+          <a:sym typeface="Arial"/>
+        </a:defRPr>
+      </a:lvl9pPr>
     </p:titleStyle>
     <p:bodyStyle>
       <a:defPPr lvl="0" marR="0" rtl="0" algn="l">
@@ -4901,7 +6148,10 @@
         <a:spcAft>
           <a:spcPts val="0"/>
         </a:spcAft>
-        <a:buNone/>
+        <a:buClr>
+          <a:srgbClr val="000000"/>
+        </a:buClr>
+        <a:buFont typeface="Arial"/>
         <a:defRPr b="0" i="0" sz="1400" u="none" cap="none" strike="noStrike">
           <a:solidFill>
             <a:srgbClr val="000000"/>
@@ -4922,7 +6172,10 @@
         <a:spcAft>
           <a:spcPts val="0"/>
         </a:spcAft>
-        <a:buNone/>
+        <a:buClr>
+          <a:srgbClr val="000000"/>
+        </a:buClr>
+        <a:buFont typeface="Arial"/>
         <a:defRPr b="0" i="0" sz="1400" u="none" cap="none" strike="noStrike">
           <a:solidFill>
             <a:srgbClr val="000000"/>
@@ -4943,7 +6196,10 @@
         <a:spcAft>
           <a:spcPts val="0"/>
         </a:spcAft>
-        <a:buNone/>
+        <a:buClr>
+          <a:srgbClr val="000000"/>
+        </a:buClr>
+        <a:buFont typeface="Arial"/>
         <a:defRPr b="0" i="0" sz="1400" u="none" cap="none" strike="noStrike">
           <a:solidFill>
             <a:srgbClr val="000000"/>
@@ -4964,7 +6220,10 @@
         <a:spcAft>
           <a:spcPts val="0"/>
         </a:spcAft>
-        <a:buNone/>
+        <a:buClr>
+          <a:srgbClr val="000000"/>
+        </a:buClr>
+        <a:buFont typeface="Arial"/>
         <a:defRPr b="0" i="0" sz="1400" u="none" cap="none" strike="noStrike">
           <a:solidFill>
             <a:srgbClr val="000000"/>
@@ -4985,7 +6244,10 @@
         <a:spcAft>
           <a:spcPts val="0"/>
         </a:spcAft>
-        <a:buNone/>
+        <a:buClr>
+          <a:srgbClr val="000000"/>
+        </a:buClr>
+        <a:buFont typeface="Arial"/>
         <a:defRPr b="0" i="0" sz="1400" u="none" cap="none" strike="noStrike">
           <a:solidFill>
             <a:srgbClr val="000000"/>
@@ -5006,7 +6268,10 @@
         <a:spcAft>
           <a:spcPts val="0"/>
         </a:spcAft>
-        <a:buNone/>
+        <a:buClr>
+          <a:srgbClr val="000000"/>
+        </a:buClr>
+        <a:buFont typeface="Arial"/>
         <a:defRPr b="0" i="0" sz="1400" u="none" cap="none" strike="noStrike">
           <a:solidFill>
             <a:srgbClr val="000000"/>
@@ -5027,7 +6292,10 @@
         <a:spcAft>
           <a:spcPts val="0"/>
         </a:spcAft>
-        <a:buNone/>
+        <a:buClr>
+          <a:srgbClr val="000000"/>
+        </a:buClr>
+        <a:buFont typeface="Arial"/>
         <a:defRPr b="0" i="0" sz="1400" u="none" cap="none" strike="noStrike">
           <a:solidFill>
             <a:srgbClr val="000000"/>
@@ -5048,7 +6316,10 @@
         <a:spcAft>
           <a:spcPts val="0"/>
         </a:spcAft>
-        <a:buNone/>
+        <a:buClr>
+          <a:srgbClr val="000000"/>
+        </a:buClr>
+        <a:buFont typeface="Arial"/>
         <a:defRPr b="0" i="0" sz="1400" u="none" cap="none" strike="noStrike">
           <a:solidFill>
             <a:srgbClr val="000000"/>
@@ -5069,7 +6340,10 @@
         <a:spcAft>
           <a:spcPts val="0"/>
         </a:spcAft>
-        <a:buNone/>
+        <a:buClr>
+          <a:srgbClr val="000000"/>
+        </a:buClr>
+        <a:buFont typeface="Arial"/>
         <a:defRPr b="0" i="0" sz="1400" u="none" cap="none" strike="noStrike">
           <a:solidFill>
             <a:srgbClr val="000000"/>
@@ -5103,7 +6377,10 @@
         <a:spcAft>
           <a:spcPts val="0"/>
         </a:spcAft>
-        <a:buNone/>
+        <a:buClr>
+          <a:srgbClr val="000000"/>
+        </a:buClr>
+        <a:buFont typeface="Arial"/>
         <a:defRPr b="0" i="0" sz="1400" u="none" cap="none" strike="noStrike">
           <a:solidFill>
             <a:srgbClr val="000000"/>
@@ -5124,7 +6401,10 @@
         <a:spcAft>
           <a:spcPts val="0"/>
         </a:spcAft>
-        <a:buNone/>
+        <a:buClr>
+          <a:srgbClr val="000000"/>
+        </a:buClr>
+        <a:buFont typeface="Arial"/>
         <a:defRPr b="0" i="0" sz="1400" u="none" cap="none" strike="noStrike">
           <a:solidFill>
             <a:srgbClr val="000000"/>
@@ -5145,7 +6425,10 @@
         <a:spcAft>
           <a:spcPts val="0"/>
         </a:spcAft>
-        <a:buNone/>
+        <a:buClr>
+          <a:srgbClr val="000000"/>
+        </a:buClr>
+        <a:buFont typeface="Arial"/>
         <a:defRPr b="0" i="0" sz="1400" u="none" cap="none" strike="noStrike">
           <a:solidFill>
             <a:srgbClr val="000000"/>
@@ -5166,7 +6449,10 @@
         <a:spcAft>
           <a:spcPts val="0"/>
         </a:spcAft>
-        <a:buNone/>
+        <a:buClr>
+          <a:srgbClr val="000000"/>
+        </a:buClr>
+        <a:buFont typeface="Arial"/>
         <a:defRPr b="0" i="0" sz="1400" u="none" cap="none" strike="noStrike">
           <a:solidFill>
             <a:srgbClr val="000000"/>
@@ -5187,7 +6473,10 @@
         <a:spcAft>
           <a:spcPts val="0"/>
         </a:spcAft>
-        <a:buNone/>
+        <a:buClr>
+          <a:srgbClr val="000000"/>
+        </a:buClr>
+        <a:buFont typeface="Arial"/>
         <a:defRPr b="0" i="0" sz="1400" u="none" cap="none" strike="noStrike">
           <a:solidFill>
             <a:srgbClr val="000000"/>
@@ -5208,7 +6497,10 @@
         <a:spcAft>
           <a:spcPts val="0"/>
         </a:spcAft>
-        <a:buNone/>
+        <a:buClr>
+          <a:srgbClr val="000000"/>
+        </a:buClr>
+        <a:buFont typeface="Arial"/>
         <a:defRPr b="0" i="0" sz="1400" u="none" cap="none" strike="noStrike">
           <a:solidFill>
             <a:srgbClr val="000000"/>
@@ -5229,7 +6521,10 @@
         <a:spcAft>
           <a:spcPts val="0"/>
         </a:spcAft>
-        <a:buNone/>
+        <a:buClr>
+          <a:srgbClr val="000000"/>
+        </a:buClr>
+        <a:buFont typeface="Arial"/>
         <a:defRPr b="0" i="0" sz="1400" u="none" cap="none" strike="noStrike">
           <a:solidFill>
             <a:srgbClr val="000000"/>
@@ -5250,7 +6545,10 @@
         <a:spcAft>
           <a:spcPts val="0"/>
         </a:spcAft>
-        <a:buNone/>
+        <a:buClr>
+          <a:srgbClr val="000000"/>
+        </a:buClr>
+        <a:buFont typeface="Arial"/>
         <a:defRPr b="0" i="0" sz="1400" u="none" cap="none" strike="noStrike">
           <a:solidFill>
             <a:srgbClr val="000000"/>
@@ -5271,7 +6569,10 @@
         <a:spcAft>
           <a:spcPts val="0"/>
         </a:spcAft>
-        <a:buNone/>
+        <a:buClr>
+          <a:srgbClr val="000000"/>
+        </a:buClr>
+        <a:buFont typeface="Arial"/>
         <a:defRPr b="0" i="0" sz="1400" u="none" cap="none" strike="noStrike">
           <a:solidFill>
             <a:srgbClr val="000000"/>
@@ -5481,7 +6782,7 @@
         </p:nvSpPr>
         <p:spPr>
           <a:xfrm>
-            <a:off x="311700" y="445025"/>
+            <a:off x="311700" y="275200"/>
             <a:ext cx="8520600" cy="572700"/>
           </a:xfrm>
           <a:prstGeom prst="rect">
@@ -5521,7 +6822,7 @@
         </p:nvSpPr>
         <p:spPr>
           <a:xfrm>
-            <a:off x="311700" y="1152475"/>
+            <a:off x="311700" y="911150"/>
             <a:ext cx="8520600" cy="3705000"/>
           </a:xfrm>
           <a:prstGeom prst="rect">
@@ -5546,7 +6847,7 @@
             </a:pPr>
             <a:r>
               <a:rPr lang="en"/>
-              <a:t>For the purpose of this study testing scores were observed from classification report. Accuracy, precision, recall, f-1 score and mean squared error were all used for determination of best model</a:t>
+              <a:t>For the purpose of this study testing scores were observed from classification report. Accuracy, precision, recall, f-1 score and AUC were all used for determination of best model</a:t>
             </a:r>
             <a:endParaRPr/>
           </a:p>
@@ -5563,12 +6864,12 @@
             </a:pPr>
             <a:r>
               <a:rPr lang="en"/>
-              <a:t>Per the objective of the study, threshold probability for classification of Purchased needed optimization to increase probability for purchase outcome from ad deployment. Under this condition Logistic Regression, KNN and SVC were used accordingly. Per the findings SVC with Standard Scaler proved to be the best model for our purposes. </a:t>
+              <a:t>Per the objective of the study, threshold probability for classification of Purchased needed optimization to increase probability for purchase outcome from ad deployment. Under this condition Logistic Regression, KNN and SVC were used accordingly. Per the findings SVC with Standard Scaler proved to be the best model for our purposes with KNN with neighbors value of 7 closely following.  </a:t>
             </a:r>
             <a:endParaRPr/>
           </a:p>
           <a:p>
-            <a:pPr indent="-342900" lvl="0" marL="457200">
+            <a:pPr indent="-342900" lvl="0" marL="457200" rtl="0">
               <a:spcBef>
                 <a:spcPts val="0"/>
               </a:spcBef>
@@ -5580,7 +6881,22 @@
             </a:pPr>
             <a:r>
               <a:rPr lang="en"/>
-              <a:t>SVC when used in conjunction with Standard Scaler had the smallest MSE and best scores overall making it the ideal model for purchase outcome relation to our social network ad deployment success.</a:t>
+              <a:t>SVC when used in conjunction with Standard Scaler had the strongest fit scores with an ideal AUC. The best AUC with proper overall fit was observed with KNN with Standard Scaler but had a significantly weaker F-1 score. Close secondary choice would be KNN with 7 neighbors.</a:t>
+            </a:r>
+            <a:endParaRPr/>
+          </a:p>
+          <a:p>
+            <a:pPr indent="0" lvl="0" marL="0">
+              <a:spcBef>
+                <a:spcPts val="1600"/>
+              </a:spcBef>
+              <a:spcAft>
+                <a:spcPts val="1600"/>
+              </a:spcAft>
+              <a:buNone/>
+            </a:pPr>
+            <a:r>
+              <a:t/>
             </a:r>
             <a:endParaRPr/>
           </a:p>
@@ -6925,7 +8241,7 @@
             </a:pPr>
             <a:r>
               <a:rPr lang="en"/>
-              <a:t>Model Evaluation Metric: Accuracy, Precision, Recall, F1, mean-squared error scores</a:t>
+              <a:t>Model Evaluation Metric: Accuracy, Precision, Recall, F1, AUC</a:t>
             </a:r>
             <a:endParaRPr/>
           </a:p>
@@ -6971,17 +8287,17 @@
             <a:tbl>
               <a:tblPr>
                 <a:noFill/>
-                <a:tableStyleId>{83D9E41B-A8A1-40B7-A220-66FBAD741193}</a:tableStyleId>
+                <a:tableStyleId>{298B0AF5-C34D-492D-8189-8005C285A1B7}</a:tableStyleId>
               </a:tblPr>
               <a:tblGrid>
-                <a:gridCol w="1429050"/>
-                <a:gridCol w="1429050"/>
-                <a:gridCol w="1429050"/>
-                <a:gridCol w="1429050"/>
-                <a:gridCol w="1429050"/>
-                <a:gridCol w="1723050"/>
+                <a:gridCol w="1456850"/>
+                <a:gridCol w="1456850"/>
+                <a:gridCol w="1456850"/>
+                <a:gridCol w="1456850"/>
+                <a:gridCol w="1456850"/>
+                <a:gridCol w="1756575"/>
               </a:tblGrid>
-              <a:tr h="537925">
+              <a:tr h="605800">
                 <a:tc>
                   <a:txBody>
                     <a:bodyPr>
@@ -7145,7 +8461,7 @@
                       </a:pPr>
                       <a:r>
                         <a:rPr b="1" lang="en"/>
-                        <a:t>Mean-squared Error</a:t>
+                        <a:t>AUC </a:t>
                       </a:r>
                       <a:endParaRPr b="1"/>
                     </a:p>
@@ -7157,7 +8473,7 @@
                   </a:tcPr>
                 </a:tc>
               </a:tr>
-              <a:tr h="537925">
+              <a:tr h="605800">
                 <a:tc>
                   <a:txBody>
                     <a:bodyPr>
@@ -7321,7 +8637,7 @@
                       </a:pPr>
                       <a:r>
                         <a:rPr b="1" lang="en"/>
-                        <a:t>0.55</a:t>
+                        <a:t>0.13</a:t>
                       </a:r>
                       <a:endParaRPr b="1"/>
                     </a:p>
@@ -7333,7 +8649,7 @@
                   </a:tcPr>
                 </a:tc>
               </a:tr>
-              <a:tr h="852400">
+              <a:tr h="1027575">
                 <a:tc>
                   <a:txBody>
                     <a:bodyPr>
@@ -7352,7 +8668,7 @@
                       </a:pPr>
                       <a:r>
                         <a:rPr b="1" lang="en"/>
-                        <a:t>Logistic Regression with GridSearchCV</a:t>
+                        <a:t>Logistic Regression Elastic Net with GridSearchCV</a:t>
                       </a:r>
                       <a:endParaRPr b="1"/>
                     </a:p>
@@ -7497,7 +8813,7 @@
                       </a:pPr>
                       <a:r>
                         <a:rPr b="1" lang="en"/>
-                        <a:t>0.55</a:t>
+                        <a:t>0.95</a:t>
                       </a:r>
                       <a:endParaRPr b="1"/>
                     </a:p>
@@ -7509,7 +8825,7 @@
                   </a:tcPr>
                 </a:tc>
               </a:tr>
-              <a:tr h="677450">
+              <a:tr h="816700">
                 <a:tc>
                   <a:txBody>
                     <a:bodyPr>
@@ -7673,7 +8989,7 @@
                       </a:pPr>
                       <a:r>
                         <a:rPr b="1" lang="en"/>
-                        <a:t>0.37</a:t>
+                        <a:t>0.90</a:t>
                       </a:r>
                       <a:endParaRPr b="1"/>
                     </a:p>
@@ -7685,7 +9001,7 @@
                   </a:tcPr>
                 </a:tc>
               </a:tr>
-              <a:tr h="677450">
+              <a:tr h="816700">
                 <a:tc>
                   <a:txBody>
                     <a:bodyPr>
@@ -7704,7 +9020,7 @@
                       </a:pPr>
                       <a:r>
                         <a:rPr b="1" lang="en"/>
-                        <a:t>K-Nearest Neighbors (n=3)</a:t>
+                        <a:t>K-Nearest Neighbors (n=7)</a:t>
                       </a:r>
                       <a:endParaRPr b="1"/>
                     </a:p>
@@ -7849,7 +9165,7 @@
                       </a:pPr>
                       <a:r>
                         <a:rPr b="1" lang="en"/>
-                        <a:t>0.37</a:t>
+                        <a:t>0.91</a:t>
                       </a:r>
                       <a:endParaRPr b="1"/>
                     </a:p>
@@ -7861,7 +9177,7 @@
                   </a:tcPr>
                 </a:tc>
               </a:tr>
-              <a:tr h="677450">
+              <a:tr h="816700">
                 <a:tc>
                   <a:txBody>
                     <a:bodyPr>
@@ -7938,7 +9254,7 @@
                       </a:pPr>
                       <a:r>
                         <a:rPr b="1" lang="en"/>
-                        <a:t>0.38</a:t>
+                        <a:t>0.42</a:t>
                       </a:r>
                       <a:endParaRPr b="1"/>
                     </a:p>
@@ -7967,7 +9283,7 @@
                       </a:pPr>
                       <a:r>
                         <a:rPr b="1" lang="en"/>
-                        <a:t>0.38</a:t>
+                        <a:t>0.40</a:t>
                       </a:r>
                       <a:endParaRPr b="1"/>
                     </a:p>
@@ -8025,7 +9341,7 @@
                       </a:pPr>
                       <a:r>
                         <a:rPr b="1" lang="en"/>
-                        <a:t>0.61</a:t>
+                        <a:t>0.94</a:t>
                       </a:r>
                       <a:endParaRPr b="1"/>
                     </a:p>
@@ -8037,7 +9353,7 @@
                   </a:tcPr>
                 </a:tc>
               </a:tr>
-              <a:tr h="505450">
+              <a:tr h="816700">
                 <a:tc>
                   <a:txBody>
                     <a:bodyPr>
@@ -8085,7 +9401,11 @@
                       </a:pPr>
                       <a:r>
                         <a:rPr b="1" lang="en"/>
-                        <a:t>0.67</a:t>
+                        <a:t>0.</a:t>
+                      </a:r>
+                      <a:r>
+                        <a:rPr b="1" lang="en"/>
+                        <a:t>67</a:t>
                       </a:r>
                       <a:endParaRPr b="1"/>
                     </a:p>
@@ -8114,7 +9434,11 @@
                       </a:pPr>
                       <a:r>
                         <a:rPr b="1" lang="en"/>
-                        <a:t>0.17</a:t>
+                        <a:t>0.</a:t>
+                      </a:r>
+                      <a:r>
+                        <a:rPr b="1" lang="en"/>
+                        <a:t>17</a:t>
                       </a:r>
                       <a:endParaRPr b="1"/>
                     </a:p>
@@ -8143,7 +9467,11 @@
                       </a:pPr>
                       <a:r>
                         <a:rPr b="1" lang="en"/>
-                        <a:t>0.27</a:t>
+                        <a:t>0.</a:t>
+                      </a:r>
+                      <a:r>
+                        <a:rPr b="1" lang="en"/>
+                        <a:t>27</a:t>
                       </a:r>
                       <a:endParaRPr b="1"/>
                     </a:p>
@@ -8172,7 +9500,7 @@
                       </a:pPr>
                       <a:r>
                         <a:rPr b="1" lang="en"/>
-                        <a:t>0.90</a:t>
+                        <a:t>0.73</a:t>
                       </a:r>
                       <a:endParaRPr b="1"/>
                     </a:p>
@@ -8201,7 +9529,7 @@
                       </a:pPr>
                       <a:r>
                         <a:rPr b="1" lang="en"/>
-                        <a:t>0.52</a:t>
+                        <a:t>0.87</a:t>
                       </a:r>
                       <a:endParaRPr b="1"/>
                     </a:p>
@@ -8213,7 +9541,7 @@
                   </a:tcPr>
                 </a:tc>
               </a:tr>
-              <a:tr h="677450">
+              <a:tr h="816700">
                 <a:tc>
                   <a:txBody>
                     <a:bodyPr>
@@ -8377,7 +9705,7 @@
                       </a:pPr>
                       <a:r>
                         <a:rPr b="1" lang="en"/>
-                        <a:t>0.32</a:t>
+                        <a:t>0.87</a:t>
                       </a:r>
                       <a:endParaRPr b="1"/>
                     </a:p>

--- a/Capstone Project Presentation.pptx
+++ b/Capstone Project Presentation.pptx
@@ -309,8 +309,8 @@
             </a:solidFill>
             <a:prstDash val="solid"/>
             <a:round/>
-            <a:headEnd len="med" w="med" type="none"/>
-            <a:tailEnd len="med" w="med" type="none"/>
+            <a:headEnd len="sm" w="sm" type="none"/>
+            <a:tailEnd len="sm" w="sm" type="none"/>
           </a:ln>
         </p:spPr>
       </p:sp>
@@ -780,7 +780,7 @@
   <p:cSld>
     <p:spTree>
       <p:nvGrpSpPr>
-        <p:cNvPr id="103" name="Shape 103"/>
+        <p:cNvPr id="104" name="Shape 104"/>
         <p:cNvGrpSpPr/>
         <p:nvPr/>
       </p:nvGrpSpPr>
@@ -794,7 +794,7 @@
       </p:grpSpPr>
       <p:sp>
         <p:nvSpPr>
-          <p:cNvPr id="104" name="Shape 104"/>
+          <p:cNvPr id="105" name="Shape 105"/>
           <p:cNvSpPr/>
           <p:nvPr>
             <p:ph idx="2" type="sldImg"/>
@@ -828,7 +828,7 @@
       </p:sp>
       <p:sp>
         <p:nvSpPr>
-          <p:cNvPr id="105" name="Shape 105"/>
+          <p:cNvPr id="106" name="Shape 106"/>
           <p:cNvSpPr txBox="1"/>
           <p:nvPr>
             <p:ph idx="1" type="body"/>
@@ -1972,65 +1972,38 @@
           </a:bodyPr>
           <a:lstStyle>
             <a:lvl1pPr lvl="0">
-              <a:spcBef>
-                <a:spcPts val="0"/>
-              </a:spcBef>
               <a:buNone/>
               <a:defRPr/>
             </a:lvl1pPr>
             <a:lvl2pPr lvl="1">
-              <a:spcBef>
-                <a:spcPts val="0"/>
-              </a:spcBef>
               <a:buNone/>
               <a:defRPr/>
             </a:lvl2pPr>
             <a:lvl3pPr lvl="2">
-              <a:spcBef>
-                <a:spcPts val="0"/>
-              </a:spcBef>
               <a:buNone/>
               <a:defRPr/>
             </a:lvl3pPr>
             <a:lvl4pPr lvl="3">
-              <a:spcBef>
-                <a:spcPts val="0"/>
-              </a:spcBef>
               <a:buNone/>
               <a:defRPr/>
             </a:lvl4pPr>
             <a:lvl5pPr lvl="4">
-              <a:spcBef>
-                <a:spcPts val="0"/>
-              </a:spcBef>
               <a:buNone/>
               <a:defRPr/>
             </a:lvl5pPr>
             <a:lvl6pPr lvl="5">
-              <a:spcBef>
-                <a:spcPts val="0"/>
-              </a:spcBef>
               <a:buNone/>
               <a:defRPr/>
             </a:lvl6pPr>
             <a:lvl7pPr lvl="6">
-              <a:spcBef>
-                <a:spcPts val="0"/>
-              </a:spcBef>
               <a:buNone/>
               <a:defRPr/>
             </a:lvl7pPr>
             <a:lvl8pPr lvl="7">
-              <a:spcBef>
-                <a:spcPts val="0"/>
-              </a:spcBef>
               <a:buNone/>
               <a:defRPr/>
             </a:lvl8pPr>
             <a:lvl9pPr lvl="8">
-              <a:spcBef>
-                <a:spcPts val="0"/>
-              </a:spcBef>
               <a:buNone/>
               <a:defRPr/>
             </a:lvl9pPr>
@@ -2347,65 +2320,38 @@
           </a:bodyPr>
           <a:lstStyle>
             <a:lvl1pPr lvl="0">
-              <a:spcBef>
-                <a:spcPts val="0"/>
-              </a:spcBef>
               <a:buNone/>
               <a:defRPr/>
             </a:lvl1pPr>
             <a:lvl2pPr lvl="1">
-              <a:spcBef>
-                <a:spcPts val="0"/>
-              </a:spcBef>
               <a:buNone/>
               <a:defRPr/>
             </a:lvl2pPr>
             <a:lvl3pPr lvl="2">
-              <a:spcBef>
-                <a:spcPts val="0"/>
-              </a:spcBef>
               <a:buNone/>
               <a:defRPr/>
             </a:lvl3pPr>
             <a:lvl4pPr lvl="3">
-              <a:spcBef>
-                <a:spcPts val="0"/>
-              </a:spcBef>
               <a:buNone/>
               <a:defRPr/>
             </a:lvl4pPr>
             <a:lvl5pPr lvl="4">
-              <a:spcBef>
-                <a:spcPts val="0"/>
-              </a:spcBef>
               <a:buNone/>
               <a:defRPr/>
             </a:lvl5pPr>
             <a:lvl6pPr lvl="5">
-              <a:spcBef>
-                <a:spcPts val="0"/>
-              </a:spcBef>
               <a:buNone/>
               <a:defRPr/>
             </a:lvl6pPr>
             <a:lvl7pPr lvl="6">
-              <a:spcBef>
-                <a:spcPts val="0"/>
-              </a:spcBef>
               <a:buNone/>
               <a:defRPr/>
             </a:lvl7pPr>
             <a:lvl8pPr lvl="7">
-              <a:spcBef>
-                <a:spcPts val="0"/>
-              </a:spcBef>
               <a:buNone/>
               <a:defRPr/>
             </a:lvl8pPr>
             <a:lvl9pPr lvl="8">
-              <a:spcBef>
-                <a:spcPts val="0"/>
-              </a:spcBef>
               <a:buNone/>
               <a:defRPr/>
             </a:lvl9pPr>
@@ -2476,65 +2422,38 @@
           </a:bodyPr>
           <a:lstStyle>
             <a:lvl1pPr lvl="0">
-              <a:spcBef>
-                <a:spcPts val="0"/>
-              </a:spcBef>
               <a:buNone/>
               <a:defRPr/>
             </a:lvl1pPr>
             <a:lvl2pPr lvl="1">
-              <a:spcBef>
-                <a:spcPts val="0"/>
-              </a:spcBef>
               <a:buNone/>
               <a:defRPr/>
             </a:lvl2pPr>
             <a:lvl3pPr lvl="2">
-              <a:spcBef>
-                <a:spcPts val="0"/>
-              </a:spcBef>
               <a:buNone/>
               <a:defRPr/>
             </a:lvl3pPr>
             <a:lvl4pPr lvl="3">
-              <a:spcBef>
-                <a:spcPts val="0"/>
-              </a:spcBef>
               <a:buNone/>
               <a:defRPr/>
             </a:lvl4pPr>
             <a:lvl5pPr lvl="4">
-              <a:spcBef>
-                <a:spcPts val="0"/>
-              </a:spcBef>
               <a:buNone/>
               <a:defRPr/>
             </a:lvl5pPr>
             <a:lvl6pPr lvl="5">
-              <a:spcBef>
-                <a:spcPts val="0"/>
-              </a:spcBef>
               <a:buNone/>
               <a:defRPr/>
             </a:lvl6pPr>
             <a:lvl7pPr lvl="6">
-              <a:spcBef>
-                <a:spcPts val="0"/>
-              </a:spcBef>
               <a:buNone/>
               <a:defRPr/>
             </a:lvl7pPr>
             <a:lvl8pPr lvl="7">
-              <a:spcBef>
-                <a:spcPts val="0"/>
-              </a:spcBef>
               <a:buNone/>
               <a:defRPr/>
             </a:lvl8pPr>
             <a:lvl9pPr lvl="8">
-              <a:spcBef>
-                <a:spcPts val="0"/>
-              </a:spcBef>
               <a:buNone/>
               <a:defRPr/>
             </a:lvl9pPr>
@@ -2728,65 +2647,38 @@
           </a:bodyPr>
           <a:lstStyle>
             <a:lvl1pPr lvl="0">
-              <a:spcBef>
-                <a:spcPts val="0"/>
-              </a:spcBef>
               <a:buNone/>
               <a:defRPr/>
             </a:lvl1pPr>
             <a:lvl2pPr lvl="1">
-              <a:spcBef>
-                <a:spcPts val="0"/>
-              </a:spcBef>
               <a:buNone/>
               <a:defRPr/>
             </a:lvl2pPr>
             <a:lvl3pPr lvl="2">
-              <a:spcBef>
-                <a:spcPts val="0"/>
-              </a:spcBef>
               <a:buNone/>
               <a:defRPr/>
             </a:lvl3pPr>
             <a:lvl4pPr lvl="3">
-              <a:spcBef>
-                <a:spcPts val="0"/>
-              </a:spcBef>
               <a:buNone/>
               <a:defRPr/>
             </a:lvl4pPr>
             <a:lvl5pPr lvl="4">
-              <a:spcBef>
-                <a:spcPts val="0"/>
-              </a:spcBef>
               <a:buNone/>
               <a:defRPr/>
             </a:lvl5pPr>
             <a:lvl6pPr lvl="5">
-              <a:spcBef>
-                <a:spcPts val="0"/>
-              </a:spcBef>
               <a:buNone/>
               <a:defRPr/>
             </a:lvl6pPr>
             <a:lvl7pPr lvl="6">
-              <a:spcBef>
-                <a:spcPts val="0"/>
-              </a:spcBef>
               <a:buNone/>
               <a:defRPr/>
             </a:lvl7pPr>
             <a:lvl8pPr lvl="7">
-              <a:spcBef>
-                <a:spcPts val="0"/>
-              </a:spcBef>
               <a:buNone/>
               <a:defRPr/>
             </a:lvl8pPr>
             <a:lvl9pPr lvl="8">
-              <a:spcBef>
-                <a:spcPts val="0"/>
-              </a:spcBef>
               <a:buNone/>
               <a:defRPr/>
             </a:lvl9pPr>
@@ -3103,65 +2995,38 @@
           </a:bodyPr>
           <a:lstStyle>
             <a:lvl1pPr lvl="0">
-              <a:spcBef>
-                <a:spcPts val="0"/>
-              </a:spcBef>
               <a:buNone/>
               <a:defRPr/>
             </a:lvl1pPr>
             <a:lvl2pPr lvl="1">
-              <a:spcBef>
-                <a:spcPts val="0"/>
-              </a:spcBef>
               <a:buNone/>
               <a:defRPr/>
             </a:lvl2pPr>
             <a:lvl3pPr lvl="2">
-              <a:spcBef>
-                <a:spcPts val="0"/>
-              </a:spcBef>
               <a:buNone/>
               <a:defRPr/>
             </a:lvl3pPr>
             <a:lvl4pPr lvl="3">
-              <a:spcBef>
-                <a:spcPts val="0"/>
-              </a:spcBef>
               <a:buNone/>
               <a:defRPr/>
             </a:lvl4pPr>
             <a:lvl5pPr lvl="4">
-              <a:spcBef>
-                <a:spcPts val="0"/>
-              </a:spcBef>
               <a:buNone/>
               <a:defRPr/>
             </a:lvl5pPr>
             <a:lvl6pPr lvl="5">
-              <a:spcBef>
-                <a:spcPts val="0"/>
-              </a:spcBef>
               <a:buNone/>
               <a:defRPr/>
             </a:lvl6pPr>
             <a:lvl7pPr lvl="6">
-              <a:spcBef>
-                <a:spcPts val="0"/>
-              </a:spcBef>
               <a:buNone/>
               <a:defRPr/>
             </a:lvl7pPr>
             <a:lvl8pPr lvl="7">
-              <a:spcBef>
-                <a:spcPts val="0"/>
-              </a:spcBef>
               <a:buNone/>
               <a:defRPr/>
             </a:lvl8pPr>
             <a:lvl9pPr lvl="8">
-              <a:spcBef>
-                <a:spcPts val="0"/>
-              </a:spcBef>
               <a:buNone/>
               <a:defRPr/>
             </a:lvl9pPr>
@@ -3601,65 +3466,38 @@
           </a:bodyPr>
           <a:lstStyle>
             <a:lvl1pPr lvl="0">
-              <a:spcBef>
-                <a:spcPts val="0"/>
-              </a:spcBef>
               <a:buNone/>
               <a:defRPr/>
             </a:lvl1pPr>
             <a:lvl2pPr lvl="1">
-              <a:spcBef>
-                <a:spcPts val="0"/>
-              </a:spcBef>
               <a:buNone/>
               <a:defRPr/>
             </a:lvl2pPr>
             <a:lvl3pPr lvl="2">
-              <a:spcBef>
-                <a:spcPts val="0"/>
-              </a:spcBef>
               <a:buNone/>
               <a:defRPr/>
             </a:lvl3pPr>
             <a:lvl4pPr lvl="3">
-              <a:spcBef>
-                <a:spcPts val="0"/>
-              </a:spcBef>
               <a:buNone/>
               <a:defRPr/>
             </a:lvl4pPr>
             <a:lvl5pPr lvl="4">
-              <a:spcBef>
-                <a:spcPts val="0"/>
-              </a:spcBef>
               <a:buNone/>
               <a:defRPr/>
             </a:lvl5pPr>
             <a:lvl6pPr lvl="5">
-              <a:spcBef>
-                <a:spcPts val="0"/>
-              </a:spcBef>
               <a:buNone/>
               <a:defRPr/>
             </a:lvl6pPr>
             <a:lvl7pPr lvl="6">
-              <a:spcBef>
-                <a:spcPts val="0"/>
-              </a:spcBef>
               <a:buNone/>
               <a:defRPr/>
             </a:lvl7pPr>
             <a:lvl8pPr lvl="7">
-              <a:spcBef>
-                <a:spcPts val="0"/>
-              </a:spcBef>
               <a:buNone/>
               <a:defRPr/>
             </a:lvl8pPr>
             <a:lvl9pPr lvl="8">
-              <a:spcBef>
-                <a:spcPts val="0"/>
-              </a:spcBef>
               <a:buNone/>
               <a:defRPr/>
             </a:lvl9pPr>
@@ -3853,65 +3691,38 @@
           </a:bodyPr>
           <a:lstStyle>
             <a:lvl1pPr lvl="0">
-              <a:spcBef>
-                <a:spcPts val="0"/>
-              </a:spcBef>
               <a:buNone/>
               <a:defRPr/>
             </a:lvl1pPr>
             <a:lvl2pPr lvl="1">
-              <a:spcBef>
-                <a:spcPts val="0"/>
-              </a:spcBef>
               <a:buNone/>
               <a:defRPr/>
             </a:lvl2pPr>
             <a:lvl3pPr lvl="2">
-              <a:spcBef>
-                <a:spcPts val="0"/>
-              </a:spcBef>
               <a:buNone/>
               <a:defRPr/>
             </a:lvl3pPr>
             <a:lvl4pPr lvl="3">
-              <a:spcBef>
-                <a:spcPts val="0"/>
-              </a:spcBef>
               <a:buNone/>
               <a:defRPr/>
             </a:lvl4pPr>
             <a:lvl5pPr lvl="4">
-              <a:spcBef>
-                <a:spcPts val="0"/>
-              </a:spcBef>
               <a:buNone/>
               <a:defRPr/>
             </a:lvl5pPr>
             <a:lvl6pPr lvl="5">
-              <a:spcBef>
-                <a:spcPts val="0"/>
-              </a:spcBef>
               <a:buNone/>
               <a:defRPr/>
             </a:lvl6pPr>
             <a:lvl7pPr lvl="6">
-              <a:spcBef>
-                <a:spcPts val="0"/>
-              </a:spcBef>
               <a:buNone/>
               <a:defRPr/>
             </a:lvl7pPr>
             <a:lvl8pPr lvl="7">
-              <a:spcBef>
-                <a:spcPts val="0"/>
-              </a:spcBef>
               <a:buNone/>
               <a:defRPr/>
             </a:lvl8pPr>
             <a:lvl9pPr lvl="8">
-              <a:spcBef>
-                <a:spcPts val="0"/>
-              </a:spcBef>
               <a:buNone/>
               <a:defRPr/>
             </a:lvl9pPr>
@@ -4228,65 +4039,38 @@
           </a:bodyPr>
           <a:lstStyle>
             <a:lvl1pPr lvl="0">
-              <a:spcBef>
-                <a:spcPts val="0"/>
-              </a:spcBef>
               <a:buNone/>
               <a:defRPr/>
             </a:lvl1pPr>
             <a:lvl2pPr lvl="1">
-              <a:spcBef>
-                <a:spcPts val="0"/>
-              </a:spcBef>
               <a:buNone/>
               <a:defRPr/>
             </a:lvl2pPr>
             <a:lvl3pPr lvl="2">
-              <a:spcBef>
-                <a:spcPts val="0"/>
-              </a:spcBef>
               <a:buNone/>
               <a:defRPr/>
             </a:lvl3pPr>
             <a:lvl4pPr lvl="3">
-              <a:spcBef>
-                <a:spcPts val="0"/>
-              </a:spcBef>
               <a:buNone/>
               <a:defRPr/>
             </a:lvl4pPr>
             <a:lvl5pPr lvl="4">
-              <a:spcBef>
-                <a:spcPts val="0"/>
-              </a:spcBef>
               <a:buNone/>
               <a:defRPr/>
             </a:lvl5pPr>
             <a:lvl6pPr lvl="5">
-              <a:spcBef>
-                <a:spcPts val="0"/>
-              </a:spcBef>
               <a:buNone/>
               <a:defRPr/>
             </a:lvl6pPr>
             <a:lvl7pPr lvl="6">
-              <a:spcBef>
-                <a:spcPts val="0"/>
-              </a:spcBef>
               <a:buNone/>
               <a:defRPr/>
             </a:lvl7pPr>
             <a:lvl8pPr lvl="7">
-              <a:spcBef>
-                <a:spcPts val="0"/>
-              </a:spcBef>
               <a:buNone/>
               <a:defRPr/>
             </a:lvl8pPr>
             <a:lvl9pPr lvl="8">
-              <a:spcBef>
-                <a:spcPts val="0"/>
-              </a:spcBef>
               <a:buNone/>
               <a:defRPr/>
             </a:lvl9pPr>
@@ -4480,65 +4264,38 @@
           </a:bodyPr>
           <a:lstStyle>
             <a:lvl1pPr lvl="0">
-              <a:spcBef>
-                <a:spcPts val="0"/>
-              </a:spcBef>
               <a:buNone/>
               <a:defRPr/>
             </a:lvl1pPr>
             <a:lvl2pPr lvl="1">
-              <a:spcBef>
-                <a:spcPts val="0"/>
-              </a:spcBef>
               <a:buNone/>
               <a:defRPr/>
             </a:lvl2pPr>
             <a:lvl3pPr lvl="2">
-              <a:spcBef>
-                <a:spcPts val="0"/>
-              </a:spcBef>
               <a:buNone/>
               <a:defRPr/>
             </a:lvl3pPr>
             <a:lvl4pPr lvl="3">
-              <a:spcBef>
-                <a:spcPts val="0"/>
-              </a:spcBef>
               <a:buNone/>
               <a:defRPr/>
             </a:lvl4pPr>
             <a:lvl5pPr lvl="4">
-              <a:spcBef>
-                <a:spcPts val="0"/>
-              </a:spcBef>
               <a:buNone/>
               <a:defRPr/>
             </a:lvl5pPr>
             <a:lvl6pPr lvl="5">
-              <a:spcBef>
-                <a:spcPts val="0"/>
-              </a:spcBef>
               <a:buNone/>
               <a:defRPr/>
             </a:lvl6pPr>
             <a:lvl7pPr lvl="6">
-              <a:spcBef>
-                <a:spcPts val="0"/>
-              </a:spcBef>
               <a:buNone/>
               <a:defRPr/>
             </a:lvl7pPr>
             <a:lvl8pPr lvl="7">
-              <a:spcBef>
-                <a:spcPts val="0"/>
-              </a:spcBef>
               <a:buNone/>
               <a:defRPr/>
             </a:lvl8pPr>
             <a:lvl9pPr lvl="8">
-              <a:spcBef>
-                <a:spcPts val="0"/>
-              </a:spcBef>
               <a:buNone/>
               <a:defRPr/>
             </a:lvl9pPr>
@@ -5048,65 +4805,38 @@
           </a:bodyPr>
           <a:lstStyle>
             <a:lvl1pPr lvl="0">
-              <a:spcBef>
-                <a:spcPts val="0"/>
-              </a:spcBef>
               <a:buNone/>
               <a:defRPr/>
             </a:lvl1pPr>
             <a:lvl2pPr lvl="1">
-              <a:spcBef>
-                <a:spcPts val="0"/>
-              </a:spcBef>
               <a:buNone/>
               <a:defRPr/>
             </a:lvl2pPr>
             <a:lvl3pPr lvl="2">
-              <a:spcBef>
-                <a:spcPts val="0"/>
-              </a:spcBef>
               <a:buNone/>
               <a:defRPr/>
             </a:lvl3pPr>
             <a:lvl4pPr lvl="3">
-              <a:spcBef>
-                <a:spcPts val="0"/>
-              </a:spcBef>
               <a:buNone/>
               <a:defRPr/>
             </a:lvl4pPr>
             <a:lvl5pPr lvl="4">
-              <a:spcBef>
-                <a:spcPts val="0"/>
-              </a:spcBef>
               <a:buNone/>
               <a:defRPr/>
             </a:lvl5pPr>
             <a:lvl6pPr lvl="5">
-              <a:spcBef>
-                <a:spcPts val="0"/>
-              </a:spcBef>
               <a:buNone/>
               <a:defRPr/>
             </a:lvl6pPr>
             <a:lvl7pPr lvl="6">
-              <a:spcBef>
-                <a:spcPts val="0"/>
-              </a:spcBef>
               <a:buNone/>
               <a:defRPr/>
             </a:lvl7pPr>
             <a:lvl8pPr lvl="7">
-              <a:spcBef>
-                <a:spcPts val="0"/>
-              </a:spcBef>
               <a:buNone/>
               <a:defRPr/>
             </a:lvl8pPr>
             <a:lvl9pPr lvl="8">
-              <a:spcBef>
-                <a:spcPts val="0"/>
-              </a:spcBef>
               <a:buNone/>
               <a:defRPr/>
             </a:lvl9pPr>
@@ -5215,65 +4945,38 @@
           </a:bodyPr>
           <a:lstStyle>
             <a:lvl1pPr lvl="0">
-              <a:spcBef>
-                <a:spcPts val="0"/>
-              </a:spcBef>
               <a:buNone/>
               <a:defRPr/>
             </a:lvl1pPr>
             <a:lvl2pPr lvl="1">
-              <a:spcBef>
-                <a:spcPts val="0"/>
-              </a:spcBef>
               <a:buNone/>
               <a:defRPr/>
             </a:lvl2pPr>
             <a:lvl3pPr lvl="2">
-              <a:spcBef>
-                <a:spcPts val="0"/>
-              </a:spcBef>
               <a:buNone/>
               <a:defRPr/>
             </a:lvl3pPr>
             <a:lvl4pPr lvl="3">
-              <a:spcBef>
-                <a:spcPts val="0"/>
-              </a:spcBef>
               <a:buNone/>
               <a:defRPr/>
             </a:lvl4pPr>
             <a:lvl5pPr lvl="4">
-              <a:spcBef>
-                <a:spcPts val="0"/>
-              </a:spcBef>
               <a:buNone/>
               <a:defRPr/>
             </a:lvl5pPr>
             <a:lvl6pPr lvl="5">
-              <a:spcBef>
-                <a:spcPts val="0"/>
-              </a:spcBef>
               <a:buNone/>
               <a:defRPr/>
             </a:lvl6pPr>
             <a:lvl7pPr lvl="6">
-              <a:spcBef>
-                <a:spcPts val="0"/>
-              </a:spcBef>
               <a:buNone/>
               <a:defRPr/>
             </a:lvl7pPr>
             <a:lvl8pPr lvl="7">
-              <a:spcBef>
-                <a:spcPts val="0"/>
-              </a:spcBef>
               <a:buNone/>
               <a:defRPr/>
             </a:lvl8pPr>
             <a:lvl9pPr lvl="8">
-              <a:spcBef>
-                <a:spcPts val="0"/>
-              </a:spcBef>
               <a:buNone/>
               <a:defRPr/>
             </a:lvl9pPr>
@@ -5762,9 +5465,6 @@
           </a:bodyPr>
           <a:lstStyle>
             <a:lvl1pPr lvl="0" algn="r">
-              <a:spcBef>
-                <a:spcPts val="0"/>
-              </a:spcBef>
               <a:buNone/>
               <a:defRPr sz="1000">
                 <a:solidFill>
@@ -5773,9 +5473,6 @@
               </a:defRPr>
             </a:lvl1pPr>
             <a:lvl2pPr lvl="1" algn="r">
-              <a:spcBef>
-                <a:spcPts val="0"/>
-              </a:spcBef>
               <a:buNone/>
               <a:defRPr sz="1000">
                 <a:solidFill>
@@ -5784,9 +5481,6 @@
               </a:defRPr>
             </a:lvl2pPr>
             <a:lvl3pPr lvl="2" algn="r">
-              <a:spcBef>
-                <a:spcPts val="0"/>
-              </a:spcBef>
               <a:buNone/>
               <a:defRPr sz="1000">
                 <a:solidFill>
@@ -5795,9 +5489,6 @@
               </a:defRPr>
             </a:lvl3pPr>
             <a:lvl4pPr lvl="3" algn="r">
-              <a:spcBef>
-                <a:spcPts val="0"/>
-              </a:spcBef>
               <a:buNone/>
               <a:defRPr sz="1000">
                 <a:solidFill>
@@ -5806,9 +5497,6 @@
               </a:defRPr>
             </a:lvl4pPr>
             <a:lvl5pPr lvl="4" algn="r">
-              <a:spcBef>
-                <a:spcPts val="0"/>
-              </a:spcBef>
               <a:buNone/>
               <a:defRPr sz="1000">
                 <a:solidFill>
@@ -5817,9 +5505,6 @@
               </a:defRPr>
             </a:lvl5pPr>
             <a:lvl6pPr lvl="5" algn="r">
-              <a:spcBef>
-                <a:spcPts val="0"/>
-              </a:spcBef>
               <a:buNone/>
               <a:defRPr sz="1000">
                 <a:solidFill>
@@ -5828,9 +5513,6 @@
               </a:defRPr>
             </a:lvl6pPr>
             <a:lvl7pPr lvl="6" algn="r">
-              <a:spcBef>
-                <a:spcPts val="0"/>
-              </a:spcBef>
               <a:buNone/>
               <a:defRPr sz="1000">
                 <a:solidFill>
@@ -5839,9 +5521,6 @@
               </a:defRPr>
             </a:lvl7pPr>
             <a:lvl8pPr lvl="7" algn="r">
-              <a:spcBef>
-                <a:spcPts val="0"/>
-              </a:spcBef>
               <a:buNone/>
               <a:defRPr sz="1000">
                 <a:solidFill>
@@ -5850,9 +5529,6 @@
               </a:defRPr>
             </a:lvl8pPr>
             <a:lvl9pPr lvl="8" algn="r">
-              <a:spcBef>
-                <a:spcPts val="0"/>
-              </a:spcBef>
               <a:buNone/>
               <a:defRPr sz="1000">
                 <a:solidFill>
@@ -6760,7 +6436,7 @@
   <p:cSld>
     <p:spTree>
       <p:nvGrpSpPr>
-        <p:cNvPr id="106" name="Shape 106"/>
+        <p:cNvPr id="107" name="Shape 107"/>
         <p:cNvGrpSpPr/>
         <p:nvPr/>
       </p:nvGrpSpPr>
@@ -6774,7 +6450,7 @@
       </p:grpSpPr>
       <p:sp>
         <p:nvSpPr>
-          <p:cNvPr id="107" name="Shape 107"/>
+          <p:cNvPr id="108" name="Shape 108"/>
           <p:cNvSpPr txBox="1"/>
           <p:nvPr>
             <p:ph type="title"/>
@@ -6814,7 +6490,7 @@
       </p:sp>
       <p:sp>
         <p:nvSpPr>
-          <p:cNvPr id="108" name="Shape 108"/>
+          <p:cNvPr id="109" name="Shape 109"/>
           <p:cNvSpPr txBox="1"/>
           <p:nvPr>
             <p:ph idx="1" type="body"/>
@@ -6864,7 +6540,7 @@
             </a:pPr>
             <a:r>
               <a:rPr lang="en"/>
-              <a:t>Per the objective of the study, threshold probability for classification of Purchased needed optimization to increase probability for purchase outcome from ad deployment. Under this condition Logistic Regression, KNN and SVC were used accordingly. Per the findings SVC with Standard Scaler proved to be the best model for our purposes with KNN with neighbors value of 7 closely following.  </a:t>
+              <a:t>Per the objective of the study, threshold probability for classification of Purchased needed optimization to increase probability for purchase outcome from ad deployment.  </a:t>
             </a:r>
             <a:endParaRPr/>
           </a:p>
@@ -6881,7 +6557,7 @@
             </a:pPr>
             <a:r>
               <a:rPr lang="en"/>
-              <a:t>SVC when used in conjunction with Standard Scaler had the strongest fit scores with an ideal AUC. The best AUC with proper overall fit was observed with KNN with Standard Scaler but had a significantly weaker F-1 score. Close secondary choice would be KNN with 7 neighbors.</a:t>
+              <a:t>Logistic Regression when tuned with gridsearchCV or ElasticNet provided the best AUC score of 0.952. The provided the most optimum predictive model for the dataset, providing that for a random user the true positive outcome result is within 95.2% likelihood that the user will make a purchase. </a:t>
             </a:r>
             <a:endParaRPr/>
           </a:p>
@@ -8224,7 +7900,7 @@
             </a:pPr>
             <a:r>
               <a:rPr lang="en"/>
-              <a:t>Classifiers: Logistic Regression, K-Nearest Neighbors, Support Vector Classifier, Elastic Net</a:t>
+              <a:t>Classifiers: Logistic Regression, K-Nearest Neighbors, Support Vector Classifier, Elastic Net </a:t>
             </a:r>
             <a:endParaRPr/>
           </a:p>
@@ -8241,7 +7917,7 @@
             </a:pPr>
             <a:r>
               <a:rPr lang="en"/>
-              <a:t>Model Evaluation Metric: Accuracy, Precision, Recall, F1, AUC</a:t>
+              <a:t>Model Evaluation Metric: AUC</a:t>
             </a:r>
             <a:endParaRPr/>
           </a:p>
@@ -8279,7 +7955,7 @@
           <p:nvPr/>
         </p:nvGraphicFramePr>
         <p:xfrm>
-          <a:off x="103113" y="25"/>
+          <a:off x="0" y="0"/>
           <a:ext cx="3000000" cy="3000000"/>
         </p:xfrm>
         <a:graphic>
@@ -8287,17 +7963,17 @@
             <a:tbl>
               <a:tblPr>
                 <a:noFill/>
-                <a:tableStyleId>{298B0AF5-C34D-492D-8189-8005C285A1B7}</a:tableStyleId>
+                <a:tableStyleId>{357415AB-C192-41C9-9CE6-7AD23865FDDD}</a:tableStyleId>
               </a:tblPr>
               <a:tblGrid>
-                <a:gridCol w="1456850"/>
-                <a:gridCol w="1456850"/>
-                <a:gridCol w="1456850"/>
-                <a:gridCol w="1456850"/>
-                <a:gridCol w="1456850"/>
-                <a:gridCol w="1756575"/>
+                <a:gridCol w="2266075"/>
+                <a:gridCol w="1320925"/>
+                <a:gridCol w="1320925"/>
+                <a:gridCol w="1320925"/>
+                <a:gridCol w="1320925"/>
+                <a:gridCol w="1594225"/>
               </a:tblGrid>
-              <a:tr h="605800">
+              <a:tr h="506800">
                 <a:tc>
                   <a:txBody>
                     <a:bodyPr>
@@ -8305,7 +7981,7 @@
                     </a:bodyPr>
                     <a:lstStyle/>
                     <a:p>
-                      <a:pPr indent="0" lvl="0" marL="0">
+                      <a:pPr indent="0" lvl="0" marL="0" rtl="0">
                         <a:spcBef>
                           <a:spcPts val="0"/>
                         </a:spcBef>
@@ -8321,1063 +7997,7 @@
                       <a:endParaRPr b="1"/>
                     </a:p>
                   </a:txBody>
-                  <a:tcPr marT="91425" marB="91425" marR="91425" marL="91425">
-                    <a:solidFill>
-                      <a:srgbClr val="A4C2F4"/>
-                    </a:solidFill>
-                  </a:tcPr>
-                </a:tc>
-                <a:tc>
-                  <a:txBody>
-                    <a:bodyPr>
-                      <a:noAutofit/>
-                    </a:bodyPr>
-                    <a:lstStyle/>
-                    <a:p>
-                      <a:pPr indent="0" lvl="0" marL="0">
-                        <a:spcBef>
-                          <a:spcPts val="0"/>
-                        </a:spcBef>
-                        <a:spcAft>
-                          <a:spcPts val="0"/>
-                        </a:spcAft>
-                        <a:buNone/>
-                      </a:pPr>
-                      <a:r>
-                        <a:rPr b="1" lang="en"/>
-                        <a:t>Precision</a:t>
-                      </a:r>
-                      <a:endParaRPr b="1"/>
-                    </a:p>
-                  </a:txBody>
-                  <a:tcPr marT="91425" marB="91425" marR="91425" marL="91425">
-                    <a:solidFill>
-                      <a:srgbClr val="6D9EEB"/>
-                    </a:solidFill>
-                  </a:tcPr>
-                </a:tc>
-                <a:tc>
-                  <a:txBody>
-                    <a:bodyPr>
-                      <a:noAutofit/>
-                    </a:bodyPr>
-                    <a:lstStyle/>
-                    <a:p>
-                      <a:pPr indent="0" lvl="0" marL="0">
-                        <a:spcBef>
-                          <a:spcPts val="0"/>
-                        </a:spcBef>
-                        <a:spcAft>
-                          <a:spcPts val="0"/>
-                        </a:spcAft>
-                        <a:buNone/>
-                      </a:pPr>
-                      <a:r>
-                        <a:rPr b="1" lang="en"/>
-                        <a:t>Recall</a:t>
-                      </a:r>
-                      <a:endParaRPr b="1"/>
-                    </a:p>
-                  </a:txBody>
-                  <a:tcPr marT="91425" marB="91425" marR="91425" marL="91425">
-                    <a:solidFill>
-                      <a:srgbClr val="6D9EEB"/>
-                    </a:solidFill>
-                  </a:tcPr>
-                </a:tc>
-                <a:tc>
-                  <a:txBody>
-                    <a:bodyPr>
-                      <a:noAutofit/>
-                    </a:bodyPr>
-                    <a:lstStyle/>
-                    <a:p>
-                      <a:pPr indent="0" lvl="0" marL="0">
-                        <a:spcBef>
-                          <a:spcPts val="0"/>
-                        </a:spcBef>
-                        <a:spcAft>
-                          <a:spcPts val="0"/>
-                        </a:spcAft>
-                        <a:buNone/>
-                      </a:pPr>
-                      <a:r>
-                        <a:rPr b="1" lang="en"/>
-                        <a:t>F1-score</a:t>
-                      </a:r>
-                      <a:endParaRPr b="1"/>
-                    </a:p>
-                  </a:txBody>
-                  <a:tcPr marT="91425" marB="91425" marR="91425" marL="91425">
-                    <a:solidFill>
-                      <a:srgbClr val="6D9EEB"/>
-                    </a:solidFill>
-                  </a:tcPr>
-                </a:tc>
-                <a:tc>
-                  <a:txBody>
-                    <a:bodyPr>
-                      <a:noAutofit/>
-                    </a:bodyPr>
-                    <a:lstStyle/>
-                    <a:p>
-                      <a:pPr indent="0" lvl="0" marL="0">
-                        <a:spcBef>
-                          <a:spcPts val="0"/>
-                        </a:spcBef>
-                        <a:spcAft>
-                          <a:spcPts val="0"/>
-                        </a:spcAft>
-                        <a:buNone/>
-                      </a:pPr>
-                      <a:r>
-                        <a:rPr b="1" lang="en"/>
-                        <a:t>Accuracy score</a:t>
-                      </a:r>
-                      <a:endParaRPr b="1"/>
-                    </a:p>
-                  </a:txBody>
-                  <a:tcPr marT="91425" marB="91425" marR="91425" marL="91425">
-                    <a:solidFill>
-                      <a:srgbClr val="6D9EEB"/>
-                    </a:solidFill>
-                  </a:tcPr>
-                </a:tc>
-                <a:tc>
-                  <a:txBody>
-                    <a:bodyPr>
-                      <a:noAutofit/>
-                    </a:bodyPr>
-                    <a:lstStyle/>
-                    <a:p>
-                      <a:pPr indent="0" lvl="0" marL="0">
-                        <a:spcBef>
-                          <a:spcPts val="0"/>
-                        </a:spcBef>
-                        <a:spcAft>
-                          <a:spcPts val="0"/>
-                        </a:spcAft>
-                        <a:buNone/>
-                      </a:pPr>
-                      <a:r>
-                        <a:rPr b="1" lang="en"/>
-                        <a:t>AUC </a:t>
-                      </a:r>
-                      <a:endParaRPr b="1"/>
-                    </a:p>
-                  </a:txBody>
-                  <a:tcPr marT="91425" marB="91425" marR="91425" marL="91425">
-                    <a:solidFill>
-                      <a:srgbClr val="6D9EEB"/>
-                    </a:solidFill>
-                  </a:tcPr>
-                </a:tc>
-              </a:tr>
-              <a:tr h="605800">
-                <a:tc>
-                  <a:txBody>
-                    <a:bodyPr>
-                      <a:noAutofit/>
-                    </a:bodyPr>
-                    <a:lstStyle/>
-                    <a:p>
-                      <a:pPr indent="0" lvl="0" marL="0">
-                        <a:spcBef>
-                          <a:spcPts val="0"/>
-                        </a:spcBef>
-                        <a:spcAft>
-                          <a:spcPts val="0"/>
-                        </a:spcAft>
-                        <a:buNone/>
-                      </a:pPr>
-                      <a:r>
-                        <a:rPr b="1" lang="en"/>
-                        <a:t>Logistic Regression</a:t>
-                      </a:r>
-                      <a:endParaRPr b="1"/>
-                    </a:p>
-                  </a:txBody>
-                  <a:tcPr marT="91425" marB="91425" marR="91425" marL="91425">
-                    <a:solidFill>
-                      <a:srgbClr val="A4C2F4"/>
-                    </a:solidFill>
-                  </a:tcPr>
-                </a:tc>
-                <a:tc>
-                  <a:txBody>
-                    <a:bodyPr>
-                      <a:noAutofit/>
-                    </a:bodyPr>
-                    <a:lstStyle/>
-                    <a:p>
-                      <a:pPr indent="0" lvl="0" marL="0">
-                        <a:spcBef>
-                          <a:spcPts val="0"/>
-                        </a:spcBef>
-                        <a:spcAft>
-                          <a:spcPts val="0"/>
-                        </a:spcAft>
-                        <a:buNone/>
-                      </a:pPr>
-                      <a:r>
-                        <a:rPr b="1" lang="en"/>
-                        <a:t>0.00</a:t>
-                      </a:r>
-                      <a:endParaRPr b="1"/>
-                    </a:p>
-                  </a:txBody>
-                  <a:tcPr marT="91425" marB="91425" marR="91425" marL="91425">
-                    <a:solidFill>
-                      <a:srgbClr val="C9DAF8"/>
-                    </a:solidFill>
-                  </a:tcPr>
-                </a:tc>
-                <a:tc>
-                  <a:txBody>
-                    <a:bodyPr>
-                      <a:noAutofit/>
-                    </a:bodyPr>
-                    <a:lstStyle/>
-                    <a:p>
-                      <a:pPr indent="0" lvl="0" marL="0">
-                        <a:spcBef>
-                          <a:spcPts val="0"/>
-                        </a:spcBef>
-                        <a:spcAft>
-                          <a:spcPts val="0"/>
-                        </a:spcAft>
-                        <a:buNone/>
-                      </a:pPr>
-                      <a:r>
-                        <a:rPr b="1" lang="en"/>
-                        <a:t>0.00</a:t>
-                      </a:r>
-                      <a:endParaRPr b="1"/>
-                    </a:p>
-                  </a:txBody>
-                  <a:tcPr marT="91425" marB="91425" marR="91425" marL="91425">
-                    <a:solidFill>
-                      <a:srgbClr val="C9DAF8"/>
-                    </a:solidFill>
-                  </a:tcPr>
-                </a:tc>
-                <a:tc>
-                  <a:txBody>
-                    <a:bodyPr>
-                      <a:noAutofit/>
-                    </a:bodyPr>
-                    <a:lstStyle/>
-                    <a:p>
-                      <a:pPr indent="0" lvl="0" marL="0">
-                        <a:spcBef>
-                          <a:spcPts val="0"/>
-                        </a:spcBef>
-                        <a:spcAft>
-                          <a:spcPts val="0"/>
-                        </a:spcAft>
-                        <a:buNone/>
-                      </a:pPr>
-                      <a:r>
-                        <a:rPr b="1" lang="en"/>
-                        <a:t>0.00</a:t>
-                      </a:r>
-                      <a:endParaRPr b="1"/>
-                    </a:p>
-                  </a:txBody>
-                  <a:tcPr marT="91425" marB="91425" marR="91425" marL="91425">
-                    <a:solidFill>
-                      <a:srgbClr val="C9DAF8"/>
-                    </a:solidFill>
-                  </a:tcPr>
-                </a:tc>
-                <a:tc>
-                  <a:txBody>
-                    <a:bodyPr>
-                      <a:noAutofit/>
-                    </a:bodyPr>
-                    <a:lstStyle/>
-                    <a:p>
-                      <a:pPr indent="0" lvl="0" marL="0">
-                        <a:spcBef>
-                          <a:spcPts val="0"/>
-                        </a:spcBef>
-                        <a:spcAft>
-                          <a:spcPts val="0"/>
-                        </a:spcAft>
-                        <a:buNone/>
-                      </a:pPr>
-                      <a:r>
-                        <a:rPr b="1" lang="en"/>
-                        <a:t>0.70</a:t>
-                      </a:r>
-                      <a:endParaRPr b="1"/>
-                    </a:p>
-                  </a:txBody>
-                  <a:tcPr marT="91425" marB="91425" marR="91425" marL="91425">
-                    <a:solidFill>
-                      <a:srgbClr val="C9DAF8"/>
-                    </a:solidFill>
-                  </a:tcPr>
-                </a:tc>
-                <a:tc>
-                  <a:txBody>
-                    <a:bodyPr>
-                      <a:noAutofit/>
-                    </a:bodyPr>
-                    <a:lstStyle/>
-                    <a:p>
-                      <a:pPr indent="0" lvl="0" marL="0">
-                        <a:spcBef>
-                          <a:spcPts val="0"/>
-                        </a:spcBef>
-                        <a:spcAft>
-                          <a:spcPts val="0"/>
-                        </a:spcAft>
-                        <a:buNone/>
-                      </a:pPr>
-                      <a:r>
-                        <a:rPr b="1" lang="en"/>
-                        <a:t>0.13</a:t>
-                      </a:r>
-                      <a:endParaRPr b="1"/>
-                    </a:p>
-                  </a:txBody>
-                  <a:tcPr marT="91425" marB="91425" marR="91425" marL="91425">
-                    <a:solidFill>
-                      <a:srgbClr val="C9DAF8"/>
-                    </a:solidFill>
-                  </a:tcPr>
-                </a:tc>
-              </a:tr>
-              <a:tr h="1027575">
-                <a:tc>
-                  <a:txBody>
-                    <a:bodyPr>
-                      <a:noAutofit/>
-                    </a:bodyPr>
-                    <a:lstStyle/>
-                    <a:p>
-                      <a:pPr indent="0" lvl="0" marL="0">
-                        <a:spcBef>
-                          <a:spcPts val="0"/>
-                        </a:spcBef>
-                        <a:spcAft>
-                          <a:spcPts val="0"/>
-                        </a:spcAft>
-                        <a:buNone/>
-                      </a:pPr>
-                      <a:r>
-                        <a:rPr b="1" lang="en"/>
-                        <a:t>Logistic Regression Elastic Net with GridSearchCV</a:t>
-                      </a:r>
-                      <a:endParaRPr b="1"/>
-                    </a:p>
-                  </a:txBody>
-                  <a:tcPr marT="91425" marB="91425" marR="91425" marL="91425">
-                    <a:solidFill>
-                      <a:srgbClr val="A4C2F4"/>
-                    </a:solidFill>
-                  </a:tcPr>
-                </a:tc>
-                <a:tc>
-                  <a:txBody>
-                    <a:bodyPr>
-                      <a:noAutofit/>
-                    </a:bodyPr>
-                    <a:lstStyle/>
-                    <a:p>
-                      <a:pPr indent="0" lvl="0" marL="0">
-                        <a:spcBef>
-                          <a:spcPts val="0"/>
-                        </a:spcBef>
-                        <a:spcAft>
-                          <a:spcPts val="0"/>
-                        </a:spcAft>
-                        <a:buNone/>
-                      </a:pPr>
-                      <a:r>
-                        <a:rPr b="1" lang="en"/>
-                        <a:t>0.00</a:t>
-                      </a:r>
-                      <a:endParaRPr b="1"/>
-                    </a:p>
-                  </a:txBody>
-                  <a:tcPr marT="91425" marB="91425" marR="91425" marL="91425">
-                    <a:solidFill>
-                      <a:srgbClr val="6D9EEB"/>
-                    </a:solidFill>
-                  </a:tcPr>
-                </a:tc>
-                <a:tc>
-                  <a:txBody>
-                    <a:bodyPr>
-                      <a:noAutofit/>
-                    </a:bodyPr>
-                    <a:lstStyle/>
-                    <a:p>
-                      <a:pPr indent="0" lvl="0" marL="0">
-                        <a:spcBef>
-                          <a:spcPts val="0"/>
-                        </a:spcBef>
-                        <a:spcAft>
-                          <a:spcPts val="0"/>
-                        </a:spcAft>
-                        <a:buNone/>
-                      </a:pPr>
-                      <a:r>
-                        <a:rPr b="1" lang="en"/>
-                        <a:t>0.00</a:t>
-                      </a:r>
-                      <a:endParaRPr b="1"/>
-                    </a:p>
-                  </a:txBody>
-                  <a:tcPr marT="91425" marB="91425" marR="91425" marL="91425">
-                    <a:solidFill>
-                      <a:srgbClr val="6D9EEB"/>
-                    </a:solidFill>
-                  </a:tcPr>
-                </a:tc>
-                <a:tc>
-                  <a:txBody>
-                    <a:bodyPr>
-                      <a:noAutofit/>
-                    </a:bodyPr>
-                    <a:lstStyle/>
-                    <a:p>
-                      <a:pPr indent="0" lvl="0" marL="0">
-                        <a:spcBef>
-                          <a:spcPts val="0"/>
-                        </a:spcBef>
-                        <a:spcAft>
-                          <a:spcPts val="0"/>
-                        </a:spcAft>
-                        <a:buNone/>
-                      </a:pPr>
-                      <a:r>
-                        <a:rPr b="1" lang="en"/>
-                        <a:t>0.00</a:t>
-                      </a:r>
-                      <a:endParaRPr b="1"/>
-                    </a:p>
-                  </a:txBody>
-                  <a:tcPr marT="91425" marB="91425" marR="91425" marL="91425">
-                    <a:solidFill>
-                      <a:srgbClr val="6D9EEB"/>
-                    </a:solidFill>
-                  </a:tcPr>
-                </a:tc>
-                <a:tc>
-                  <a:txBody>
-                    <a:bodyPr>
-                      <a:noAutofit/>
-                    </a:bodyPr>
-                    <a:lstStyle/>
-                    <a:p>
-                      <a:pPr indent="0" lvl="0" marL="0">
-                        <a:spcBef>
-                          <a:spcPts val="0"/>
-                        </a:spcBef>
-                        <a:spcAft>
-                          <a:spcPts val="0"/>
-                        </a:spcAft>
-                        <a:buNone/>
-                      </a:pPr>
-                      <a:r>
-                        <a:rPr b="1" lang="en"/>
-                        <a:t>0.84</a:t>
-                      </a:r>
-                      <a:endParaRPr b="1"/>
-                    </a:p>
-                  </a:txBody>
-                  <a:tcPr marT="91425" marB="91425" marR="91425" marL="91425">
-                    <a:solidFill>
-                      <a:srgbClr val="6D9EEB"/>
-                    </a:solidFill>
-                  </a:tcPr>
-                </a:tc>
-                <a:tc>
-                  <a:txBody>
-                    <a:bodyPr>
-                      <a:noAutofit/>
-                    </a:bodyPr>
-                    <a:lstStyle/>
-                    <a:p>
-                      <a:pPr indent="0" lvl="0" marL="0">
-                        <a:spcBef>
-                          <a:spcPts val="0"/>
-                        </a:spcBef>
-                        <a:spcAft>
-                          <a:spcPts val="0"/>
-                        </a:spcAft>
-                        <a:buNone/>
-                      </a:pPr>
-                      <a:r>
-                        <a:rPr b="1" lang="en"/>
-                        <a:t>0.95</a:t>
-                      </a:r>
-                      <a:endParaRPr b="1"/>
-                    </a:p>
-                  </a:txBody>
-                  <a:tcPr marT="91425" marB="91425" marR="91425" marL="91425">
-                    <a:solidFill>
-                      <a:srgbClr val="6D9EEB"/>
-                    </a:solidFill>
-                  </a:tcPr>
-                </a:tc>
-              </a:tr>
-              <a:tr h="816700">
-                <a:tc>
-                  <a:txBody>
-                    <a:bodyPr>
-                      <a:noAutofit/>
-                    </a:bodyPr>
-                    <a:lstStyle/>
-                    <a:p>
-                      <a:pPr indent="0" lvl="0" marL="0">
-                        <a:spcBef>
-                          <a:spcPts val="0"/>
-                        </a:spcBef>
-                        <a:spcAft>
-                          <a:spcPts val="0"/>
-                        </a:spcAft>
-                        <a:buNone/>
-                      </a:pPr>
-                      <a:r>
-                        <a:rPr b="1" lang="en"/>
-                        <a:t>K-Nearest Neighbors (n=5)</a:t>
-                      </a:r>
-                      <a:endParaRPr b="1"/>
-                    </a:p>
-                  </a:txBody>
-                  <a:tcPr marT="91425" marB="91425" marR="91425" marL="91425">
-                    <a:solidFill>
-                      <a:srgbClr val="A4C2F4"/>
-                    </a:solidFill>
-                  </a:tcPr>
-                </a:tc>
-                <a:tc>
-                  <a:txBody>
-                    <a:bodyPr>
-                      <a:noAutofit/>
-                    </a:bodyPr>
-                    <a:lstStyle/>
-                    <a:p>
-                      <a:pPr indent="0" lvl="0" marL="0">
-                        <a:spcBef>
-                          <a:spcPts val="0"/>
-                        </a:spcBef>
-                        <a:spcAft>
-                          <a:spcPts val="0"/>
-                        </a:spcAft>
-                        <a:buNone/>
-                      </a:pPr>
-                      <a:r>
-                        <a:rPr b="1" lang="en"/>
-                        <a:t>0.82</a:t>
-                      </a:r>
-                      <a:endParaRPr b="1"/>
-                    </a:p>
-                  </a:txBody>
-                  <a:tcPr marT="91425" marB="91425" marR="91425" marL="91425">
-                    <a:solidFill>
-                      <a:srgbClr val="C9DAF8"/>
-                    </a:solidFill>
-                  </a:tcPr>
-                </a:tc>
-                <a:tc>
-                  <a:txBody>
-                    <a:bodyPr>
-                      <a:noAutofit/>
-                    </a:bodyPr>
-                    <a:lstStyle/>
-                    <a:p>
-                      <a:pPr indent="0" lvl="0" marL="0">
-                        <a:spcBef>
-                          <a:spcPts val="0"/>
-                        </a:spcBef>
-                        <a:spcAft>
-                          <a:spcPts val="0"/>
-                        </a:spcAft>
-                        <a:buNone/>
-                      </a:pPr>
-                      <a:r>
-                        <a:rPr b="1" lang="en"/>
-                        <a:t>0.79</a:t>
-                      </a:r>
-                      <a:endParaRPr b="1"/>
-                    </a:p>
-                  </a:txBody>
-                  <a:tcPr marT="91425" marB="91425" marR="91425" marL="91425">
-                    <a:solidFill>
-                      <a:srgbClr val="C9DAF8"/>
-                    </a:solidFill>
-                  </a:tcPr>
-                </a:tc>
-                <a:tc>
-                  <a:txBody>
-                    <a:bodyPr>
-                      <a:noAutofit/>
-                    </a:bodyPr>
-                    <a:lstStyle/>
-                    <a:p>
-                      <a:pPr indent="0" lvl="0" marL="0">
-                        <a:spcBef>
-                          <a:spcPts val="0"/>
-                        </a:spcBef>
-                        <a:spcAft>
-                          <a:spcPts val="0"/>
-                        </a:spcAft>
-                        <a:buNone/>
-                      </a:pPr>
-                      <a:r>
-                        <a:rPr b="1" lang="en"/>
-                        <a:t>0.81</a:t>
-                      </a:r>
-                      <a:endParaRPr b="1"/>
-                    </a:p>
-                  </a:txBody>
-                  <a:tcPr marT="91425" marB="91425" marR="91425" marL="91425">
-                    <a:solidFill>
-                      <a:srgbClr val="C9DAF8"/>
-                    </a:solidFill>
-                  </a:tcPr>
-                </a:tc>
-                <a:tc>
-                  <a:txBody>
-                    <a:bodyPr>
-                      <a:noAutofit/>
-                    </a:bodyPr>
-                    <a:lstStyle/>
-                    <a:p>
-                      <a:pPr indent="0" lvl="0" marL="0">
-                        <a:spcBef>
-                          <a:spcPts val="0"/>
-                        </a:spcBef>
-                        <a:spcAft>
-                          <a:spcPts val="0"/>
-                        </a:spcAft>
-                        <a:buNone/>
-                      </a:pPr>
-                      <a:r>
-                        <a:rPr b="1" lang="en"/>
-                        <a:t>0.86</a:t>
-                      </a:r>
-                      <a:endParaRPr b="1"/>
-                    </a:p>
-                  </a:txBody>
-                  <a:tcPr marT="91425" marB="91425" marR="91425" marL="91425">
-                    <a:solidFill>
-                      <a:srgbClr val="C9DAF8"/>
-                    </a:solidFill>
-                  </a:tcPr>
-                </a:tc>
-                <a:tc>
-                  <a:txBody>
-                    <a:bodyPr>
-                      <a:noAutofit/>
-                    </a:bodyPr>
-                    <a:lstStyle/>
-                    <a:p>
-                      <a:pPr indent="0" lvl="0" marL="0">
-                        <a:spcBef>
-                          <a:spcPts val="0"/>
-                        </a:spcBef>
-                        <a:spcAft>
-                          <a:spcPts val="0"/>
-                        </a:spcAft>
-                        <a:buNone/>
-                      </a:pPr>
-                      <a:r>
-                        <a:rPr b="1" lang="en"/>
-                        <a:t>0.90</a:t>
-                      </a:r>
-                      <a:endParaRPr b="1"/>
-                    </a:p>
-                  </a:txBody>
-                  <a:tcPr marT="91425" marB="91425" marR="91425" marL="91425">
-                    <a:solidFill>
-                      <a:srgbClr val="C9DAF8"/>
-                    </a:solidFill>
-                  </a:tcPr>
-                </a:tc>
-              </a:tr>
-              <a:tr h="816700">
-                <a:tc>
-                  <a:txBody>
-                    <a:bodyPr>
-                      <a:noAutofit/>
-                    </a:bodyPr>
-                    <a:lstStyle/>
-                    <a:p>
-                      <a:pPr indent="0" lvl="0" marL="0">
-                        <a:spcBef>
-                          <a:spcPts val="0"/>
-                        </a:spcBef>
-                        <a:spcAft>
-                          <a:spcPts val="0"/>
-                        </a:spcAft>
-                        <a:buNone/>
-                      </a:pPr>
-                      <a:r>
-                        <a:rPr b="1" lang="en"/>
-                        <a:t>K-Nearest Neighbors (n=7)</a:t>
-                      </a:r>
-                      <a:endParaRPr b="1"/>
-                    </a:p>
-                  </a:txBody>
-                  <a:tcPr marT="91425" marB="91425" marR="91425" marL="91425">
-                    <a:solidFill>
-                      <a:srgbClr val="A4C2F4"/>
-                    </a:solidFill>
-                  </a:tcPr>
-                </a:tc>
-                <a:tc>
-                  <a:txBody>
-                    <a:bodyPr>
-                      <a:noAutofit/>
-                    </a:bodyPr>
-                    <a:lstStyle/>
-                    <a:p>
-                      <a:pPr indent="0" lvl="0" marL="0">
-                        <a:spcBef>
-                          <a:spcPts val="0"/>
-                        </a:spcBef>
-                        <a:spcAft>
-                          <a:spcPts val="0"/>
-                        </a:spcAft>
-                        <a:buNone/>
-                      </a:pPr>
-                      <a:r>
-                        <a:rPr b="1" lang="en"/>
-                        <a:t>0.85</a:t>
-                      </a:r>
-                      <a:endParaRPr b="1"/>
-                    </a:p>
-                  </a:txBody>
-                  <a:tcPr marT="91425" marB="91425" marR="91425" marL="91425">
-                    <a:solidFill>
-                      <a:srgbClr val="6D9EEB"/>
-                    </a:solidFill>
-                  </a:tcPr>
-                </a:tc>
-                <a:tc>
-                  <a:txBody>
-                    <a:bodyPr>
-                      <a:noAutofit/>
-                    </a:bodyPr>
-                    <a:lstStyle/>
-                    <a:p>
-                      <a:pPr indent="0" lvl="0" marL="0">
-                        <a:spcBef>
-                          <a:spcPts val="0"/>
-                        </a:spcBef>
-                        <a:spcAft>
-                          <a:spcPts val="0"/>
-                        </a:spcAft>
-                        <a:buNone/>
-                      </a:pPr>
-                      <a:r>
-                        <a:rPr b="1" lang="en"/>
-                        <a:t>0.76</a:t>
-                      </a:r>
-                      <a:endParaRPr b="1"/>
-                    </a:p>
-                  </a:txBody>
-                  <a:tcPr marT="91425" marB="91425" marR="91425" marL="91425">
-                    <a:solidFill>
-                      <a:srgbClr val="6D9EEB"/>
-                    </a:solidFill>
-                  </a:tcPr>
-                </a:tc>
-                <a:tc>
-                  <a:txBody>
-                    <a:bodyPr>
-                      <a:noAutofit/>
-                    </a:bodyPr>
-                    <a:lstStyle/>
-                    <a:p>
-                      <a:pPr indent="0" lvl="0" marL="0">
-                        <a:spcBef>
-                          <a:spcPts val="0"/>
-                        </a:spcBef>
-                        <a:spcAft>
-                          <a:spcPts val="0"/>
-                        </a:spcAft>
-                        <a:buNone/>
-                      </a:pPr>
-                      <a:r>
-                        <a:rPr b="1" lang="en"/>
-                        <a:t>0.80</a:t>
-                      </a:r>
-                      <a:endParaRPr b="1"/>
-                    </a:p>
-                  </a:txBody>
-                  <a:tcPr marT="91425" marB="91425" marR="91425" marL="91425">
-                    <a:solidFill>
-                      <a:srgbClr val="6D9EEB"/>
-                    </a:solidFill>
-                  </a:tcPr>
-                </a:tc>
-                <a:tc>
-                  <a:txBody>
-                    <a:bodyPr>
-                      <a:noAutofit/>
-                    </a:bodyPr>
-                    <a:lstStyle/>
-                    <a:p>
-                      <a:pPr indent="0" lvl="0" marL="0">
-                        <a:spcBef>
-                          <a:spcPts val="0"/>
-                        </a:spcBef>
-                        <a:spcAft>
-                          <a:spcPts val="0"/>
-                        </a:spcAft>
-                        <a:buNone/>
-                      </a:pPr>
-                      <a:r>
-                        <a:rPr b="1" lang="en"/>
-                        <a:t>0.86</a:t>
-                      </a:r>
-                      <a:endParaRPr b="1"/>
-                    </a:p>
-                  </a:txBody>
-                  <a:tcPr marT="91425" marB="91425" marR="91425" marL="91425">
-                    <a:solidFill>
-                      <a:srgbClr val="6D9EEB"/>
-                    </a:solidFill>
-                  </a:tcPr>
-                </a:tc>
-                <a:tc>
-                  <a:txBody>
-                    <a:bodyPr>
-                      <a:noAutofit/>
-                    </a:bodyPr>
-                    <a:lstStyle/>
-                    <a:p>
-                      <a:pPr indent="0" lvl="0" marL="0">
-                        <a:spcBef>
-                          <a:spcPts val="0"/>
-                        </a:spcBef>
-                        <a:spcAft>
-                          <a:spcPts val="0"/>
-                        </a:spcAft>
-                        <a:buNone/>
-                      </a:pPr>
-                      <a:r>
-                        <a:rPr b="1" lang="en"/>
-                        <a:t>0.91</a:t>
-                      </a:r>
-                      <a:endParaRPr b="1"/>
-                    </a:p>
-                  </a:txBody>
-                  <a:tcPr marT="91425" marB="91425" marR="91425" marL="91425">
-                    <a:solidFill>
-                      <a:srgbClr val="6D9EEB"/>
-                    </a:solidFill>
-                  </a:tcPr>
-                </a:tc>
-              </a:tr>
-              <a:tr h="816700">
-                <a:tc>
-                  <a:txBody>
-                    <a:bodyPr>
-                      <a:noAutofit/>
-                    </a:bodyPr>
-                    <a:lstStyle/>
-                    <a:p>
-                      <a:pPr indent="0" lvl="0" marL="0">
-                        <a:spcBef>
-                          <a:spcPts val="0"/>
-                        </a:spcBef>
-                        <a:spcAft>
-                          <a:spcPts val="0"/>
-                        </a:spcAft>
-                        <a:buNone/>
-                      </a:pPr>
-                      <a:r>
-                        <a:rPr b="1" lang="en"/>
-                        <a:t>KNN with Standard Scaler</a:t>
-                      </a:r>
-                      <a:endParaRPr b="1"/>
-                    </a:p>
-                  </a:txBody>
-                  <a:tcPr marT="91425" marB="91425" marR="91425" marL="91425">
-                    <a:solidFill>
-                      <a:srgbClr val="A4C2F4"/>
-                    </a:solidFill>
-                  </a:tcPr>
-                </a:tc>
-                <a:tc>
-                  <a:txBody>
-                    <a:bodyPr>
-                      <a:noAutofit/>
-                    </a:bodyPr>
-                    <a:lstStyle/>
-                    <a:p>
-                      <a:pPr indent="0" lvl="0" marL="0">
-                        <a:spcBef>
-                          <a:spcPts val="0"/>
-                        </a:spcBef>
-                        <a:spcAft>
-                          <a:spcPts val="0"/>
-                        </a:spcAft>
-                        <a:buNone/>
-                      </a:pPr>
-                      <a:r>
-                        <a:rPr b="1" lang="en"/>
-                        <a:t>0.38</a:t>
-                      </a:r>
-                      <a:endParaRPr b="1"/>
-                    </a:p>
-                  </a:txBody>
-                  <a:tcPr marT="91425" marB="91425" marR="91425" marL="91425">
-                    <a:solidFill>
-                      <a:srgbClr val="C9DAF8"/>
-                    </a:solidFill>
-                  </a:tcPr>
-                </a:tc>
-                <a:tc>
-                  <a:txBody>
-                    <a:bodyPr>
-                      <a:noAutofit/>
-                    </a:bodyPr>
-                    <a:lstStyle/>
-                    <a:p>
-                      <a:pPr indent="0" lvl="0" marL="0">
-                        <a:spcBef>
-                          <a:spcPts val="0"/>
-                        </a:spcBef>
-                        <a:spcAft>
-                          <a:spcPts val="0"/>
-                        </a:spcAft>
-                        <a:buNone/>
-                      </a:pPr>
-                      <a:r>
-                        <a:rPr b="1" lang="en"/>
-                        <a:t>0.42</a:t>
-                      </a:r>
-                      <a:endParaRPr b="1"/>
-                    </a:p>
-                  </a:txBody>
-                  <a:tcPr marT="91425" marB="91425" marR="91425" marL="91425">
-                    <a:solidFill>
-                      <a:srgbClr val="C9DAF8"/>
-                    </a:solidFill>
-                  </a:tcPr>
-                </a:tc>
-                <a:tc>
-                  <a:txBody>
-                    <a:bodyPr>
-                      <a:noAutofit/>
-                    </a:bodyPr>
-                    <a:lstStyle/>
-                    <a:p>
-                      <a:pPr indent="0" lvl="0" marL="0">
-                        <a:spcBef>
-                          <a:spcPts val="0"/>
-                        </a:spcBef>
-                        <a:spcAft>
-                          <a:spcPts val="0"/>
-                        </a:spcAft>
-                        <a:buNone/>
-                      </a:pPr>
-                      <a:r>
-                        <a:rPr b="1" lang="en"/>
-                        <a:t>0.40</a:t>
-                      </a:r>
-                      <a:endParaRPr b="1"/>
-                    </a:p>
-                  </a:txBody>
-                  <a:tcPr marT="91425" marB="91425" marR="91425" marL="91425">
-                    <a:solidFill>
-                      <a:srgbClr val="C9DAF8"/>
-                    </a:solidFill>
-                  </a:tcPr>
-                </a:tc>
-                <a:tc>
-                  <a:txBody>
-                    <a:bodyPr>
-                      <a:noAutofit/>
-                    </a:bodyPr>
-                    <a:lstStyle/>
-                    <a:p>
-                      <a:pPr indent="0" lvl="0" marL="0">
-                        <a:spcBef>
-                          <a:spcPts val="0"/>
-                        </a:spcBef>
-                        <a:spcAft>
-                          <a:spcPts val="0"/>
-                        </a:spcAft>
-                        <a:buNone/>
-                      </a:pPr>
-                      <a:r>
-                        <a:rPr b="1" lang="en"/>
-                        <a:t>0.94</a:t>
-                      </a:r>
-                      <a:endParaRPr b="1"/>
-                    </a:p>
-                  </a:txBody>
-                  <a:tcPr marT="91425" marB="91425" marR="91425" marL="91425">
-                    <a:solidFill>
-                      <a:srgbClr val="C9DAF8"/>
-                    </a:solidFill>
-                  </a:tcPr>
-                </a:tc>
-                <a:tc>
-                  <a:txBody>
-                    <a:bodyPr>
-                      <a:noAutofit/>
-                    </a:bodyPr>
-                    <a:lstStyle/>
-                    <a:p>
-                      <a:pPr indent="0" lvl="0" marL="0">
-                        <a:spcBef>
-                          <a:spcPts val="0"/>
-                        </a:spcBef>
-                        <a:spcAft>
-                          <a:spcPts val="0"/>
-                        </a:spcAft>
-                        <a:buNone/>
-                      </a:pPr>
-                      <a:r>
-                        <a:rPr b="1" lang="en"/>
-                        <a:t>0.94</a:t>
-                      </a:r>
-                      <a:endParaRPr b="1"/>
-                    </a:p>
-                  </a:txBody>
-                  <a:tcPr marT="91425" marB="91425" marR="91425" marL="91425">
-                    <a:solidFill>
-                      <a:srgbClr val="C9DAF8"/>
-                    </a:solidFill>
-                  </a:tcPr>
-                </a:tc>
-              </a:tr>
-              <a:tr h="816700">
-                <a:tc>
-                  <a:txBody>
-                    <a:bodyPr>
-                      <a:noAutofit/>
-                    </a:bodyPr>
-                    <a:lstStyle/>
-                    <a:p>
-                      <a:pPr indent="0" lvl="0" marL="0" rtl="0">
-                        <a:spcBef>
-                          <a:spcPts val="0"/>
-                        </a:spcBef>
-                        <a:spcAft>
-                          <a:spcPts val="0"/>
-                        </a:spcAft>
-                        <a:buNone/>
-                      </a:pPr>
-                      <a:r>
-                        <a:rPr b="1" lang="en"/>
-                        <a:t>Support Vector Classifier</a:t>
-                      </a:r>
-                      <a:endParaRPr b="1"/>
-                    </a:p>
-                  </a:txBody>
-                  <a:tcPr marT="91425" marB="91425" marR="91425" marL="91425">
+                  <a:tcPr marT="88900" marB="88900" marR="88900" marL="88900">
                     <a:solidFill>
                       <a:srgbClr val="A4C2F4"/>
                     </a:solidFill>
@@ -9401,16 +8021,12 @@
                       </a:pPr>
                       <a:r>
                         <a:rPr b="1" lang="en"/>
-                        <a:t>0.</a:t>
-                      </a:r>
-                      <a:r>
-                        <a:rPr b="1" lang="en"/>
-                        <a:t>67</a:t>
+                        <a:t>Precision</a:t>
                       </a:r>
                       <a:endParaRPr b="1"/>
                     </a:p>
                   </a:txBody>
-                  <a:tcPr marT="91425" marB="91425" marR="91425" marL="91425">
+                  <a:tcPr marT="88900" marB="88900" marR="88900" marL="88900">
                     <a:solidFill>
                       <a:srgbClr val="6D9EEB"/>
                     </a:solidFill>
@@ -9434,16 +8050,12 @@
                       </a:pPr>
                       <a:r>
                         <a:rPr b="1" lang="en"/>
-                        <a:t>0.</a:t>
-                      </a:r>
-                      <a:r>
-                        <a:rPr b="1" lang="en"/>
-                        <a:t>17</a:t>
+                        <a:t>Recall</a:t>
                       </a:r>
                       <a:endParaRPr b="1"/>
                     </a:p>
                   </a:txBody>
-                  <a:tcPr marT="91425" marB="91425" marR="91425" marL="91425">
+                  <a:tcPr marT="88900" marB="88900" marR="88900" marL="88900">
                     <a:solidFill>
                       <a:srgbClr val="6D9EEB"/>
                     </a:solidFill>
@@ -9467,16 +8079,12 @@
                       </a:pPr>
                       <a:r>
                         <a:rPr b="1" lang="en"/>
-                        <a:t>0.</a:t>
-                      </a:r>
-                      <a:r>
-                        <a:rPr b="1" lang="en"/>
-                        <a:t>27</a:t>
+                        <a:t>F1-score</a:t>
                       </a:r>
                       <a:endParaRPr b="1"/>
                     </a:p>
                   </a:txBody>
-                  <a:tcPr marT="91425" marB="91425" marR="91425" marL="91425">
+                  <a:tcPr marT="88900" marB="88900" marR="88900" marL="88900">
                     <a:solidFill>
                       <a:srgbClr val="6D9EEB"/>
                     </a:solidFill>
@@ -9500,12 +8108,12 @@
                       </a:pPr>
                       <a:r>
                         <a:rPr b="1" lang="en"/>
-                        <a:t>0.73</a:t>
+                        <a:t>Accuracy score</a:t>
                       </a:r>
                       <a:endParaRPr b="1"/>
                     </a:p>
                   </a:txBody>
-                  <a:tcPr marT="91425" marB="91425" marR="91425" marL="91425">
+                  <a:tcPr marT="88900" marB="88900" marR="88900" marL="88900">
                     <a:solidFill>
                       <a:srgbClr val="6D9EEB"/>
                     </a:solidFill>
@@ -9529,19 +8137,19 @@
                       </a:pPr>
                       <a:r>
                         <a:rPr b="1" lang="en"/>
-                        <a:t>0.87</a:t>
+                        <a:t>AUC</a:t>
                       </a:r>
                       <a:endParaRPr b="1"/>
                     </a:p>
                   </a:txBody>
-                  <a:tcPr marT="91425" marB="91425" marR="91425" marL="91425">
+                  <a:tcPr marT="88900" marB="88900" marR="88900" marL="88900">
                     <a:solidFill>
                       <a:srgbClr val="6D9EEB"/>
                     </a:solidFill>
                   </a:tcPr>
                 </a:tc>
               </a:tr>
-              <a:tr h="816700">
+              <a:tr h="388200">
                 <a:tc>
                   <a:txBody>
                     <a:bodyPr>
@@ -9560,12 +8168,12 @@
                       </a:pPr>
                       <a:r>
                         <a:rPr b="1" lang="en"/>
-                        <a:t>SVC with Standard Scaler</a:t>
+                        <a:t>Logistic Regression</a:t>
                       </a:r>
                       <a:endParaRPr b="1"/>
                     </a:p>
                   </a:txBody>
-                  <a:tcPr marT="91425" marB="91425" marR="91425" marL="91425">
+                  <a:tcPr marT="88900" marB="88900" marR="88900" marL="88900">
                     <a:solidFill>
                       <a:srgbClr val="A4C2F4"/>
                     </a:solidFill>
@@ -9589,12 +8197,12 @@
                       </a:pPr>
                       <a:r>
                         <a:rPr b="1" lang="en"/>
-                        <a:t>0.86</a:t>
+                        <a:t>0.09</a:t>
                       </a:r>
                       <a:endParaRPr b="1"/>
                     </a:p>
                   </a:txBody>
-                  <a:tcPr marT="91425" marB="91425" marR="91425" marL="91425">
+                  <a:tcPr marT="88900" marB="88900" marR="88900" marL="88900">
                     <a:solidFill>
                       <a:srgbClr val="C9DAF8"/>
                     </a:solidFill>
@@ -9618,12 +8226,12 @@
                       </a:pPr>
                       <a:r>
                         <a:rPr b="1" lang="en"/>
-                        <a:t>0.79</a:t>
+                        <a:t>0.30</a:t>
                       </a:r>
                       <a:endParaRPr b="1"/>
                     </a:p>
                   </a:txBody>
-                  <a:tcPr marT="91425" marB="91425" marR="91425" marL="91425">
+                  <a:tcPr marT="88900" marB="88900" marR="88900" marL="88900">
                     <a:solidFill>
                       <a:srgbClr val="C9DAF8"/>
                     </a:solidFill>
@@ -9647,12 +8255,12 @@
                       </a:pPr>
                       <a:r>
                         <a:rPr b="1" lang="en"/>
-                        <a:t>0.83</a:t>
+                        <a:t>0.14</a:t>
                       </a:r>
                       <a:endParaRPr b="1"/>
                     </a:p>
                   </a:txBody>
-                  <a:tcPr marT="91425" marB="91425" marR="91425" marL="91425">
+                  <a:tcPr marT="88900" marB="88900" marR="88900" marL="88900">
                     <a:solidFill>
                       <a:srgbClr val="C9DAF8"/>
                     </a:solidFill>
@@ -9676,12 +8284,12 @@
                       </a:pPr>
                       <a:r>
                         <a:rPr b="1" lang="en"/>
-                        <a:t>0.9</a:t>
+                        <a:t>0.30</a:t>
                       </a:r>
                       <a:endParaRPr b="1"/>
                     </a:p>
                   </a:txBody>
-                  <a:tcPr marT="91425" marB="91425" marR="91425" marL="91425">
+                  <a:tcPr marT="88900" marB="88900" marR="88900" marL="88900">
                     <a:solidFill>
                       <a:srgbClr val="C9DAF8"/>
                     </a:solidFill>
@@ -9705,12 +8313,1420 @@
                       </a:pPr>
                       <a:r>
                         <a:rPr b="1" lang="en"/>
-                        <a:t>0.87</a:t>
+                        <a:t>0.8973</a:t>
                       </a:r>
                       <a:endParaRPr b="1"/>
                     </a:p>
                   </a:txBody>
-                  <a:tcPr marT="91425" marB="91425" marR="91425" marL="91425">
+                  <a:tcPr marT="88900" marB="88900" marR="88900" marL="88900">
+                    <a:solidFill>
+                      <a:srgbClr val="C9DAF8"/>
+                    </a:solidFill>
+                  </a:tcPr>
+                </a:tc>
+              </a:tr>
+              <a:tr h="582275">
+                <a:tc>
+                  <a:txBody>
+                    <a:bodyPr>
+                      <a:noAutofit/>
+                    </a:bodyPr>
+                    <a:lstStyle/>
+                    <a:p>
+                      <a:pPr indent="0" lvl="0" marL="0" rtl="0">
+                        <a:spcBef>
+                          <a:spcPts val="0"/>
+                        </a:spcBef>
+                        <a:spcAft>
+                          <a:spcPts val="0"/>
+                        </a:spcAft>
+                        <a:buNone/>
+                      </a:pPr>
+                      <a:r>
+                        <a:rPr b="1" lang="en"/>
+                        <a:t>Logistic Regression with GridSearchCV</a:t>
+                      </a:r>
+                      <a:endParaRPr b="1"/>
+                    </a:p>
+                  </a:txBody>
+                  <a:tcPr marT="88900" marB="88900" marR="88900" marL="88900">
+                    <a:solidFill>
+                      <a:srgbClr val="A4C2F4"/>
+                    </a:solidFill>
+                  </a:tcPr>
+                </a:tc>
+                <a:tc>
+                  <a:txBody>
+                    <a:bodyPr>
+                      <a:noAutofit/>
+                    </a:bodyPr>
+                    <a:lstStyle/>
+                    <a:p>
+                      <a:pPr indent="0" lvl="0" marL="0" rtl="0">
+                        <a:spcBef>
+                          <a:spcPts val="0"/>
+                        </a:spcBef>
+                        <a:spcAft>
+                          <a:spcPts val="0"/>
+                        </a:spcAft>
+                        <a:buNone/>
+                      </a:pPr>
+                      <a:r>
+                        <a:rPr b="1" lang="en"/>
+                        <a:t>0.09</a:t>
+                      </a:r>
+                      <a:endParaRPr b="1"/>
+                    </a:p>
+                  </a:txBody>
+                  <a:tcPr marT="88900" marB="88900" marR="88900" marL="88900">
+                    <a:solidFill>
+                      <a:srgbClr val="6D9EEB"/>
+                    </a:solidFill>
+                  </a:tcPr>
+                </a:tc>
+                <a:tc>
+                  <a:txBody>
+                    <a:bodyPr>
+                      <a:noAutofit/>
+                    </a:bodyPr>
+                    <a:lstStyle/>
+                    <a:p>
+                      <a:pPr indent="0" lvl="0" marL="0" rtl="0">
+                        <a:spcBef>
+                          <a:spcPts val="0"/>
+                        </a:spcBef>
+                        <a:spcAft>
+                          <a:spcPts val="0"/>
+                        </a:spcAft>
+                        <a:buNone/>
+                      </a:pPr>
+                      <a:r>
+                        <a:rPr b="1" lang="en"/>
+                        <a:t>0.30</a:t>
+                      </a:r>
+                      <a:endParaRPr b="1"/>
+                    </a:p>
+                  </a:txBody>
+                  <a:tcPr marT="88900" marB="88900" marR="88900" marL="88900">
+                    <a:solidFill>
+                      <a:srgbClr val="6D9EEB"/>
+                    </a:solidFill>
+                  </a:tcPr>
+                </a:tc>
+                <a:tc>
+                  <a:txBody>
+                    <a:bodyPr>
+                      <a:noAutofit/>
+                    </a:bodyPr>
+                    <a:lstStyle/>
+                    <a:p>
+                      <a:pPr indent="0" lvl="0" marL="0" rtl="0">
+                        <a:spcBef>
+                          <a:spcPts val="0"/>
+                        </a:spcBef>
+                        <a:spcAft>
+                          <a:spcPts val="0"/>
+                        </a:spcAft>
+                        <a:buNone/>
+                      </a:pPr>
+                      <a:r>
+                        <a:rPr b="1" lang="en"/>
+                        <a:t>0.14</a:t>
+                      </a:r>
+                      <a:endParaRPr b="1"/>
+                    </a:p>
+                  </a:txBody>
+                  <a:tcPr marT="88900" marB="88900" marR="88900" marL="88900">
+                    <a:solidFill>
+                      <a:srgbClr val="6D9EEB"/>
+                    </a:solidFill>
+                  </a:tcPr>
+                </a:tc>
+                <a:tc>
+                  <a:txBody>
+                    <a:bodyPr>
+                      <a:noAutofit/>
+                    </a:bodyPr>
+                    <a:lstStyle/>
+                    <a:p>
+                      <a:pPr indent="0" lvl="0" marL="0" rtl="0">
+                        <a:spcBef>
+                          <a:spcPts val="0"/>
+                        </a:spcBef>
+                        <a:spcAft>
+                          <a:spcPts val="0"/>
+                        </a:spcAft>
+                        <a:buNone/>
+                      </a:pPr>
+                      <a:r>
+                        <a:rPr b="1" lang="en"/>
+                        <a:t>0.70</a:t>
+                      </a:r>
+                      <a:endParaRPr b="1"/>
+                    </a:p>
+                  </a:txBody>
+                  <a:tcPr marT="88900" marB="88900" marR="88900" marL="88900">
+                    <a:solidFill>
+                      <a:srgbClr val="6D9EEB"/>
+                    </a:solidFill>
+                  </a:tcPr>
+                </a:tc>
+                <a:tc>
+                  <a:txBody>
+                    <a:bodyPr>
+                      <a:noAutofit/>
+                    </a:bodyPr>
+                    <a:lstStyle/>
+                    <a:p>
+                      <a:pPr indent="0" lvl="0" marL="0" rtl="0">
+                        <a:spcBef>
+                          <a:spcPts val="0"/>
+                        </a:spcBef>
+                        <a:spcAft>
+                          <a:spcPts val="0"/>
+                        </a:spcAft>
+                        <a:buNone/>
+                      </a:pPr>
+                      <a:r>
+                        <a:rPr b="1" lang="en"/>
+                        <a:t>0.8973</a:t>
+                      </a:r>
+                      <a:endParaRPr b="1"/>
+                    </a:p>
+                  </a:txBody>
+                  <a:tcPr marT="88900" marB="88900" marR="88900" marL="88900">
+                    <a:solidFill>
+                      <a:srgbClr val="6D9EEB"/>
+                    </a:solidFill>
+                  </a:tcPr>
+                </a:tc>
+              </a:tr>
+              <a:tr h="574200">
+                <a:tc>
+                  <a:txBody>
+                    <a:bodyPr>
+                      <a:noAutofit/>
+                    </a:bodyPr>
+                    <a:lstStyle/>
+                    <a:p>
+                      <a:pPr indent="0" lvl="0" marL="0" rtl="0">
+                        <a:spcBef>
+                          <a:spcPts val="0"/>
+                        </a:spcBef>
+                        <a:spcAft>
+                          <a:spcPts val="0"/>
+                        </a:spcAft>
+                        <a:buNone/>
+                      </a:pPr>
+                      <a:r>
+                        <a:rPr b="1" lang="en"/>
+                        <a:t>Logreg with GSCV and params</a:t>
+                      </a:r>
+                      <a:endParaRPr b="1"/>
+                    </a:p>
+                  </a:txBody>
+                  <a:tcPr marT="88900" marB="88900" marR="88900" marL="88900">
+                    <a:solidFill>
+                      <a:srgbClr val="A4C2F4"/>
+                    </a:solidFill>
+                  </a:tcPr>
+                </a:tc>
+                <a:tc>
+                  <a:txBody>
+                    <a:bodyPr>
+                      <a:noAutofit/>
+                    </a:bodyPr>
+                    <a:lstStyle/>
+                    <a:p>
+                      <a:pPr indent="0" lvl="0" marL="0" rtl="0">
+                        <a:spcBef>
+                          <a:spcPts val="0"/>
+                        </a:spcBef>
+                        <a:spcAft>
+                          <a:spcPts val="0"/>
+                        </a:spcAft>
+                        <a:buNone/>
+                      </a:pPr>
+                      <a:r>
+                        <a:rPr b="1" lang="en"/>
+                        <a:t>0.09</a:t>
+                      </a:r>
+                      <a:endParaRPr b="1"/>
+                    </a:p>
+                  </a:txBody>
+                  <a:tcPr marT="88900" marB="88900" marR="88900" marL="88900">
+                    <a:solidFill>
+                      <a:srgbClr val="C9DAF8"/>
+                    </a:solidFill>
+                  </a:tcPr>
+                </a:tc>
+                <a:tc>
+                  <a:txBody>
+                    <a:bodyPr>
+                      <a:noAutofit/>
+                    </a:bodyPr>
+                    <a:lstStyle/>
+                    <a:p>
+                      <a:pPr indent="0" lvl="0" marL="0" rtl="0">
+                        <a:spcBef>
+                          <a:spcPts val="0"/>
+                        </a:spcBef>
+                        <a:spcAft>
+                          <a:spcPts val="0"/>
+                        </a:spcAft>
+                        <a:buNone/>
+                      </a:pPr>
+                      <a:r>
+                        <a:rPr b="1" lang="en"/>
+                        <a:t>0.30</a:t>
+                      </a:r>
+                      <a:endParaRPr b="1"/>
+                    </a:p>
+                  </a:txBody>
+                  <a:tcPr marT="88900" marB="88900" marR="88900" marL="88900">
+                    <a:solidFill>
+                      <a:srgbClr val="C9DAF8"/>
+                    </a:solidFill>
+                  </a:tcPr>
+                </a:tc>
+                <a:tc>
+                  <a:txBody>
+                    <a:bodyPr>
+                      <a:noAutofit/>
+                    </a:bodyPr>
+                    <a:lstStyle/>
+                    <a:p>
+                      <a:pPr indent="0" lvl="0" marL="0" rtl="0">
+                        <a:spcBef>
+                          <a:spcPts val="0"/>
+                        </a:spcBef>
+                        <a:spcAft>
+                          <a:spcPts val="0"/>
+                        </a:spcAft>
+                        <a:buNone/>
+                      </a:pPr>
+                      <a:r>
+                        <a:rPr b="1" lang="en"/>
+                        <a:t>0.14</a:t>
+                      </a:r>
+                      <a:endParaRPr b="1"/>
+                    </a:p>
+                  </a:txBody>
+                  <a:tcPr marT="88900" marB="88900" marR="88900" marL="88900">
+                    <a:solidFill>
+                      <a:srgbClr val="C9DAF8"/>
+                    </a:solidFill>
+                  </a:tcPr>
+                </a:tc>
+                <a:tc>
+                  <a:txBody>
+                    <a:bodyPr>
+                      <a:noAutofit/>
+                    </a:bodyPr>
+                    <a:lstStyle/>
+                    <a:p>
+                      <a:pPr indent="0" lvl="0" marL="0" rtl="0">
+                        <a:spcBef>
+                          <a:spcPts val="0"/>
+                        </a:spcBef>
+                        <a:spcAft>
+                          <a:spcPts val="0"/>
+                        </a:spcAft>
+                        <a:buNone/>
+                      </a:pPr>
+                      <a:r>
+                        <a:rPr b="1" lang="en"/>
+                        <a:t>0.84</a:t>
+                      </a:r>
+                      <a:endParaRPr b="1"/>
+                    </a:p>
+                  </a:txBody>
+                  <a:tcPr marT="88900" marB="88900" marR="88900" marL="88900">
+                    <a:solidFill>
+                      <a:srgbClr val="C9DAF8"/>
+                    </a:solidFill>
+                  </a:tcPr>
+                </a:tc>
+                <a:tc>
+                  <a:txBody>
+                    <a:bodyPr>
+                      <a:noAutofit/>
+                    </a:bodyPr>
+                    <a:lstStyle/>
+                    <a:p>
+                      <a:pPr indent="0" lvl="0" marL="0" rtl="0">
+                        <a:spcBef>
+                          <a:spcPts val="0"/>
+                        </a:spcBef>
+                        <a:spcAft>
+                          <a:spcPts val="0"/>
+                        </a:spcAft>
+                        <a:buNone/>
+                      </a:pPr>
+                      <a:r>
+                        <a:rPr b="1" lang="en"/>
+                        <a:t>0.952</a:t>
+                      </a:r>
+                      <a:endParaRPr b="1"/>
+                    </a:p>
+                  </a:txBody>
+                  <a:tcPr marT="88900" marB="88900" marR="88900" marL="88900">
+                    <a:solidFill>
+                      <a:srgbClr val="C9DAF8"/>
+                    </a:solidFill>
+                  </a:tcPr>
+                </a:tc>
+              </a:tr>
+              <a:tr h="363925">
+                <a:tc>
+                  <a:txBody>
+                    <a:bodyPr>
+                      <a:noAutofit/>
+                    </a:bodyPr>
+                    <a:lstStyle/>
+                    <a:p>
+                      <a:pPr indent="0" lvl="0" marL="0" rtl="0">
+                        <a:spcBef>
+                          <a:spcPts val="0"/>
+                        </a:spcBef>
+                        <a:spcAft>
+                          <a:spcPts val="0"/>
+                        </a:spcAft>
+                        <a:buNone/>
+                      </a:pPr>
+                      <a:r>
+                        <a:rPr b="1" lang="en"/>
+                        <a:t>Elastic Net</a:t>
+                      </a:r>
+                      <a:endParaRPr b="1"/>
+                    </a:p>
+                  </a:txBody>
+                  <a:tcPr marT="88900" marB="88900" marR="88900" marL="88900">
+                    <a:solidFill>
+                      <a:srgbClr val="A4C2F4"/>
+                    </a:solidFill>
+                  </a:tcPr>
+                </a:tc>
+                <a:tc>
+                  <a:txBody>
+                    <a:bodyPr>
+                      <a:noAutofit/>
+                    </a:bodyPr>
+                    <a:lstStyle/>
+                    <a:p>
+                      <a:pPr indent="0" lvl="0" marL="0" rtl="0">
+                        <a:spcBef>
+                          <a:spcPts val="0"/>
+                        </a:spcBef>
+                        <a:spcAft>
+                          <a:spcPts val="0"/>
+                        </a:spcAft>
+                        <a:buNone/>
+                      </a:pPr>
+                      <a:r>
+                        <a:rPr b="1" lang="en"/>
+                        <a:t>0.09</a:t>
+                      </a:r>
+                      <a:endParaRPr b="1"/>
+                    </a:p>
+                  </a:txBody>
+                  <a:tcPr marT="88900" marB="88900" marR="88900" marL="88900">
+                    <a:solidFill>
+                      <a:srgbClr val="6D9EEB"/>
+                    </a:solidFill>
+                  </a:tcPr>
+                </a:tc>
+                <a:tc>
+                  <a:txBody>
+                    <a:bodyPr>
+                      <a:noAutofit/>
+                    </a:bodyPr>
+                    <a:lstStyle/>
+                    <a:p>
+                      <a:pPr indent="0" lvl="0" marL="0" rtl="0">
+                        <a:spcBef>
+                          <a:spcPts val="0"/>
+                        </a:spcBef>
+                        <a:spcAft>
+                          <a:spcPts val="0"/>
+                        </a:spcAft>
+                        <a:buNone/>
+                      </a:pPr>
+                      <a:r>
+                        <a:rPr b="1" lang="en"/>
+                        <a:t>0.30</a:t>
+                      </a:r>
+                      <a:endParaRPr b="1"/>
+                    </a:p>
+                  </a:txBody>
+                  <a:tcPr marT="88900" marB="88900" marR="88900" marL="88900">
+                    <a:solidFill>
+                      <a:srgbClr val="6D9EEB"/>
+                    </a:solidFill>
+                  </a:tcPr>
+                </a:tc>
+                <a:tc>
+                  <a:txBody>
+                    <a:bodyPr>
+                      <a:noAutofit/>
+                    </a:bodyPr>
+                    <a:lstStyle/>
+                    <a:p>
+                      <a:pPr indent="0" lvl="0" marL="0" rtl="0">
+                        <a:spcBef>
+                          <a:spcPts val="0"/>
+                        </a:spcBef>
+                        <a:spcAft>
+                          <a:spcPts val="0"/>
+                        </a:spcAft>
+                        <a:buNone/>
+                      </a:pPr>
+                      <a:r>
+                        <a:rPr b="1" lang="en"/>
+                        <a:t>0.14</a:t>
+                      </a:r>
+                      <a:endParaRPr b="1"/>
+                    </a:p>
+                  </a:txBody>
+                  <a:tcPr marT="88900" marB="88900" marR="88900" marL="88900">
+                    <a:solidFill>
+                      <a:srgbClr val="6D9EEB"/>
+                    </a:solidFill>
+                  </a:tcPr>
+                </a:tc>
+                <a:tc>
+                  <a:txBody>
+                    <a:bodyPr>
+                      <a:noAutofit/>
+                    </a:bodyPr>
+                    <a:lstStyle/>
+                    <a:p>
+                      <a:pPr indent="0" lvl="0" marL="0" rtl="0">
+                        <a:spcBef>
+                          <a:spcPts val="0"/>
+                        </a:spcBef>
+                        <a:spcAft>
+                          <a:spcPts val="0"/>
+                        </a:spcAft>
+                        <a:buNone/>
+                      </a:pPr>
+                      <a:r>
+                        <a:rPr b="1" lang="en"/>
+                        <a:t>0.84</a:t>
+                      </a:r>
+                      <a:endParaRPr b="1"/>
+                    </a:p>
+                  </a:txBody>
+                  <a:tcPr marT="88900" marB="88900" marR="88900" marL="88900">
+                    <a:solidFill>
+                      <a:srgbClr val="6D9EEB"/>
+                    </a:solidFill>
+                  </a:tcPr>
+                </a:tc>
+                <a:tc>
+                  <a:txBody>
+                    <a:bodyPr>
+                      <a:noAutofit/>
+                    </a:bodyPr>
+                    <a:lstStyle/>
+                    <a:p>
+                      <a:pPr indent="0" lvl="0" marL="0" rtl="0">
+                        <a:spcBef>
+                          <a:spcPts val="0"/>
+                        </a:spcBef>
+                        <a:spcAft>
+                          <a:spcPts val="0"/>
+                        </a:spcAft>
+                        <a:buNone/>
+                      </a:pPr>
+                      <a:r>
+                        <a:rPr b="1" lang="en"/>
+                        <a:t>0.952</a:t>
+                      </a:r>
+                      <a:endParaRPr b="1"/>
+                    </a:p>
+                  </a:txBody>
+                  <a:tcPr marT="88900" marB="88900" marR="88900" marL="88900">
+                    <a:solidFill>
+                      <a:srgbClr val="6D9EEB"/>
+                    </a:solidFill>
+                  </a:tcPr>
+                </a:tc>
+              </a:tr>
+              <a:tr h="571500">
+                <a:tc>
+                  <a:txBody>
+                    <a:bodyPr>
+                      <a:noAutofit/>
+                    </a:bodyPr>
+                    <a:lstStyle/>
+                    <a:p>
+                      <a:pPr indent="0" lvl="0" marL="0" rtl="0">
+                        <a:spcBef>
+                          <a:spcPts val="0"/>
+                        </a:spcBef>
+                        <a:spcAft>
+                          <a:spcPts val="0"/>
+                        </a:spcAft>
+                        <a:buNone/>
+                      </a:pPr>
+                      <a:r>
+                        <a:rPr b="1" lang="en"/>
+                        <a:t>K-Nearest Neighbors (n=5)</a:t>
+                      </a:r>
+                      <a:endParaRPr b="1"/>
+                    </a:p>
+                  </a:txBody>
+                  <a:tcPr marT="88900" marB="88900" marR="88900" marL="88900">
+                    <a:solidFill>
+                      <a:srgbClr val="A4C2F4"/>
+                    </a:solidFill>
+                  </a:tcPr>
+                </a:tc>
+                <a:tc>
+                  <a:txBody>
+                    <a:bodyPr>
+                      <a:noAutofit/>
+                    </a:bodyPr>
+                    <a:lstStyle/>
+                    <a:p>
+                      <a:pPr indent="0" lvl="0" marL="0" rtl="0">
+                        <a:spcBef>
+                          <a:spcPts val="0"/>
+                        </a:spcBef>
+                        <a:spcAft>
+                          <a:spcPts val="0"/>
+                        </a:spcAft>
+                        <a:buNone/>
+                      </a:pPr>
+                      <a:r>
+                        <a:rPr b="1" lang="en"/>
+                        <a:t>0.86</a:t>
+                      </a:r>
+                      <a:endParaRPr b="1"/>
+                    </a:p>
+                  </a:txBody>
+                  <a:tcPr marT="88900" marB="88900" marR="88900" marL="88900">
+                    <a:solidFill>
+                      <a:srgbClr val="C9DAF8"/>
+                    </a:solidFill>
+                  </a:tcPr>
+                </a:tc>
+                <a:tc>
+                  <a:txBody>
+                    <a:bodyPr>
+                      <a:noAutofit/>
+                    </a:bodyPr>
+                    <a:lstStyle/>
+                    <a:p>
+                      <a:pPr indent="0" lvl="0" marL="0" rtl="0">
+                        <a:spcBef>
+                          <a:spcPts val="0"/>
+                        </a:spcBef>
+                        <a:spcAft>
+                          <a:spcPts val="0"/>
+                        </a:spcAft>
+                        <a:buNone/>
+                      </a:pPr>
+                      <a:r>
+                        <a:rPr b="1" lang="en"/>
+                        <a:t>0.86</a:t>
+                      </a:r>
+                      <a:endParaRPr b="1"/>
+                    </a:p>
+                  </a:txBody>
+                  <a:tcPr marT="88900" marB="88900" marR="88900" marL="88900">
+                    <a:solidFill>
+                      <a:srgbClr val="C9DAF8"/>
+                    </a:solidFill>
+                  </a:tcPr>
+                </a:tc>
+                <a:tc>
+                  <a:txBody>
+                    <a:bodyPr>
+                      <a:noAutofit/>
+                    </a:bodyPr>
+                    <a:lstStyle/>
+                    <a:p>
+                      <a:pPr indent="0" lvl="0" marL="0" rtl="0">
+                        <a:spcBef>
+                          <a:spcPts val="0"/>
+                        </a:spcBef>
+                        <a:spcAft>
+                          <a:spcPts val="0"/>
+                        </a:spcAft>
+                        <a:buNone/>
+                      </a:pPr>
+                      <a:r>
+                        <a:rPr b="1" lang="en"/>
+                        <a:t>0.86</a:t>
+                      </a:r>
+                      <a:endParaRPr b="1"/>
+                    </a:p>
+                  </a:txBody>
+                  <a:tcPr marT="88900" marB="88900" marR="88900" marL="88900">
+                    <a:solidFill>
+                      <a:srgbClr val="C9DAF8"/>
+                    </a:solidFill>
+                  </a:tcPr>
+                </a:tc>
+                <a:tc>
+                  <a:txBody>
+                    <a:bodyPr>
+                      <a:noAutofit/>
+                    </a:bodyPr>
+                    <a:lstStyle/>
+                    <a:p>
+                      <a:pPr indent="0" lvl="0" marL="0" rtl="0">
+                        <a:spcBef>
+                          <a:spcPts val="0"/>
+                        </a:spcBef>
+                        <a:spcAft>
+                          <a:spcPts val="0"/>
+                        </a:spcAft>
+                        <a:buNone/>
+                      </a:pPr>
+                      <a:r>
+                        <a:rPr b="1" lang="en"/>
+                        <a:t>0.86</a:t>
+                      </a:r>
+                      <a:endParaRPr b="1"/>
+                    </a:p>
+                  </a:txBody>
+                  <a:tcPr marT="88900" marB="88900" marR="88900" marL="88900">
+                    <a:solidFill>
+                      <a:srgbClr val="C9DAF8"/>
+                    </a:solidFill>
+                  </a:tcPr>
+                </a:tc>
+                <a:tc>
+                  <a:txBody>
+                    <a:bodyPr>
+                      <a:noAutofit/>
+                    </a:bodyPr>
+                    <a:lstStyle/>
+                    <a:p>
+                      <a:pPr indent="0" lvl="0" marL="0" rtl="0">
+                        <a:spcBef>
+                          <a:spcPts val="0"/>
+                        </a:spcBef>
+                        <a:spcAft>
+                          <a:spcPts val="0"/>
+                        </a:spcAft>
+                        <a:buNone/>
+                      </a:pPr>
+                      <a:r>
+                        <a:rPr b="1" lang="en"/>
+                        <a:t>0.905</a:t>
+                      </a:r>
+                      <a:endParaRPr b="1"/>
+                    </a:p>
+                  </a:txBody>
+                  <a:tcPr marT="88900" marB="88900" marR="88900" marL="88900">
+                    <a:solidFill>
+                      <a:srgbClr val="C9DAF8"/>
+                    </a:solidFill>
+                  </a:tcPr>
+                </a:tc>
+              </a:tr>
+              <a:tr h="571500">
+                <a:tc>
+                  <a:txBody>
+                    <a:bodyPr>
+                      <a:noAutofit/>
+                    </a:bodyPr>
+                    <a:lstStyle/>
+                    <a:p>
+                      <a:pPr indent="0" lvl="0" marL="0" rtl="0">
+                        <a:spcBef>
+                          <a:spcPts val="0"/>
+                        </a:spcBef>
+                        <a:spcAft>
+                          <a:spcPts val="0"/>
+                        </a:spcAft>
+                        <a:buNone/>
+                      </a:pPr>
+                      <a:r>
+                        <a:rPr b="1" lang="en"/>
+                        <a:t>K-Nearest Neighbors (n=8)</a:t>
+                      </a:r>
+                      <a:endParaRPr b="1"/>
+                    </a:p>
+                  </a:txBody>
+                  <a:tcPr marT="88900" marB="88900" marR="88900" marL="88900">
+                    <a:solidFill>
+                      <a:srgbClr val="A4C2F4"/>
+                    </a:solidFill>
+                  </a:tcPr>
+                </a:tc>
+                <a:tc>
+                  <a:txBody>
+                    <a:bodyPr>
+                      <a:noAutofit/>
+                    </a:bodyPr>
+                    <a:lstStyle/>
+                    <a:p>
+                      <a:pPr indent="0" lvl="0" marL="0" rtl="0">
+                        <a:spcBef>
+                          <a:spcPts val="0"/>
+                        </a:spcBef>
+                        <a:spcAft>
+                          <a:spcPts val="0"/>
+                        </a:spcAft>
+                        <a:buNone/>
+                      </a:pPr>
+                      <a:r>
+                        <a:rPr b="1" lang="en"/>
+                        <a:t>0.84</a:t>
+                      </a:r>
+                      <a:endParaRPr b="1"/>
+                    </a:p>
+                  </a:txBody>
+                  <a:tcPr marT="88900" marB="88900" marR="88900" marL="88900">
+                    <a:solidFill>
+                      <a:srgbClr val="6D9EEB"/>
+                    </a:solidFill>
+                  </a:tcPr>
+                </a:tc>
+                <a:tc>
+                  <a:txBody>
+                    <a:bodyPr>
+                      <a:noAutofit/>
+                    </a:bodyPr>
+                    <a:lstStyle/>
+                    <a:p>
+                      <a:pPr indent="0" lvl="0" marL="0" rtl="0">
+                        <a:spcBef>
+                          <a:spcPts val="0"/>
+                        </a:spcBef>
+                        <a:spcAft>
+                          <a:spcPts val="0"/>
+                        </a:spcAft>
+                        <a:buNone/>
+                      </a:pPr>
+                      <a:r>
+                        <a:rPr b="1" lang="en"/>
+                        <a:t>0.84</a:t>
+                      </a:r>
+                      <a:endParaRPr b="1"/>
+                    </a:p>
+                  </a:txBody>
+                  <a:tcPr marT="88900" marB="88900" marR="88900" marL="88900">
+                    <a:solidFill>
+                      <a:srgbClr val="6D9EEB"/>
+                    </a:solidFill>
+                  </a:tcPr>
+                </a:tc>
+                <a:tc>
+                  <a:txBody>
+                    <a:bodyPr>
+                      <a:noAutofit/>
+                    </a:bodyPr>
+                    <a:lstStyle/>
+                    <a:p>
+                      <a:pPr indent="0" lvl="0" marL="0" rtl="0">
+                        <a:spcBef>
+                          <a:spcPts val="0"/>
+                        </a:spcBef>
+                        <a:spcAft>
+                          <a:spcPts val="0"/>
+                        </a:spcAft>
+                        <a:buNone/>
+                      </a:pPr>
+                      <a:r>
+                        <a:rPr b="1" lang="en"/>
+                        <a:t>0.83</a:t>
+                      </a:r>
+                      <a:endParaRPr b="1"/>
+                    </a:p>
+                  </a:txBody>
+                  <a:tcPr marT="88900" marB="88900" marR="88900" marL="88900">
+                    <a:solidFill>
+                      <a:srgbClr val="6D9EEB"/>
+                    </a:solidFill>
+                  </a:tcPr>
+                </a:tc>
+                <a:tc>
+                  <a:txBody>
+                    <a:bodyPr>
+                      <a:noAutofit/>
+                    </a:bodyPr>
+                    <a:lstStyle/>
+                    <a:p>
+                      <a:pPr indent="0" lvl="0" marL="0" rtl="0">
+                        <a:spcBef>
+                          <a:spcPts val="0"/>
+                        </a:spcBef>
+                        <a:spcAft>
+                          <a:spcPts val="0"/>
+                        </a:spcAft>
+                        <a:buNone/>
+                      </a:pPr>
+                      <a:r>
+                        <a:rPr b="1" lang="en"/>
+                        <a:t>0.84</a:t>
+                      </a:r>
+                      <a:endParaRPr b="1"/>
+                    </a:p>
+                  </a:txBody>
+                  <a:tcPr marT="88900" marB="88900" marR="88900" marL="88900">
+                    <a:solidFill>
+                      <a:srgbClr val="6D9EEB"/>
+                    </a:solidFill>
+                  </a:tcPr>
+                </a:tc>
+                <a:tc>
+                  <a:txBody>
+                    <a:bodyPr>
+                      <a:noAutofit/>
+                    </a:bodyPr>
+                    <a:lstStyle/>
+                    <a:p>
+                      <a:pPr indent="0" lvl="0" marL="0" rtl="0">
+                        <a:spcBef>
+                          <a:spcPts val="0"/>
+                        </a:spcBef>
+                        <a:spcAft>
+                          <a:spcPts val="0"/>
+                        </a:spcAft>
+                        <a:buNone/>
+                      </a:pPr>
+                      <a:r>
+                        <a:rPr b="1" lang="en"/>
+                        <a:t>0.906</a:t>
+                      </a:r>
+                      <a:endParaRPr b="1"/>
+                    </a:p>
+                  </a:txBody>
+                  <a:tcPr marT="88900" marB="88900" marR="88900" marL="88900">
+                    <a:solidFill>
+                      <a:srgbClr val="6D9EEB"/>
+                    </a:solidFill>
+                  </a:tcPr>
+                </a:tc>
+              </a:tr>
+              <a:tr h="571500">
+                <a:tc>
+                  <a:txBody>
+                    <a:bodyPr>
+                      <a:noAutofit/>
+                    </a:bodyPr>
+                    <a:lstStyle/>
+                    <a:p>
+                      <a:pPr indent="0" lvl="0" marL="0" rtl="0">
+                        <a:spcBef>
+                          <a:spcPts val="0"/>
+                        </a:spcBef>
+                        <a:spcAft>
+                          <a:spcPts val="0"/>
+                        </a:spcAft>
+                        <a:buNone/>
+                      </a:pPr>
+                      <a:r>
+                        <a:rPr b="1" lang="en"/>
+                        <a:t>KNN with Standard Scaler</a:t>
+                      </a:r>
+                      <a:endParaRPr b="1"/>
+                    </a:p>
+                  </a:txBody>
+                  <a:tcPr marT="88900" marB="88900" marR="88900" marL="88900">
+                    <a:solidFill>
+                      <a:srgbClr val="A4C2F4"/>
+                    </a:solidFill>
+                  </a:tcPr>
+                </a:tc>
+                <a:tc>
+                  <a:txBody>
+                    <a:bodyPr>
+                      <a:noAutofit/>
+                    </a:bodyPr>
+                    <a:lstStyle/>
+                    <a:p>
+                      <a:pPr indent="0" lvl="0" marL="0" rtl="0">
+                        <a:spcBef>
+                          <a:spcPts val="0"/>
+                        </a:spcBef>
+                        <a:spcAft>
+                          <a:spcPts val="0"/>
+                        </a:spcAft>
+                        <a:buNone/>
+                      </a:pPr>
+                      <a:r>
+                        <a:rPr b="1" lang="en"/>
+                        <a:t>0.62</a:t>
+                      </a:r>
+                      <a:endParaRPr b="1"/>
+                    </a:p>
+                  </a:txBody>
+                  <a:tcPr marT="88900" marB="88900" marR="88900" marL="88900">
+                    <a:solidFill>
+                      <a:srgbClr val="C9DAF8"/>
+                    </a:solidFill>
+                  </a:tcPr>
+                </a:tc>
+                <a:tc>
+                  <a:txBody>
+                    <a:bodyPr>
+                      <a:noAutofit/>
+                    </a:bodyPr>
+                    <a:lstStyle/>
+                    <a:p>
+                      <a:pPr indent="0" lvl="0" marL="0" rtl="0">
+                        <a:spcBef>
+                          <a:spcPts val="0"/>
+                        </a:spcBef>
+                        <a:spcAft>
+                          <a:spcPts val="0"/>
+                        </a:spcAft>
+                        <a:buNone/>
+                      </a:pPr>
+                      <a:r>
+                        <a:rPr b="1" lang="en"/>
+                        <a:t>0.62</a:t>
+                      </a:r>
+                      <a:endParaRPr b="1"/>
+                    </a:p>
+                  </a:txBody>
+                  <a:tcPr marT="88900" marB="88900" marR="88900" marL="88900">
+                    <a:solidFill>
+                      <a:srgbClr val="C9DAF8"/>
+                    </a:solidFill>
+                  </a:tcPr>
+                </a:tc>
+                <a:tc>
+                  <a:txBody>
+                    <a:bodyPr>
+                      <a:noAutofit/>
+                    </a:bodyPr>
+                    <a:lstStyle/>
+                    <a:p>
+                      <a:pPr indent="0" lvl="0" marL="0" rtl="0">
+                        <a:spcBef>
+                          <a:spcPts val="0"/>
+                        </a:spcBef>
+                        <a:spcAft>
+                          <a:spcPts val="0"/>
+                        </a:spcAft>
+                        <a:buNone/>
+                      </a:pPr>
+                      <a:r>
+                        <a:rPr b="1" lang="en"/>
+                        <a:t>0.62</a:t>
+                      </a:r>
+                      <a:endParaRPr b="1"/>
+                    </a:p>
+                  </a:txBody>
+                  <a:tcPr marT="88900" marB="88900" marR="88900" marL="88900">
+                    <a:solidFill>
+                      <a:srgbClr val="C9DAF8"/>
+                    </a:solidFill>
+                  </a:tcPr>
+                </a:tc>
+                <a:tc>
+                  <a:txBody>
+                    <a:bodyPr>
+                      <a:noAutofit/>
+                    </a:bodyPr>
+                    <a:lstStyle/>
+                    <a:p>
+                      <a:pPr indent="0" lvl="0" marL="0" rtl="0">
+                        <a:spcBef>
+                          <a:spcPts val="0"/>
+                        </a:spcBef>
+                        <a:spcAft>
+                          <a:spcPts val="0"/>
+                        </a:spcAft>
+                        <a:buNone/>
+                      </a:pPr>
+                      <a:r>
+                        <a:rPr b="1" lang="en"/>
+                        <a:t>0.94</a:t>
+                      </a:r>
+                      <a:endParaRPr b="1"/>
+                    </a:p>
+                  </a:txBody>
+                  <a:tcPr marT="88900" marB="88900" marR="88900" marL="88900">
+                    <a:solidFill>
+                      <a:srgbClr val="C9DAF8"/>
+                    </a:solidFill>
+                  </a:tcPr>
+                </a:tc>
+                <a:tc>
+                  <a:txBody>
+                    <a:bodyPr>
+                      <a:noAutofit/>
+                    </a:bodyPr>
+                    <a:lstStyle/>
+                    <a:p>
+                      <a:pPr indent="0" lvl="0" marL="0" rtl="0">
+                        <a:spcBef>
+                          <a:spcPts val="0"/>
+                        </a:spcBef>
+                        <a:spcAft>
+                          <a:spcPts val="0"/>
+                        </a:spcAft>
+                        <a:buNone/>
+                      </a:pPr>
+                      <a:r>
+                        <a:rPr b="1" lang="en"/>
+                        <a:t>0.943</a:t>
+                      </a:r>
+                      <a:endParaRPr b="1"/>
+                    </a:p>
+                  </a:txBody>
+                  <a:tcPr marT="88900" marB="88900" marR="88900" marL="88900">
+                    <a:solidFill>
+                      <a:srgbClr val="C9DAF8"/>
+                    </a:solidFill>
+                  </a:tcPr>
+                </a:tc>
+              </a:tr>
+              <a:tr h="506800">
+                <a:tc>
+                  <a:txBody>
+                    <a:bodyPr>
+                      <a:noAutofit/>
+                    </a:bodyPr>
+                    <a:lstStyle/>
+                    <a:p>
+                      <a:pPr indent="0" lvl="0" marL="0" rtl="0">
+                        <a:spcBef>
+                          <a:spcPts val="0"/>
+                        </a:spcBef>
+                        <a:spcAft>
+                          <a:spcPts val="0"/>
+                        </a:spcAft>
+                        <a:buNone/>
+                      </a:pPr>
+                      <a:r>
+                        <a:rPr b="1" lang="en"/>
+                        <a:t>Support Vector Classifier</a:t>
+                      </a:r>
+                      <a:endParaRPr b="1"/>
+                    </a:p>
+                  </a:txBody>
+                  <a:tcPr marT="88900" marB="88900" marR="88900" marL="88900">
+                    <a:solidFill>
+                      <a:srgbClr val="A4C2F4"/>
+                    </a:solidFill>
+                  </a:tcPr>
+                </a:tc>
+                <a:tc>
+                  <a:txBody>
+                    <a:bodyPr>
+                      <a:noAutofit/>
+                    </a:bodyPr>
+                    <a:lstStyle/>
+                    <a:p>
+                      <a:pPr indent="0" lvl="0" marL="0" rtl="0">
+                        <a:spcBef>
+                          <a:spcPts val="0"/>
+                        </a:spcBef>
+                        <a:spcAft>
+                          <a:spcPts val="0"/>
+                        </a:spcAft>
+                        <a:buNone/>
+                      </a:pPr>
+                      <a:r>
+                        <a:rPr b="1" lang="en"/>
+                        <a:t>0.71</a:t>
+                      </a:r>
+                      <a:endParaRPr b="1"/>
+                    </a:p>
+                  </a:txBody>
+                  <a:tcPr marT="88900" marB="88900" marR="88900" marL="88900">
+                    <a:solidFill>
+                      <a:srgbClr val="6D9EEB"/>
+                    </a:solidFill>
+                  </a:tcPr>
+                </a:tc>
+                <a:tc>
+                  <a:txBody>
+                    <a:bodyPr>
+                      <a:noAutofit/>
+                    </a:bodyPr>
+                    <a:lstStyle/>
+                    <a:p>
+                      <a:pPr indent="0" lvl="0" marL="0" rtl="0">
+                        <a:spcBef>
+                          <a:spcPts val="0"/>
+                        </a:spcBef>
+                        <a:spcAft>
+                          <a:spcPts val="0"/>
+                        </a:spcAft>
+                        <a:buNone/>
+                      </a:pPr>
+                      <a:r>
+                        <a:rPr b="1" lang="en"/>
+                        <a:t>0.72</a:t>
+                      </a:r>
+                      <a:endParaRPr b="1"/>
+                    </a:p>
+                  </a:txBody>
+                  <a:tcPr marT="88900" marB="88900" marR="88900" marL="88900">
+                    <a:solidFill>
+                      <a:srgbClr val="6D9EEB"/>
+                    </a:solidFill>
+                  </a:tcPr>
+                </a:tc>
+                <a:tc>
+                  <a:txBody>
+                    <a:bodyPr>
+                      <a:noAutofit/>
+                    </a:bodyPr>
+                    <a:lstStyle/>
+                    <a:p>
+                      <a:pPr indent="0" lvl="0" marL="0" rtl="0">
+                        <a:spcBef>
+                          <a:spcPts val="0"/>
+                        </a:spcBef>
+                        <a:spcAft>
+                          <a:spcPts val="0"/>
+                        </a:spcAft>
+                        <a:buNone/>
+                      </a:pPr>
+                      <a:r>
+                        <a:rPr b="1" lang="en"/>
+                        <a:t>0.66</a:t>
+                      </a:r>
+                      <a:endParaRPr b="1"/>
+                    </a:p>
+                  </a:txBody>
+                  <a:tcPr marT="88900" marB="88900" marR="88900" marL="88900">
+                    <a:solidFill>
+                      <a:srgbClr val="6D9EEB"/>
+                    </a:solidFill>
+                  </a:tcPr>
+                </a:tc>
+                <a:tc>
+                  <a:txBody>
+                    <a:bodyPr>
+                      <a:noAutofit/>
+                    </a:bodyPr>
+                    <a:lstStyle/>
+                    <a:p>
+                      <a:pPr indent="0" lvl="0" marL="0" rtl="0">
+                        <a:spcBef>
+                          <a:spcPts val="0"/>
+                        </a:spcBef>
+                        <a:spcAft>
+                          <a:spcPts val="0"/>
+                        </a:spcAft>
+                        <a:buNone/>
+                      </a:pPr>
+                      <a:r>
+                        <a:rPr b="1" lang="en"/>
+                        <a:t>0.73</a:t>
+                      </a:r>
+                      <a:endParaRPr b="1"/>
+                    </a:p>
+                  </a:txBody>
+                  <a:tcPr marT="88900" marB="88900" marR="88900" marL="88900">
+                    <a:solidFill>
+                      <a:srgbClr val="6D9EEB"/>
+                    </a:solidFill>
+                  </a:tcPr>
+                </a:tc>
+                <a:tc>
+                  <a:txBody>
+                    <a:bodyPr>
+                      <a:noAutofit/>
+                    </a:bodyPr>
+                    <a:lstStyle/>
+                    <a:p>
+                      <a:pPr indent="0" lvl="0" marL="0" rtl="0">
+                        <a:spcBef>
+                          <a:spcPts val="0"/>
+                        </a:spcBef>
+                        <a:spcAft>
+                          <a:spcPts val="0"/>
+                        </a:spcAft>
+                        <a:buNone/>
+                      </a:pPr>
+                      <a:r>
+                        <a:rPr b="1" lang="en"/>
+                        <a:t>0.867</a:t>
+                      </a:r>
+                      <a:endParaRPr b="1"/>
+                    </a:p>
+                  </a:txBody>
+                  <a:tcPr marT="88900" marB="88900" marR="88900" marL="88900">
+                    <a:solidFill>
+                      <a:srgbClr val="6D9EEB"/>
+                    </a:solidFill>
+                  </a:tcPr>
+                </a:tc>
+              </a:tr>
+              <a:tr h="506800">
+                <a:tc>
+                  <a:txBody>
+                    <a:bodyPr>
+                      <a:noAutofit/>
+                    </a:bodyPr>
+                    <a:lstStyle/>
+                    <a:p>
+                      <a:pPr indent="0" lvl="0" marL="0" rtl="0">
+                        <a:spcBef>
+                          <a:spcPts val="0"/>
+                        </a:spcBef>
+                        <a:spcAft>
+                          <a:spcPts val="0"/>
+                        </a:spcAft>
+                        <a:buNone/>
+                      </a:pPr>
+                      <a:r>
+                        <a:rPr b="1" lang="en"/>
+                        <a:t>SVC with Standard Scaler</a:t>
+                      </a:r>
+                      <a:endParaRPr b="1"/>
+                    </a:p>
+                  </a:txBody>
+                  <a:tcPr marT="88900" marB="88900" marR="88900" marL="88900">
+                    <a:solidFill>
+                      <a:srgbClr val="A4C2F4"/>
+                    </a:solidFill>
+                  </a:tcPr>
+                </a:tc>
+                <a:tc>
+                  <a:txBody>
+                    <a:bodyPr>
+                      <a:noAutofit/>
+                    </a:bodyPr>
+                    <a:lstStyle/>
+                    <a:p>
+                      <a:pPr indent="0" lvl="0" marL="0" rtl="0">
+                        <a:spcBef>
+                          <a:spcPts val="0"/>
+                        </a:spcBef>
+                        <a:spcAft>
+                          <a:spcPts val="0"/>
+                        </a:spcAft>
+                        <a:buNone/>
+                      </a:pPr>
+                      <a:r>
+                        <a:rPr b="1" lang="en"/>
+                        <a:t>0.90</a:t>
+                      </a:r>
+                      <a:endParaRPr b="1"/>
+                    </a:p>
+                  </a:txBody>
+                  <a:tcPr marT="88900" marB="88900" marR="88900" marL="88900">
+                    <a:solidFill>
+                      <a:srgbClr val="C9DAF8"/>
+                    </a:solidFill>
+                  </a:tcPr>
+                </a:tc>
+                <a:tc>
+                  <a:txBody>
+                    <a:bodyPr>
+                      <a:noAutofit/>
+                    </a:bodyPr>
+                    <a:lstStyle/>
+                    <a:p>
+                      <a:pPr indent="0" lvl="0" marL="0" rtl="0">
+                        <a:spcBef>
+                          <a:spcPts val="0"/>
+                        </a:spcBef>
+                        <a:spcAft>
+                          <a:spcPts val="0"/>
+                        </a:spcAft>
+                        <a:buNone/>
+                      </a:pPr>
+                      <a:r>
+                        <a:rPr b="1" lang="en"/>
+                        <a:t>0.90</a:t>
+                      </a:r>
+                      <a:endParaRPr b="1"/>
+                    </a:p>
+                  </a:txBody>
+                  <a:tcPr marT="88900" marB="88900" marR="88900" marL="88900">
+                    <a:solidFill>
+                      <a:srgbClr val="C9DAF8"/>
+                    </a:solidFill>
+                  </a:tcPr>
+                </a:tc>
+                <a:tc>
+                  <a:txBody>
+                    <a:bodyPr>
+                      <a:noAutofit/>
+                    </a:bodyPr>
+                    <a:lstStyle/>
+                    <a:p>
+                      <a:pPr indent="0" lvl="0" marL="0" rtl="0">
+                        <a:spcBef>
+                          <a:spcPts val="0"/>
+                        </a:spcBef>
+                        <a:spcAft>
+                          <a:spcPts val="0"/>
+                        </a:spcAft>
+                        <a:buNone/>
+                      </a:pPr>
+                      <a:r>
+                        <a:rPr b="1" lang="en"/>
+                        <a:t>0.90</a:t>
+                      </a:r>
+                      <a:endParaRPr b="1"/>
+                    </a:p>
+                  </a:txBody>
+                  <a:tcPr marT="88900" marB="88900" marR="88900" marL="88900">
+                    <a:solidFill>
+                      <a:srgbClr val="C9DAF8"/>
+                    </a:solidFill>
+                  </a:tcPr>
+                </a:tc>
+                <a:tc>
+                  <a:txBody>
+                    <a:bodyPr>
+                      <a:noAutofit/>
+                    </a:bodyPr>
+                    <a:lstStyle/>
+                    <a:p>
+                      <a:pPr indent="0" lvl="0" marL="0" rtl="0">
+                        <a:spcBef>
+                          <a:spcPts val="0"/>
+                        </a:spcBef>
+                        <a:spcAft>
+                          <a:spcPts val="0"/>
+                        </a:spcAft>
+                        <a:buNone/>
+                      </a:pPr>
+                      <a:r>
+                        <a:rPr b="1" lang="en"/>
+                        <a:t>0.90</a:t>
+                      </a:r>
+                      <a:endParaRPr b="1"/>
+                    </a:p>
+                  </a:txBody>
+                  <a:tcPr marT="88900" marB="88900" marR="88900" marL="88900">
+                    <a:solidFill>
+                      <a:srgbClr val="C9DAF8"/>
+                    </a:solidFill>
+                  </a:tcPr>
+                </a:tc>
+                <a:tc>
+                  <a:txBody>
+                    <a:bodyPr>
+                      <a:noAutofit/>
+                    </a:bodyPr>
+                    <a:lstStyle/>
+                    <a:p>
+                      <a:pPr indent="0" lvl="0" marL="0" rtl="0">
+                        <a:spcBef>
+                          <a:spcPts val="0"/>
+                        </a:spcBef>
+                        <a:spcAft>
+                          <a:spcPts val="0"/>
+                        </a:spcAft>
+                        <a:buNone/>
+                      </a:pPr>
+                      <a:r>
+                        <a:rPr b="1" lang="en"/>
+                        <a:t>0.867</a:t>
+                      </a:r>
+                      <a:endParaRPr b="1"/>
+                    </a:p>
+                  </a:txBody>
+                  <a:tcPr marT="88900" marB="88900" marR="88900" marL="88900">
                     <a:solidFill>
                       <a:srgbClr val="C9DAF8"/>
                     </a:solidFill>
@@ -9721,6 +9737,47 @@
           </a:graphicData>
         </a:graphic>
       </p:graphicFrame>
+      <p:sp>
+        <p:nvSpPr>
+          <p:cNvPr id="103" name="Shape 103"/>
+          <p:cNvSpPr txBox="1"/>
+          <p:nvPr/>
+        </p:nvSpPr>
+        <p:spPr>
+          <a:xfrm>
+            <a:off x="152400" y="152400"/>
+            <a:ext cx="3000000" cy="3000000"/>
+          </a:xfrm>
+          <a:prstGeom prst="rect">
+            <a:avLst/>
+          </a:prstGeom>
+          <a:noFill/>
+          <a:ln>
+            <a:noFill/>
+          </a:ln>
+        </p:spPr>
+        <p:txBody>
+          <a:bodyPr anchorCtr="0" anchor="ctr" bIns="91425" lIns="91425" spcFirstLastPara="1" rIns="91425" wrap="square" tIns="91425">
+            <a:noAutofit/>
+          </a:bodyPr>
+          <a:lstStyle/>
+          <a:p>
+            <a:pPr indent="0" lvl="0" marL="0" rtl="0">
+              <a:spcBef>
+                <a:spcPts val="0"/>
+              </a:spcBef>
+              <a:spcAft>
+                <a:spcPts val="0"/>
+              </a:spcAft>
+              <a:buNone/>
+            </a:pPr>
+            <a:r>
+              <a:t/>
+            </a:r>
+            <a:endParaRPr/>
+          </a:p>
+        </p:txBody>
+      </p:sp>
     </p:spTree>
   </p:cSld>
   <p:clrMapOvr>
@@ -9730,7 +9787,7 @@
 </file>
 
 <file path=ppt/theme/theme1.xml><?xml version="1.0" encoding="utf-8"?>
-<a:theme xmlns:a="http://schemas.openxmlformats.org/drawingml/2006/main" xmlns:r="http://schemas.openxmlformats.org/officeDocument/2006/relationships" name="Custom Theme">
+<a:theme xmlns:a="http://schemas.openxmlformats.org/drawingml/2006/main" xmlns:r="http://schemas.openxmlformats.org/officeDocument/2006/relationships">
   <a:themeElements>
     <a:clrScheme name="Default">
       <a:dk1>
